--- a/TD/TD_BTP/images/Figures.pptx
+++ b/TD/TD_BTP/images/Figures.pptx
@@ -7,6 +7,7 @@
   <p:sldIdLst>
     <p:sldId id="256" r:id="rId2"/>
     <p:sldId id="257" r:id="rId3"/>
+    <p:sldId id="258" r:id="rId4"/>
   </p:sldIdLst>
   <p:sldSz cx="9144000" cy="6858000" type="screen4x3"/>
   <p:notesSz cx="6858000" cy="9144000"/>
@@ -305,7 +306,7 @@
           <a:p>
             <a:fld id="{AA309A6D-C09C-4548-B29A-6CF363A7E532}" type="datetimeFigureOut">
               <a:rPr lang="fr-FR" smtClean="0"/>
-              <a:t>29/09/2016</a:t>
+              <a:t>02/10/2016</a:t>
             </a:fld>
             <a:endParaRPr lang="fr-BE"/>
           </a:p>
@@ -470,7 +471,7 @@
           <a:p>
             <a:fld id="{AA309A6D-C09C-4548-B29A-6CF363A7E532}" type="datetimeFigureOut">
               <a:rPr lang="fr-FR" smtClean="0"/>
-              <a:t>29/09/2016</a:t>
+              <a:t>02/10/2016</a:t>
             </a:fld>
             <a:endParaRPr lang="fr-BE"/>
           </a:p>
@@ -645,7 +646,7 @@
           <a:p>
             <a:fld id="{AA309A6D-C09C-4548-B29A-6CF363A7E532}" type="datetimeFigureOut">
               <a:rPr lang="fr-FR" smtClean="0"/>
-              <a:t>29/09/2016</a:t>
+              <a:t>02/10/2016</a:t>
             </a:fld>
             <a:endParaRPr lang="fr-BE"/>
           </a:p>
@@ -810,7 +811,7 @@
           <a:p>
             <a:fld id="{AA309A6D-C09C-4548-B29A-6CF363A7E532}" type="datetimeFigureOut">
               <a:rPr lang="fr-FR" smtClean="0"/>
-              <a:t>29/09/2016</a:t>
+              <a:t>02/10/2016</a:t>
             </a:fld>
             <a:endParaRPr lang="fr-BE"/>
           </a:p>
@@ -1051,7 +1052,7 @@
           <a:p>
             <a:fld id="{AA309A6D-C09C-4548-B29A-6CF363A7E532}" type="datetimeFigureOut">
               <a:rPr lang="fr-FR" smtClean="0"/>
-              <a:t>29/09/2016</a:t>
+              <a:t>02/10/2016</a:t>
             </a:fld>
             <a:endParaRPr lang="fr-BE"/>
           </a:p>
@@ -1334,7 +1335,7 @@
           <a:p>
             <a:fld id="{AA309A6D-C09C-4548-B29A-6CF363A7E532}" type="datetimeFigureOut">
               <a:rPr lang="fr-FR" smtClean="0"/>
-              <a:t>29/09/2016</a:t>
+              <a:t>02/10/2016</a:t>
             </a:fld>
             <a:endParaRPr lang="fr-BE"/>
           </a:p>
@@ -1751,7 +1752,7 @@
           <a:p>
             <a:fld id="{AA309A6D-C09C-4548-B29A-6CF363A7E532}" type="datetimeFigureOut">
               <a:rPr lang="fr-FR" smtClean="0"/>
-              <a:t>29/09/2016</a:t>
+              <a:t>02/10/2016</a:t>
             </a:fld>
             <a:endParaRPr lang="fr-BE"/>
           </a:p>
@@ -1864,7 +1865,7 @@
           <a:p>
             <a:fld id="{AA309A6D-C09C-4548-B29A-6CF363A7E532}" type="datetimeFigureOut">
               <a:rPr lang="fr-FR" smtClean="0"/>
-              <a:t>29/09/2016</a:t>
+              <a:t>02/10/2016</a:t>
             </a:fld>
             <a:endParaRPr lang="fr-BE"/>
           </a:p>
@@ -1954,7 +1955,7 @@
           <a:p>
             <a:fld id="{AA309A6D-C09C-4548-B29A-6CF363A7E532}" type="datetimeFigureOut">
               <a:rPr lang="fr-FR" smtClean="0"/>
-              <a:t>29/09/2016</a:t>
+              <a:t>02/10/2016</a:t>
             </a:fld>
             <a:endParaRPr lang="fr-BE"/>
           </a:p>
@@ -2226,7 +2227,7 @@
           <a:p>
             <a:fld id="{AA309A6D-C09C-4548-B29A-6CF363A7E532}" type="datetimeFigureOut">
               <a:rPr lang="fr-FR" smtClean="0"/>
-              <a:t>29/09/2016</a:t>
+              <a:t>02/10/2016</a:t>
             </a:fld>
             <a:endParaRPr lang="fr-BE"/>
           </a:p>
@@ -2474,7 +2475,7 @@
           <a:p>
             <a:fld id="{AA309A6D-C09C-4548-B29A-6CF363A7E532}" type="datetimeFigureOut">
               <a:rPr lang="fr-FR" smtClean="0"/>
-              <a:t>29/09/2016</a:t>
+              <a:t>02/10/2016</a:t>
             </a:fld>
             <a:endParaRPr lang="fr-BE"/>
           </a:p>
@@ -2682,7 +2683,7 @@
           <a:p>
             <a:fld id="{AA309A6D-C09C-4548-B29A-6CF363A7E532}" type="datetimeFigureOut">
               <a:rPr lang="fr-FR" smtClean="0"/>
-              <a:t>29/09/2016</a:t>
+              <a:t>02/10/2016</a:t>
             </a:fld>
             <a:endParaRPr lang="fr-BE"/>
           </a:p>
@@ -5989,8 +5990,8 @@
           </a:fontRef>
         </p:style>
       </p:cxnSp>
-      <mc:AlternateContent xmlns:mc="http://schemas.openxmlformats.org/markup-compatibility/2006">
-        <mc:Choice xmlns:a14="http://schemas.microsoft.com/office/drawing/2010/main" Requires="a14">
+      <mc:AlternateContent xmlns:mc="http://schemas.openxmlformats.org/markup-compatibility/2006" xmlns:a14="http://schemas.microsoft.com/office/drawing/2010/main">
+        <mc:Choice Requires="a14">
           <p:sp>
             <p:nvSpPr>
               <p:cNvPr id="34" name="ZoneTexte 33"/>
@@ -6034,7 +6035,7 @@
             </p:txBody>
           </p:sp>
         </mc:Choice>
-        <mc:Fallback>
+        <mc:Fallback xmlns="">
           <p:sp>
             <p:nvSpPr>
               <p:cNvPr id="34" name="ZoneTexte 33"/>
@@ -6073,8 +6074,8 @@
           </p:sp>
         </mc:Fallback>
       </mc:AlternateContent>
-      <mc:AlternateContent xmlns:mc="http://schemas.openxmlformats.org/markup-compatibility/2006">
-        <mc:Choice xmlns:a14="http://schemas.microsoft.com/office/drawing/2010/main" Requires="a14">
+      <mc:AlternateContent xmlns:mc="http://schemas.openxmlformats.org/markup-compatibility/2006" xmlns:a14="http://schemas.microsoft.com/office/drawing/2010/main">
+        <mc:Choice Requires="a14">
           <p:sp>
             <p:nvSpPr>
               <p:cNvPr id="38" name="ZoneTexte 37"/>
@@ -6118,7 +6119,7 @@
             </p:txBody>
           </p:sp>
         </mc:Choice>
-        <mc:Fallback>
+        <mc:Fallback xmlns="">
           <p:sp>
             <p:nvSpPr>
               <p:cNvPr id="38" name="ZoneTexte 37"/>
@@ -6157,8 +6158,8 @@
           </p:sp>
         </mc:Fallback>
       </mc:AlternateContent>
-      <mc:AlternateContent xmlns:mc="http://schemas.openxmlformats.org/markup-compatibility/2006">
-        <mc:Choice xmlns:a14="http://schemas.microsoft.com/office/drawing/2010/main" Requires="a14">
+      <mc:AlternateContent xmlns:mc="http://schemas.openxmlformats.org/markup-compatibility/2006" xmlns:a14="http://schemas.microsoft.com/office/drawing/2010/main">
+        <mc:Choice Requires="a14">
           <p:sp>
             <p:nvSpPr>
               <p:cNvPr id="39" name="ZoneTexte 38"/>
@@ -6202,7 +6203,7 @@
             </p:txBody>
           </p:sp>
         </mc:Choice>
-        <mc:Fallback>
+        <mc:Fallback xmlns="">
           <p:sp>
             <p:nvSpPr>
               <p:cNvPr id="39" name="ZoneTexte 38"/>
@@ -6241,8 +6242,8 @@
           </p:sp>
         </mc:Fallback>
       </mc:AlternateContent>
-      <mc:AlternateContent xmlns:mc="http://schemas.openxmlformats.org/markup-compatibility/2006">
-        <mc:Choice xmlns:a14="http://schemas.microsoft.com/office/drawing/2010/main" Requires="a14">
+      <mc:AlternateContent xmlns:mc="http://schemas.openxmlformats.org/markup-compatibility/2006" xmlns:a14="http://schemas.microsoft.com/office/drawing/2010/main">
+        <mc:Choice Requires="a14">
           <p:sp>
             <p:nvSpPr>
               <p:cNvPr id="40" name="ZoneTexte 39"/>
@@ -6286,7 +6287,7 @@
             </p:txBody>
           </p:sp>
         </mc:Choice>
-        <mc:Fallback>
+        <mc:Fallback xmlns="">
           <p:sp>
             <p:nvSpPr>
               <p:cNvPr id="40" name="ZoneTexte 39"/>
@@ -6329,6 +6330,2056 @@
     <p:extLst>
       <p:ext uri="{BB962C8B-B14F-4D97-AF65-F5344CB8AC3E}">
         <p14:creationId xmlns:p14="http://schemas.microsoft.com/office/powerpoint/2010/main" val="1303656060"/>
+      </p:ext>
+    </p:extLst>
+  </p:cSld>
+  <p:clrMapOvr>
+    <a:masterClrMapping/>
+  </p:clrMapOvr>
+</p:sld>
+</file>
+
+<file path=ppt/slides/slide3.xml><?xml version="1.0" encoding="utf-8"?>
+<p:sld xmlns:a="http://schemas.openxmlformats.org/drawingml/2006/main" xmlns:r="http://schemas.openxmlformats.org/officeDocument/2006/relationships" xmlns:p="http://schemas.openxmlformats.org/presentationml/2006/main">
+  <p:cSld>
+    <p:spTree>
+      <p:nvGrpSpPr>
+        <p:cNvPr id="1" name=""/>
+        <p:cNvGrpSpPr/>
+        <p:nvPr/>
+      </p:nvGrpSpPr>
+      <p:grpSpPr>
+        <a:xfrm>
+          <a:off x="0" y="0"/>
+          <a:ext cx="0" cy="0"/>
+          <a:chOff x="0" y="0"/>
+          <a:chExt cx="0" cy="0"/>
+        </a:xfrm>
+      </p:grpSpPr>
+      <p:sp>
+        <p:nvSpPr>
+          <p:cNvPr id="103" name="Triangle rectangle 102"/>
+          <p:cNvSpPr/>
+          <p:nvPr/>
+        </p:nvSpPr>
+        <p:spPr>
+          <a:xfrm flipV="1">
+            <a:off x="5313140" y="3813766"/>
+            <a:ext cx="691999" cy="373744"/>
+          </a:xfrm>
+          <a:prstGeom prst="rtTriangle">
+            <a:avLst/>
+          </a:prstGeom>
+          <a:solidFill>
+            <a:schemeClr val="accent2">
+              <a:lumMod val="20000"/>
+              <a:lumOff val="80000"/>
+            </a:schemeClr>
+          </a:solidFill>
+          <a:ln>
+            <a:noFill/>
+          </a:ln>
+        </p:spPr>
+        <p:style>
+          <a:lnRef idx="2">
+            <a:schemeClr val="accent1">
+              <a:shade val="50000"/>
+            </a:schemeClr>
+          </a:lnRef>
+          <a:fillRef idx="1">
+            <a:schemeClr val="accent1"/>
+          </a:fillRef>
+          <a:effectRef idx="0">
+            <a:schemeClr val="accent1"/>
+          </a:effectRef>
+          <a:fontRef idx="minor">
+            <a:schemeClr val="lt1"/>
+          </a:fontRef>
+        </p:style>
+        <p:txBody>
+          <a:bodyPr rtlCol="0" anchor="ctr"/>
+          <a:lstStyle/>
+          <a:p>
+            <a:pPr algn="ctr"/>
+            <a:endParaRPr lang="fr-FR"/>
+          </a:p>
+        </p:txBody>
+      </p:sp>
+      <p:sp>
+        <p:nvSpPr>
+          <p:cNvPr id="65" name="Rectangle 64"/>
+          <p:cNvSpPr/>
+          <p:nvPr/>
+        </p:nvSpPr>
+        <p:spPr>
+          <a:xfrm>
+            <a:off x="2411760" y="1591842"/>
+            <a:ext cx="720080" cy="390333"/>
+          </a:xfrm>
+          <a:prstGeom prst="rect">
+            <a:avLst/>
+          </a:prstGeom>
+          <a:solidFill>
+            <a:schemeClr val="accent2">
+              <a:lumMod val="20000"/>
+              <a:lumOff val="80000"/>
+            </a:schemeClr>
+          </a:solidFill>
+          <a:ln>
+            <a:noFill/>
+          </a:ln>
+        </p:spPr>
+        <p:style>
+          <a:lnRef idx="2">
+            <a:schemeClr val="accent1">
+              <a:shade val="50000"/>
+            </a:schemeClr>
+          </a:lnRef>
+          <a:fillRef idx="1">
+            <a:schemeClr val="accent1"/>
+          </a:fillRef>
+          <a:effectRef idx="0">
+            <a:schemeClr val="accent1"/>
+          </a:effectRef>
+          <a:fontRef idx="minor">
+            <a:schemeClr val="lt1"/>
+          </a:fontRef>
+        </p:style>
+        <p:txBody>
+          <a:bodyPr rtlCol="0" anchor="ctr"/>
+          <a:lstStyle/>
+          <a:p>
+            <a:pPr algn="ctr"/>
+            <a:endParaRPr lang="fr-FR"/>
+          </a:p>
+        </p:txBody>
+      </p:sp>
+      <p:sp>
+        <p:nvSpPr>
+          <p:cNvPr id="64" name="Rectangle 63"/>
+          <p:cNvSpPr/>
+          <p:nvPr/>
+        </p:nvSpPr>
+        <p:spPr>
+          <a:xfrm>
+            <a:off x="971598" y="3423434"/>
+            <a:ext cx="2160241" cy="390333"/>
+          </a:xfrm>
+          <a:prstGeom prst="rect">
+            <a:avLst/>
+          </a:prstGeom>
+          <a:solidFill>
+            <a:schemeClr val="accent2">
+              <a:lumMod val="20000"/>
+              <a:lumOff val="80000"/>
+            </a:schemeClr>
+          </a:solidFill>
+          <a:ln>
+            <a:noFill/>
+          </a:ln>
+        </p:spPr>
+        <p:style>
+          <a:lnRef idx="2">
+            <a:schemeClr val="accent1">
+              <a:shade val="50000"/>
+            </a:schemeClr>
+          </a:lnRef>
+          <a:fillRef idx="1">
+            <a:schemeClr val="accent1"/>
+          </a:fillRef>
+          <a:effectRef idx="0">
+            <a:schemeClr val="accent1"/>
+          </a:effectRef>
+          <a:fontRef idx="minor">
+            <a:schemeClr val="lt1"/>
+          </a:fontRef>
+        </p:style>
+        <p:txBody>
+          <a:bodyPr rtlCol="0" anchor="ctr"/>
+          <a:lstStyle/>
+          <a:p>
+            <a:pPr algn="ctr"/>
+            <a:endParaRPr lang="fr-FR"/>
+          </a:p>
+        </p:txBody>
+      </p:sp>
+      <p:cxnSp>
+        <p:nvCxnSpPr>
+          <p:cNvPr id="5" name="Connecteur droit avec flèche 4"/>
+          <p:cNvCxnSpPr/>
+          <p:nvPr/>
+        </p:nvCxnSpPr>
+        <p:spPr>
+          <a:xfrm flipV="1">
+            <a:off x="971600" y="1196752"/>
+            <a:ext cx="0" cy="1656184"/>
+          </a:xfrm>
+          <a:prstGeom prst="straightConnector1">
+            <a:avLst/>
+          </a:prstGeom>
+          <a:ln w="19050">
+            <a:solidFill>
+              <a:schemeClr val="accent5">
+                <a:lumMod val="50000"/>
+              </a:schemeClr>
+            </a:solidFill>
+            <a:tailEnd type="stealth" w="med" len="lg"/>
+          </a:ln>
+        </p:spPr>
+        <p:style>
+          <a:lnRef idx="1">
+            <a:schemeClr val="accent1"/>
+          </a:lnRef>
+          <a:fillRef idx="0">
+            <a:schemeClr val="accent1"/>
+          </a:fillRef>
+          <a:effectRef idx="0">
+            <a:schemeClr val="accent1"/>
+          </a:effectRef>
+          <a:fontRef idx="minor">
+            <a:schemeClr val="tx1"/>
+          </a:fontRef>
+        </p:style>
+      </p:cxnSp>
+      <p:cxnSp>
+        <p:nvCxnSpPr>
+          <p:cNvPr id="7" name="Connecteur droit avec flèche 6"/>
+          <p:cNvCxnSpPr/>
+          <p:nvPr/>
+        </p:nvCxnSpPr>
+        <p:spPr>
+          <a:xfrm>
+            <a:off x="971600" y="1988840"/>
+            <a:ext cx="2448272" cy="0"/>
+          </a:xfrm>
+          <a:prstGeom prst="straightConnector1">
+            <a:avLst/>
+          </a:prstGeom>
+          <a:ln w="19050">
+            <a:solidFill>
+              <a:schemeClr val="accent5">
+                <a:lumMod val="50000"/>
+              </a:schemeClr>
+            </a:solidFill>
+            <a:tailEnd type="stealth" w="med" len="lg"/>
+          </a:ln>
+        </p:spPr>
+        <p:style>
+          <a:lnRef idx="1">
+            <a:schemeClr val="accent1"/>
+          </a:lnRef>
+          <a:fillRef idx="0">
+            <a:schemeClr val="accent1"/>
+          </a:fillRef>
+          <a:effectRef idx="0">
+            <a:schemeClr val="accent1"/>
+          </a:effectRef>
+          <a:fontRef idx="minor">
+            <a:schemeClr val="tx1"/>
+          </a:fontRef>
+        </p:style>
+      </p:cxnSp>
+      <p:pic>
+        <p:nvPicPr>
+          <p:cNvPr id="9" name="Image 8"/>
+          <p:cNvPicPr>
+            <a:picLocks noChangeAspect="1"/>
+          </p:cNvPicPr>
+          <p:nvPr/>
+        </p:nvPicPr>
+        <p:blipFill>
+          <a:blip r:embed="rId2"/>
+          <a:stretch>
+            <a:fillRect/>
+          </a:stretch>
+        </p:blipFill>
+        <p:spPr>
+          <a:xfrm>
+            <a:off x="795780" y="72542"/>
+            <a:ext cx="3377477" cy="999831"/>
+          </a:xfrm>
+          <a:prstGeom prst="rect">
+            <a:avLst/>
+          </a:prstGeom>
+        </p:spPr>
+      </p:pic>
+      <p:cxnSp>
+        <p:nvCxnSpPr>
+          <p:cNvPr id="13" name="Connecteur droit 12"/>
+          <p:cNvCxnSpPr/>
+          <p:nvPr/>
+        </p:nvCxnSpPr>
+        <p:spPr>
+          <a:xfrm flipV="1">
+            <a:off x="2411760" y="1591842"/>
+            <a:ext cx="0" cy="390333"/>
+          </a:xfrm>
+          <a:prstGeom prst="line">
+            <a:avLst/>
+          </a:prstGeom>
+          <a:ln w="28575">
+            <a:solidFill>
+              <a:schemeClr val="accent2"/>
+            </a:solidFill>
+          </a:ln>
+        </p:spPr>
+        <p:style>
+          <a:lnRef idx="1">
+            <a:schemeClr val="accent1"/>
+          </a:lnRef>
+          <a:fillRef idx="0">
+            <a:schemeClr val="accent1"/>
+          </a:fillRef>
+          <a:effectRef idx="0">
+            <a:schemeClr val="accent1"/>
+          </a:effectRef>
+          <a:fontRef idx="minor">
+            <a:schemeClr val="tx1"/>
+          </a:fontRef>
+        </p:style>
+      </p:cxnSp>
+      <mc:AlternateContent xmlns:mc="http://schemas.openxmlformats.org/markup-compatibility/2006">
+        <mc:Choice xmlns:a14="http://schemas.microsoft.com/office/drawing/2010/main" Requires="a14">
+          <p:sp>
+            <p:nvSpPr>
+              <p:cNvPr id="14" name="ZoneTexte 13"/>
+              <p:cNvSpPr txBox="1"/>
+              <p:nvPr/>
+            </p:nvSpPr>
+            <p:spPr>
+              <a:xfrm>
+                <a:off x="556261" y="1478011"/>
+                <a:ext cx="336502" cy="253916"/>
+              </a:xfrm>
+              <a:prstGeom prst="rect">
+                <a:avLst/>
+              </a:prstGeom>
+              <a:noFill/>
+            </p:spPr>
+            <p:txBody>
+              <a:bodyPr wrap="none" rtlCol="0">
+                <a:spAutoFit/>
+              </a:bodyPr>
+              <a:lstStyle/>
+              <a:p>
+                <a:pPr/>
+                <a14:m>
+                  <m:oMathPara xmlns:m="http://schemas.openxmlformats.org/officeDocument/2006/math">
+                    <m:oMathParaPr>
+                      <m:jc m:val="centerGroup"/>
+                    </m:oMathParaPr>
+                    <m:oMath xmlns:m="http://schemas.openxmlformats.org/officeDocument/2006/math">
+                      <m:sSub>
+                        <m:sSubPr>
+                          <m:ctrlPr>
+                            <a:rPr lang="fr-FR" sz="1050" b="0" i="1" smtClean="0">
+                              <a:latin typeface="Cambria Math" panose="02040503050406030204" pitchFamily="18" charset="0"/>
+                            </a:rPr>
+                          </m:ctrlPr>
+                        </m:sSubPr>
+                        <m:e>
+                          <m:r>
+                            <a:rPr lang="fr-FR" sz="1050" b="0" i="1" smtClean="0">
+                              <a:latin typeface="Cambria Math" panose="02040503050406030204" pitchFamily="18" charset="0"/>
+                            </a:rPr>
+                            <m:t>𝐹</m:t>
+                          </m:r>
+                        </m:e>
+                        <m:sub>
+                          <m:r>
+                            <a:rPr lang="fr-FR" sz="1050" b="0" i="1" smtClean="0">
+                              <a:latin typeface="Cambria Math" panose="02040503050406030204" pitchFamily="18" charset="0"/>
+                            </a:rPr>
+                            <m:t>𝑥</m:t>
+                          </m:r>
+                        </m:sub>
+                      </m:sSub>
+                    </m:oMath>
+                  </m:oMathPara>
+                </a14:m>
+                <a:endParaRPr lang="fr-FR" sz="1050" dirty="0"/>
+              </a:p>
+            </p:txBody>
+          </p:sp>
+        </mc:Choice>
+        <mc:Fallback>
+          <p:sp>
+            <p:nvSpPr>
+              <p:cNvPr id="14" name="ZoneTexte 13"/>
+              <p:cNvSpPr txBox="1">
+                <a:spLocks noRot="1" noChangeAspect="1" noMove="1" noResize="1" noEditPoints="1" noAdjustHandles="1" noChangeArrowheads="1" noChangeShapeType="1" noTextEdit="1"/>
+              </p:cNvSpPr>
+              <p:nvPr/>
+            </p:nvSpPr>
+            <p:spPr>
+              <a:xfrm>
+                <a:off x="556261" y="1478011"/>
+                <a:ext cx="336502" cy="253916"/>
+              </a:xfrm>
+              <a:prstGeom prst="rect">
+                <a:avLst/>
+              </a:prstGeom>
+              <a:blipFill>
+                <a:blip r:embed="rId3"/>
+                <a:stretch>
+                  <a:fillRect/>
+                </a:stretch>
+              </a:blipFill>
+            </p:spPr>
+            <p:txBody>
+              <a:bodyPr/>
+              <a:lstStyle/>
+              <a:p>
+                <a:r>
+                  <a:rPr lang="fr-FR">
+                    <a:noFill/>
+                  </a:rPr>
+                  <a:t> </a:t>
+                </a:r>
+              </a:p>
+            </p:txBody>
+          </p:sp>
+        </mc:Fallback>
+      </mc:AlternateContent>
+      <p:cxnSp>
+        <p:nvCxnSpPr>
+          <p:cNvPr id="27" name="Connecteur droit avec flèche 26"/>
+          <p:cNvCxnSpPr/>
+          <p:nvPr/>
+        </p:nvCxnSpPr>
+        <p:spPr>
+          <a:xfrm flipV="1">
+            <a:off x="971600" y="3021679"/>
+            <a:ext cx="0" cy="1656184"/>
+          </a:xfrm>
+          <a:prstGeom prst="straightConnector1">
+            <a:avLst/>
+          </a:prstGeom>
+          <a:ln w="19050">
+            <a:solidFill>
+              <a:schemeClr val="accent5">
+                <a:lumMod val="50000"/>
+              </a:schemeClr>
+            </a:solidFill>
+            <a:tailEnd type="stealth" w="med" len="lg"/>
+          </a:ln>
+        </p:spPr>
+        <p:style>
+          <a:lnRef idx="1">
+            <a:schemeClr val="accent1"/>
+          </a:lnRef>
+          <a:fillRef idx="0">
+            <a:schemeClr val="accent1"/>
+          </a:fillRef>
+          <a:effectRef idx="0">
+            <a:schemeClr val="accent1"/>
+          </a:effectRef>
+          <a:fontRef idx="minor">
+            <a:schemeClr val="tx1"/>
+          </a:fontRef>
+        </p:style>
+      </p:cxnSp>
+      <p:cxnSp>
+        <p:nvCxnSpPr>
+          <p:cNvPr id="28" name="Connecteur droit avec flèche 27"/>
+          <p:cNvCxnSpPr/>
+          <p:nvPr/>
+        </p:nvCxnSpPr>
+        <p:spPr>
+          <a:xfrm>
+            <a:off x="971600" y="3813767"/>
+            <a:ext cx="2448272" cy="0"/>
+          </a:xfrm>
+          <a:prstGeom prst="straightConnector1">
+            <a:avLst/>
+          </a:prstGeom>
+          <a:ln w="19050">
+            <a:solidFill>
+              <a:schemeClr val="accent5">
+                <a:lumMod val="50000"/>
+              </a:schemeClr>
+            </a:solidFill>
+            <a:tailEnd type="stealth" w="med" len="lg"/>
+          </a:ln>
+        </p:spPr>
+        <p:style>
+          <a:lnRef idx="1">
+            <a:schemeClr val="accent1"/>
+          </a:lnRef>
+          <a:fillRef idx="0">
+            <a:schemeClr val="accent1"/>
+          </a:fillRef>
+          <a:effectRef idx="0">
+            <a:schemeClr val="accent1"/>
+          </a:effectRef>
+          <a:fontRef idx="minor">
+            <a:schemeClr val="tx1"/>
+          </a:fontRef>
+        </p:style>
+      </p:cxnSp>
+      <p:cxnSp>
+        <p:nvCxnSpPr>
+          <p:cNvPr id="29" name="Connecteur droit 28"/>
+          <p:cNvCxnSpPr/>
+          <p:nvPr/>
+        </p:nvCxnSpPr>
+        <p:spPr>
+          <a:xfrm>
+            <a:off x="971600" y="3423434"/>
+            <a:ext cx="2160240" cy="0"/>
+          </a:xfrm>
+          <a:prstGeom prst="line">
+            <a:avLst/>
+          </a:prstGeom>
+          <a:ln w="28575">
+            <a:solidFill>
+              <a:schemeClr val="accent2"/>
+            </a:solidFill>
+          </a:ln>
+        </p:spPr>
+        <p:style>
+          <a:lnRef idx="1">
+            <a:schemeClr val="accent1"/>
+          </a:lnRef>
+          <a:fillRef idx="0">
+            <a:schemeClr val="accent1"/>
+          </a:fillRef>
+          <a:effectRef idx="0">
+            <a:schemeClr val="accent1"/>
+          </a:effectRef>
+          <a:fontRef idx="minor">
+            <a:schemeClr val="tx1"/>
+          </a:fontRef>
+        </p:style>
+      </p:cxnSp>
+      <p:cxnSp>
+        <p:nvCxnSpPr>
+          <p:cNvPr id="37" name="Connecteur droit avec flèche 36"/>
+          <p:cNvCxnSpPr/>
+          <p:nvPr/>
+        </p:nvCxnSpPr>
+        <p:spPr>
+          <a:xfrm flipV="1">
+            <a:off x="4572000" y="1196752"/>
+            <a:ext cx="0" cy="1656184"/>
+          </a:xfrm>
+          <a:prstGeom prst="straightConnector1">
+            <a:avLst/>
+          </a:prstGeom>
+          <a:ln w="19050">
+            <a:solidFill>
+              <a:schemeClr val="accent5">
+                <a:lumMod val="50000"/>
+              </a:schemeClr>
+            </a:solidFill>
+            <a:tailEnd type="stealth" w="med" len="lg"/>
+          </a:ln>
+        </p:spPr>
+        <p:style>
+          <a:lnRef idx="1">
+            <a:schemeClr val="accent1"/>
+          </a:lnRef>
+          <a:fillRef idx="0">
+            <a:schemeClr val="accent1"/>
+          </a:fillRef>
+          <a:effectRef idx="0">
+            <a:schemeClr val="accent1"/>
+          </a:effectRef>
+          <a:fontRef idx="minor">
+            <a:schemeClr val="tx1"/>
+          </a:fontRef>
+        </p:style>
+      </p:cxnSp>
+      <p:cxnSp>
+        <p:nvCxnSpPr>
+          <p:cNvPr id="38" name="Connecteur droit avec flèche 37"/>
+          <p:cNvCxnSpPr/>
+          <p:nvPr/>
+        </p:nvCxnSpPr>
+        <p:spPr>
+          <a:xfrm>
+            <a:off x="4572000" y="1988840"/>
+            <a:ext cx="2448272" cy="0"/>
+          </a:xfrm>
+          <a:prstGeom prst="straightConnector1">
+            <a:avLst/>
+          </a:prstGeom>
+          <a:ln w="19050">
+            <a:solidFill>
+              <a:schemeClr val="accent5">
+                <a:lumMod val="50000"/>
+              </a:schemeClr>
+            </a:solidFill>
+            <a:tailEnd type="stealth" w="med" len="lg"/>
+          </a:ln>
+        </p:spPr>
+        <p:style>
+          <a:lnRef idx="1">
+            <a:schemeClr val="accent1"/>
+          </a:lnRef>
+          <a:fillRef idx="0">
+            <a:schemeClr val="accent1"/>
+          </a:fillRef>
+          <a:effectRef idx="0">
+            <a:schemeClr val="accent1"/>
+          </a:effectRef>
+          <a:fontRef idx="minor">
+            <a:schemeClr val="tx1"/>
+          </a:fontRef>
+        </p:style>
+      </p:cxnSp>
+      <mc:AlternateContent xmlns:mc="http://schemas.openxmlformats.org/markup-compatibility/2006">
+        <mc:Choice xmlns:a14="http://schemas.microsoft.com/office/drawing/2010/main" Requires="a14">
+          <p:sp>
+            <p:nvSpPr>
+              <p:cNvPr id="42" name="ZoneTexte 41"/>
+              <p:cNvSpPr txBox="1"/>
+              <p:nvPr/>
+            </p:nvSpPr>
+            <p:spPr>
+              <a:xfrm>
+                <a:off x="4138642" y="2250437"/>
+                <a:ext cx="442044" cy="266676"/>
+              </a:xfrm>
+              <a:prstGeom prst="rect">
+                <a:avLst/>
+              </a:prstGeom>
+              <a:noFill/>
+            </p:spPr>
+            <p:txBody>
+              <a:bodyPr wrap="none" rtlCol="0">
+                <a:spAutoFit/>
+              </a:bodyPr>
+              <a:lstStyle/>
+              <a:p>
+                <a:pPr/>
+                <a14:m>
+                  <m:oMathPara xmlns:m="http://schemas.openxmlformats.org/officeDocument/2006/math">
+                    <m:oMathParaPr>
+                      <m:jc m:val="centerGroup"/>
+                    </m:oMathParaPr>
+                    <m:oMath xmlns:m="http://schemas.openxmlformats.org/officeDocument/2006/math">
+                      <m:sSub>
+                        <m:sSubPr>
+                          <m:ctrlPr>
+                            <a:rPr lang="fr-FR" sz="1050" b="0" i="1" smtClean="0">
+                              <a:latin typeface="Cambria Math" panose="02040503050406030204" pitchFamily="18" charset="0"/>
+                            </a:rPr>
+                          </m:ctrlPr>
+                        </m:sSubPr>
+                        <m:e>
+                          <m:r>
+                            <a:rPr lang="fr-FR" sz="1050" b="0" i="1" smtClean="0">
+                              <a:latin typeface="Cambria Math" panose="02040503050406030204" pitchFamily="18" charset="0"/>
+                            </a:rPr>
+                            <m:t>−</m:t>
+                          </m:r>
+                          <m:r>
+                            <a:rPr lang="fr-FR" sz="1050" b="0" i="1" smtClean="0">
+                              <a:latin typeface="Cambria Math" panose="02040503050406030204" pitchFamily="18" charset="0"/>
+                            </a:rPr>
+                            <m:t>𝐹</m:t>
+                          </m:r>
+                        </m:e>
+                        <m:sub>
+                          <m:r>
+                            <a:rPr lang="fr-FR" sz="1050" b="0" i="1" smtClean="0">
+                              <a:latin typeface="Cambria Math" panose="02040503050406030204" pitchFamily="18" charset="0"/>
+                            </a:rPr>
+                            <m:t>𝑦</m:t>
+                          </m:r>
+                        </m:sub>
+                      </m:sSub>
+                    </m:oMath>
+                  </m:oMathPara>
+                </a14:m>
+                <a:endParaRPr lang="fr-FR" sz="1050" dirty="0"/>
+              </a:p>
+            </p:txBody>
+          </p:sp>
+        </mc:Choice>
+        <mc:Fallback>
+          <p:sp>
+            <p:nvSpPr>
+              <p:cNvPr id="42" name="ZoneTexte 41"/>
+              <p:cNvSpPr txBox="1">
+                <a:spLocks noRot="1" noChangeAspect="1" noMove="1" noResize="1" noEditPoints="1" noAdjustHandles="1" noChangeArrowheads="1" noChangeShapeType="1" noTextEdit="1"/>
+              </p:cNvSpPr>
+              <p:nvPr/>
+            </p:nvSpPr>
+            <p:spPr>
+              <a:xfrm>
+                <a:off x="4138642" y="2250437"/>
+                <a:ext cx="442044" cy="266676"/>
+              </a:xfrm>
+              <a:prstGeom prst="rect">
+                <a:avLst/>
+              </a:prstGeom>
+              <a:blipFill>
+                <a:blip r:embed="rId4"/>
+                <a:stretch>
+                  <a:fillRect/>
+                </a:stretch>
+              </a:blipFill>
+            </p:spPr>
+            <p:txBody>
+              <a:bodyPr/>
+              <a:lstStyle/>
+              <a:p>
+                <a:r>
+                  <a:rPr lang="fr-FR">
+                    <a:noFill/>
+                  </a:rPr>
+                  <a:t> </a:t>
+                </a:r>
+              </a:p>
+            </p:txBody>
+          </p:sp>
+        </mc:Fallback>
+      </mc:AlternateContent>
+      <p:cxnSp>
+        <p:nvCxnSpPr>
+          <p:cNvPr id="43" name="Connecteur droit avec flèche 42"/>
+          <p:cNvCxnSpPr/>
+          <p:nvPr/>
+        </p:nvCxnSpPr>
+        <p:spPr>
+          <a:xfrm flipV="1">
+            <a:off x="4572000" y="3021679"/>
+            <a:ext cx="0" cy="1656184"/>
+          </a:xfrm>
+          <a:prstGeom prst="straightConnector1">
+            <a:avLst/>
+          </a:prstGeom>
+          <a:ln w="19050">
+            <a:solidFill>
+              <a:schemeClr val="accent5">
+                <a:lumMod val="50000"/>
+              </a:schemeClr>
+            </a:solidFill>
+            <a:tailEnd type="stealth" w="med" len="lg"/>
+          </a:ln>
+        </p:spPr>
+        <p:style>
+          <a:lnRef idx="1">
+            <a:schemeClr val="accent1"/>
+          </a:lnRef>
+          <a:fillRef idx="0">
+            <a:schemeClr val="accent1"/>
+          </a:fillRef>
+          <a:effectRef idx="0">
+            <a:schemeClr val="accent1"/>
+          </a:effectRef>
+          <a:fontRef idx="minor">
+            <a:schemeClr val="tx1"/>
+          </a:fontRef>
+        </p:style>
+      </p:cxnSp>
+      <p:cxnSp>
+        <p:nvCxnSpPr>
+          <p:cNvPr id="44" name="Connecteur droit avec flèche 43"/>
+          <p:cNvCxnSpPr/>
+          <p:nvPr/>
+        </p:nvCxnSpPr>
+        <p:spPr>
+          <a:xfrm>
+            <a:off x="4572000" y="3813767"/>
+            <a:ext cx="2448272" cy="0"/>
+          </a:xfrm>
+          <a:prstGeom prst="straightConnector1">
+            <a:avLst/>
+          </a:prstGeom>
+          <a:ln w="19050">
+            <a:solidFill>
+              <a:schemeClr val="accent5">
+                <a:lumMod val="50000"/>
+              </a:schemeClr>
+            </a:solidFill>
+            <a:tailEnd type="stealth" w="med" len="lg"/>
+          </a:ln>
+        </p:spPr>
+        <p:style>
+          <a:lnRef idx="1">
+            <a:schemeClr val="accent1"/>
+          </a:lnRef>
+          <a:fillRef idx="0">
+            <a:schemeClr val="accent1"/>
+          </a:fillRef>
+          <a:effectRef idx="0">
+            <a:schemeClr val="accent1"/>
+          </a:effectRef>
+          <a:fontRef idx="minor">
+            <a:schemeClr val="tx1"/>
+          </a:fontRef>
+        </p:style>
+      </p:cxnSp>
+      <p:cxnSp>
+        <p:nvCxnSpPr>
+          <p:cNvPr id="45" name="Connecteur droit 44"/>
+          <p:cNvCxnSpPr/>
+          <p:nvPr/>
+        </p:nvCxnSpPr>
+        <p:spPr>
+          <a:xfrm>
+            <a:off x="5306120" y="3799292"/>
+            <a:ext cx="1" cy="388220"/>
+          </a:xfrm>
+          <a:prstGeom prst="line">
+            <a:avLst/>
+          </a:prstGeom>
+          <a:ln w="28575">
+            <a:solidFill>
+              <a:schemeClr val="accent2"/>
+            </a:solidFill>
+          </a:ln>
+        </p:spPr>
+        <p:style>
+          <a:lnRef idx="1">
+            <a:schemeClr val="accent1"/>
+          </a:lnRef>
+          <a:fillRef idx="0">
+            <a:schemeClr val="accent1"/>
+          </a:fillRef>
+          <a:effectRef idx="0">
+            <a:schemeClr val="accent1"/>
+          </a:effectRef>
+          <a:fontRef idx="minor">
+            <a:schemeClr val="tx1"/>
+          </a:fontRef>
+        </p:style>
+      </p:cxnSp>
+      <mc:AlternateContent xmlns:mc="http://schemas.openxmlformats.org/markup-compatibility/2006">
+        <mc:Choice xmlns:a14="http://schemas.microsoft.com/office/drawing/2010/main" Requires="a14">
+          <p:sp>
+            <p:nvSpPr>
+              <p:cNvPr id="46" name="ZoneTexte 45"/>
+              <p:cNvSpPr txBox="1"/>
+              <p:nvPr/>
+            </p:nvSpPr>
+            <p:spPr>
+              <a:xfrm>
+                <a:off x="3679497" y="4057728"/>
+                <a:ext cx="1012841" cy="266676"/>
+              </a:xfrm>
+              <a:prstGeom prst="rect">
+                <a:avLst/>
+              </a:prstGeom>
+              <a:noFill/>
+            </p:spPr>
+            <p:txBody>
+              <a:bodyPr wrap="none" rtlCol="0">
+                <a:spAutoFit/>
+              </a:bodyPr>
+              <a:lstStyle/>
+              <a:p>
+                <a:pPr/>
+                <a14:m>
+                  <m:oMathPara xmlns:m="http://schemas.openxmlformats.org/officeDocument/2006/math">
+                    <m:oMathParaPr>
+                      <m:jc m:val="centerGroup"/>
+                    </m:oMathParaPr>
+                    <m:oMath xmlns:m="http://schemas.openxmlformats.org/officeDocument/2006/math">
+                      <m:r>
+                        <a:rPr lang="fr-FR" sz="1050" b="0" i="1" smtClean="0">
+                          <a:latin typeface="Cambria Math" panose="02040503050406030204" pitchFamily="18" charset="0"/>
+                        </a:rPr>
+                        <m:t>−</m:t>
+                      </m:r>
+                      <m:sSub>
+                        <m:sSubPr>
+                          <m:ctrlPr>
+                            <a:rPr lang="fr-FR" sz="1050" b="0" i="1" smtClean="0">
+                              <a:latin typeface="Cambria Math" panose="02040503050406030204" pitchFamily="18" charset="0"/>
+                            </a:rPr>
+                          </m:ctrlPr>
+                        </m:sSubPr>
+                        <m:e>
+                          <m:r>
+                            <a:rPr lang="fr-FR" sz="1050" b="0" i="1" smtClean="0">
+                              <a:latin typeface="Cambria Math" panose="02040503050406030204" pitchFamily="18" charset="0"/>
+                            </a:rPr>
+                            <m:t>𝐹</m:t>
+                          </m:r>
+                        </m:e>
+                        <m:sub>
+                          <m:r>
+                            <a:rPr lang="fr-FR" sz="1050" b="0" i="1" smtClean="0">
+                              <a:latin typeface="Cambria Math" panose="02040503050406030204" pitchFamily="18" charset="0"/>
+                            </a:rPr>
+                            <m:t>𝑦</m:t>
+                          </m:r>
+                        </m:sub>
+                      </m:sSub>
+                      <m:d>
+                        <m:dPr>
+                          <m:ctrlPr>
+                            <a:rPr lang="fr-FR" sz="1050" b="0" i="1" smtClean="0">
+                              <a:latin typeface="Cambria Math" panose="02040503050406030204" pitchFamily="18" charset="0"/>
+                            </a:rPr>
+                          </m:ctrlPr>
+                        </m:dPr>
+                        <m:e>
+                          <m:sSub>
+                            <m:sSubPr>
+                              <m:ctrlPr>
+                                <a:rPr lang="fr-FR" sz="1050" b="0" i="1" smtClean="0">
+                                  <a:latin typeface="Cambria Math" panose="02040503050406030204" pitchFamily="18" charset="0"/>
+                                </a:rPr>
+                              </m:ctrlPr>
+                            </m:sSubPr>
+                            <m:e>
+                              <m:r>
+                                <a:rPr lang="fr-FR" sz="1050" b="0" i="1" smtClean="0">
+                                  <a:latin typeface="Cambria Math" panose="02040503050406030204" pitchFamily="18" charset="0"/>
+                                </a:rPr>
+                                <m:t>ℓ</m:t>
+                              </m:r>
+                            </m:e>
+                            <m:sub>
+                              <m:r>
+                                <a:rPr lang="fr-FR" sz="1050" b="0" i="1" smtClean="0">
+                                  <a:latin typeface="Cambria Math" panose="02040503050406030204" pitchFamily="18" charset="0"/>
+                                </a:rPr>
+                                <m:t>2</m:t>
+                              </m:r>
+                            </m:sub>
+                          </m:sSub>
+                          <m:r>
+                            <a:rPr lang="fr-FR" sz="1050" b="0" i="1" smtClean="0">
+                              <a:latin typeface="Cambria Math" panose="02040503050406030204" pitchFamily="18" charset="0"/>
+                            </a:rPr>
+                            <m:t>−</m:t>
+                          </m:r>
+                          <m:sSub>
+                            <m:sSubPr>
+                              <m:ctrlPr>
+                                <a:rPr lang="fr-FR" sz="1050" b="0" i="1" smtClean="0">
+                                  <a:latin typeface="Cambria Math" panose="02040503050406030204" pitchFamily="18" charset="0"/>
+                                </a:rPr>
+                              </m:ctrlPr>
+                            </m:sSubPr>
+                            <m:e>
+                              <m:r>
+                                <a:rPr lang="fr-FR" sz="1050" b="0" i="1" smtClean="0">
+                                  <a:latin typeface="Cambria Math" panose="02040503050406030204" pitchFamily="18" charset="0"/>
+                                </a:rPr>
+                                <m:t>ℓ</m:t>
+                              </m:r>
+                            </m:e>
+                            <m:sub>
+                              <m:r>
+                                <a:rPr lang="fr-FR" sz="1050" b="0" i="1" smtClean="0">
+                                  <a:latin typeface="Cambria Math" panose="02040503050406030204" pitchFamily="18" charset="0"/>
+                                </a:rPr>
+                                <m:t>1</m:t>
+                              </m:r>
+                            </m:sub>
+                          </m:sSub>
+                        </m:e>
+                      </m:d>
+                    </m:oMath>
+                  </m:oMathPara>
+                </a14:m>
+                <a:endParaRPr lang="fr-FR" sz="1050" dirty="0"/>
+              </a:p>
+            </p:txBody>
+          </p:sp>
+        </mc:Choice>
+        <mc:Fallback>
+          <p:sp>
+            <p:nvSpPr>
+              <p:cNvPr id="46" name="ZoneTexte 45"/>
+              <p:cNvSpPr txBox="1">
+                <a:spLocks noRot="1" noChangeAspect="1" noMove="1" noResize="1" noEditPoints="1" noAdjustHandles="1" noChangeArrowheads="1" noChangeShapeType="1" noTextEdit="1"/>
+              </p:cNvSpPr>
+              <p:nvPr/>
+            </p:nvSpPr>
+            <p:spPr>
+              <a:xfrm>
+                <a:off x="3679497" y="4057728"/>
+                <a:ext cx="1012841" cy="266676"/>
+              </a:xfrm>
+              <a:prstGeom prst="rect">
+                <a:avLst/>
+              </a:prstGeom>
+              <a:blipFill>
+                <a:blip r:embed="rId5"/>
+                <a:stretch>
+                  <a:fillRect/>
+                </a:stretch>
+              </a:blipFill>
+            </p:spPr>
+            <p:txBody>
+              <a:bodyPr/>
+              <a:lstStyle/>
+              <a:p>
+                <a:r>
+                  <a:rPr lang="fr-FR">
+                    <a:noFill/>
+                  </a:rPr>
+                  <a:t> </a:t>
+                </a:r>
+              </a:p>
+            </p:txBody>
+          </p:sp>
+        </mc:Fallback>
+      </mc:AlternateContent>
+      <mc:AlternateContent xmlns:mc="http://schemas.openxmlformats.org/markup-compatibility/2006">
+        <mc:Choice xmlns:a14="http://schemas.microsoft.com/office/drawing/2010/main" Requires="a14">
+          <p:sp>
+            <p:nvSpPr>
+              <p:cNvPr id="48" name="ZoneTexte 47"/>
+              <p:cNvSpPr txBox="1"/>
+              <p:nvPr/>
+            </p:nvSpPr>
+            <p:spPr>
+              <a:xfrm>
+                <a:off x="614248" y="1123942"/>
+                <a:ext cx="317779" cy="253916"/>
+              </a:xfrm>
+              <a:prstGeom prst="rect">
+                <a:avLst/>
+              </a:prstGeom>
+              <a:noFill/>
+            </p:spPr>
+            <p:txBody>
+              <a:bodyPr wrap="none" rtlCol="0">
+                <a:spAutoFit/>
+              </a:bodyPr>
+              <a:lstStyle/>
+              <a:p>
+                <a:pPr/>
+                <a14:m>
+                  <m:oMathPara xmlns:m="http://schemas.openxmlformats.org/officeDocument/2006/math">
+                    <m:oMathParaPr>
+                      <m:jc m:val="centerGroup"/>
+                    </m:oMathParaPr>
+                    <m:oMath xmlns:m="http://schemas.openxmlformats.org/officeDocument/2006/math">
+                      <m:r>
+                        <a:rPr lang="fr-FR" sz="1050" b="0" i="1" smtClean="0">
+                          <a:latin typeface="Cambria Math" panose="02040503050406030204" pitchFamily="18" charset="0"/>
+                        </a:rPr>
+                        <m:t>𝑁</m:t>
+                      </m:r>
+                    </m:oMath>
+                  </m:oMathPara>
+                </a14:m>
+                <a:endParaRPr lang="fr-FR" sz="1050" dirty="0"/>
+              </a:p>
+            </p:txBody>
+          </p:sp>
+        </mc:Choice>
+        <mc:Fallback>
+          <p:sp>
+            <p:nvSpPr>
+              <p:cNvPr id="48" name="ZoneTexte 47"/>
+              <p:cNvSpPr txBox="1">
+                <a:spLocks noRot="1" noChangeAspect="1" noMove="1" noResize="1" noEditPoints="1" noAdjustHandles="1" noChangeArrowheads="1" noChangeShapeType="1" noTextEdit="1"/>
+              </p:cNvSpPr>
+              <p:nvPr/>
+            </p:nvSpPr>
+            <p:spPr>
+              <a:xfrm>
+                <a:off x="614248" y="1123942"/>
+                <a:ext cx="317779" cy="253916"/>
+              </a:xfrm>
+              <a:prstGeom prst="rect">
+                <a:avLst/>
+              </a:prstGeom>
+              <a:blipFill>
+                <a:blip r:embed="rId6"/>
+                <a:stretch>
+                  <a:fillRect/>
+                </a:stretch>
+              </a:blipFill>
+            </p:spPr>
+            <p:txBody>
+              <a:bodyPr/>
+              <a:lstStyle/>
+              <a:p>
+                <a:r>
+                  <a:rPr lang="fr-FR">
+                    <a:noFill/>
+                  </a:rPr>
+                  <a:t> </a:t>
+                </a:r>
+              </a:p>
+            </p:txBody>
+          </p:sp>
+        </mc:Fallback>
+      </mc:AlternateContent>
+      <mc:AlternateContent xmlns:mc="http://schemas.openxmlformats.org/markup-compatibility/2006">
+        <mc:Choice xmlns:a14="http://schemas.microsoft.com/office/drawing/2010/main" Requires="a14">
+          <p:sp>
+            <p:nvSpPr>
+              <p:cNvPr id="49" name="ZoneTexte 48"/>
+              <p:cNvSpPr txBox="1"/>
+              <p:nvPr/>
+            </p:nvSpPr>
+            <p:spPr>
+              <a:xfrm>
+                <a:off x="538243" y="2852936"/>
+                <a:ext cx="372538" cy="253916"/>
+              </a:xfrm>
+              <a:prstGeom prst="rect">
+                <a:avLst/>
+              </a:prstGeom>
+              <a:noFill/>
+            </p:spPr>
+            <p:txBody>
+              <a:bodyPr wrap="none" rtlCol="0">
+                <a:spAutoFit/>
+              </a:bodyPr>
+              <a:lstStyle/>
+              <a:p>
+                <a:pPr/>
+                <a14:m>
+                  <m:oMathPara xmlns:m="http://schemas.openxmlformats.org/officeDocument/2006/math">
+                    <m:oMathParaPr>
+                      <m:jc m:val="centerGroup"/>
+                    </m:oMathParaPr>
+                    <m:oMath xmlns:m="http://schemas.openxmlformats.org/officeDocument/2006/math">
+                      <m:sSub>
+                        <m:sSubPr>
+                          <m:ctrlPr>
+                            <a:rPr lang="fr-FR" sz="1050" b="0" i="1" smtClean="0">
+                              <a:latin typeface="Cambria Math" panose="02040503050406030204" pitchFamily="18" charset="0"/>
+                            </a:rPr>
+                          </m:ctrlPr>
+                        </m:sSubPr>
+                        <m:e>
+                          <m:r>
+                            <a:rPr lang="fr-FR" sz="1050" b="0" i="1" smtClean="0">
+                              <a:latin typeface="Cambria Math" panose="02040503050406030204" pitchFamily="18" charset="0"/>
+                            </a:rPr>
+                            <m:t>𝑀</m:t>
+                          </m:r>
+                        </m:e>
+                        <m:sub>
+                          <m:r>
+                            <a:rPr lang="fr-FR" sz="1050" b="0" i="1" smtClean="0">
+                              <a:latin typeface="Cambria Math" panose="02040503050406030204" pitchFamily="18" charset="0"/>
+                            </a:rPr>
+                            <m:t>𝑡</m:t>
+                          </m:r>
+                        </m:sub>
+                      </m:sSub>
+                    </m:oMath>
+                  </m:oMathPara>
+                </a14:m>
+                <a:endParaRPr lang="fr-FR" sz="1050" dirty="0"/>
+              </a:p>
+            </p:txBody>
+          </p:sp>
+        </mc:Choice>
+        <mc:Fallback>
+          <p:sp>
+            <p:nvSpPr>
+              <p:cNvPr id="49" name="ZoneTexte 48"/>
+              <p:cNvSpPr txBox="1">
+                <a:spLocks noRot="1" noChangeAspect="1" noMove="1" noResize="1" noEditPoints="1" noAdjustHandles="1" noChangeArrowheads="1" noChangeShapeType="1" noTextEdit="1"/>
+              </p:cNvSpPr>
+              <p:nvPr/>
+            </p:nvSpPr>
+            <p:spPr>
+              <a:xfrm>
+                <a:off x="538243" y="2852936"/>
+                <a:ext cx="372538" cy="253916"/>
+              </a:xfrm>
+              <a:prstGeom prst="rect">
+                <a:avLst/>
+              </a:prstGeom>
+              <a:blipFill>
+                <a:blip r:embed="rId7"/>
+                <a:stretch>
+                  <a:fillRect/>
+                </a:stretch>
+              </a:blipFill>
+            </p:spPr>
+            <p:txBody>
+              <a:bodyPr/>
+              <a:lstStyle/>
+              <a:p>
+                <a:r>
+                  <a:rPr lang="fr-FR">
+                    <a:noFill/>
+                  </a:rPr>
+                  <a:t> </a:t>
+                </a:r>
+              </a:p>
+            </p:txBody>
+          </p:sp>
+        </mc:Fallback>
+      </mc:AlternateContent>
+      <mc:AlternateContent xmlns:mc="http://schemas.openxmlformats.org/markup-compatibility/2006">
+        <mc:Choice xmlns:a14="http://schemas.microsoft.com/office/drawing/2010/main" Requires="a14">
+          <p:sp>
+            <p:nvSpPr>
+              <p:cNvPr id="50" name="ZoneTexte 49"/>
+              <p:cNvSpPr txBox="1"/>
+              <p:nvPr/>
+            </p:nvSpPr>
+            <p:spPr>
+              <a:xfrm>
+                <a:off x="4203583" y="1097296"/>
+                <a:ext cx="347339" cy="266676"/>
+              </a:xfrm>
+              <a:prstGeom prst="rect">
+                <a:avLst/>
+              </a:prstGeom>
+              <a:noFill/>
+            </p:spPr>
+            <p:txBody>
+              <a:bodyPr wrap="none" rtlCol="0">
+                <a:spAutoFit/>
+              </a:bodyPr>
+              <a:lstStyle/>
+              <a:p>
+                <a:pPr/>
+                <a14:m>
+                  <m:oMathPara xmlns:m="http://schemas.openxmlformats.org/officeDocument/2006/math">
+                    <m:oMathParaPr>
+                      <m:jc m:val="centerGroup"/>
+                    </m:oMathParaPr>
+                    <m:oMath xmlns:m="http://schemas.openxmlformats.org/officeDocument/2006/math">
+                      <m:sSub>
+                        <m:sSubPr>
+                          <m:ctrlPr>
+                            <a:rPr lang="fr-FR" sz="1050" b="0" i="1" smtClean="0">
+                              <a:latin typeface="Cambria Math" panose="02040503050406030204" pitchFamily="18" charset="0"/>
+                            </a:rPr>
+                          </m:ctrlPr>
+                        </m:sSubPr>
+                        <m:e>
+                          <m:r>
+                            <a:rPr lang="fr-FR" sz="1050" b="0" i="1" smtClean="0">
+                              <a:latin typeface="Cambria Math" panose="02040503050406030204" pitchFamily="18" charset="0"/>
+                            </a:rPr>
+                            <m:t>𝑇</m:t>
+                          </m:r>
+                        </m:e>
+                        <m:sub>
+                          <m:r>
+                            <a:rPr lang="fr-FR" sz="1050" b="0" i="1" smtClean="0">
+                              <a:latin typeface="Cambria Math" panose="02040503050406030204" pitchFamily="18" charset="0"/>
+                            </a:rPr>
+                            <m:t>𝑦</m:t>
+                          </m:r>
+                        </m:sub>
+                      </m:sSub>
+                    </m:oMath>
+                  </m:oMathPara>
+                </a14:m>
+                <a:endParaRPr lang="fr-FR" sz="1050" dirty="0"/>
+              </a:p>
+            </p:txBody>
+          </p:sp>
+        </mc:Choice>
+        <mc:Fallback>
+          <p:sp>
+            <p:nvSpPr>
+              <p:cNvPr id="50" name="ZoneTexte 49"/>
+              <p:cNvSpPr txBox="1">
+                <a:spLocks noRot="1" noChangeAspect="1" noMove="1" noResize="1" noEditPoints="1" noAdjustHandles="1" noChangeArrowheads="1" noChangeShapeType="1" noTextEdit="1"/>
+              </p:cNvSpPr>
+              <p:nvPr/>
+            </p:nvSpPr>
+            <p:spPr>
+              <a:xfrm>
+                <a:off x="4203583" y="1097296"/>
+                <a:ext cx="347339" cy="266676"/>
+              </a:xfrm>
+              <a:prstGeom prst="rect">
+                <a:avLst/>
+              </a:prstGeom>
+              <a:blipFill>
+                <a:blip r:embed="rId8"/>
+                <a:stretch>
+                  <a:fillRect/>
+                </a:stretch>
+              </a:blipFill>
+            </p:spPr>
+            <p:txBody>
+              <a:bodyPr/>
+              <a:lstStyle/>
+              <a:p>
+                <a:r>
+                  <a:rPr lang="fr-FR">
+                    <a:noFill/>
+                  </a:rPr>
+                  <a:t> </a:t>
+                </a:r>
+              </a:p>
+            </p:txBody>
+          </p:sp>
+        </mc:Fallback>
+      </mc:AlternateContent>
+      <mc:AlternateContent xmlns:mc="http://schemas.openxmlformats.org/markup-compatibility/2006">
+        <mc:Choice xmlns:a14="http://schemas.microsoft.com/office/drawing/2010/main" Requires="a14">
+          <p:sp>
+            <p:nvSpPr>
+              <p:cNvPr id="51" name="ZoneTexte 50"/>
+              <p:cNvSpPr txBox="1"/>
+              <p:nvPr/>
+            </p:nvSpPr>
+            <p:spPr>
+              <a:xfrm>
+                <a:off x="4138642" y="2996257"/>
+                <a:ext cx="431272" cy="266868"/>
+              </a:xfrm>
+              <a:prstGeom prst="rect">
+                <a:avLst/>
+              </a:prstGeom>
+              <a:noFill/>
+            </p:spPr>
+            <p:txBody>
+              <a:bodyPr wrap="none" rtlCol="0">
+                <a:spAutoFit/>
+              </a:bodyPr>
+              <a:lstStyle/>
+              <a:p>
+                <a:pPr/>
+                <a14:m>
+                  <m:oMathPara xmlns:m="http://schemas.openxmlformats.org/officeDocument/2006/math">
+                    <m:oMathParaPr>
+                      <m:jc m:val="centerGroup"/>
+                    </m:oMathParaPr>
+                    <m:oMath xmlns:m="http://schemas.openxmlformats.org/officeDocument/2006/math">
+                      <m:sSub>
+                        <m:sSubPr>
+                          <m:ctrlPr>
+                            <a:rPr lang="fr-FR" sz="1050" b="0" i="1" smtClean="0">
+                              <a:latin typeface="Cambria Math" panose="02040503050406030204" pitchFamily="18" charset="0"/>
+                            </a:rPr>
+                          </m:ctrlPr>
+                        </m:sSubPr>
+                        <m:e>
+                          <m:r>
+                            <a:rPr lang="fr-FR" sz="1050" b="0" i="1" smtClean="0">
+                              <a:latin typeface="Cambria Math" panose="02040503050406030204" pitchFamily="18" charset="0"/>
+                            </a:rPr>
+                            <m:t>𝑀</m:t>
+                          </m:r>
+                        </m:e>
+                        <m:sub>
+                          <m:r>
+                            <a:rPr lang="fr-FR" sz="1050" b="0" i="1" smtClean="0">
+                              <a:latin typeface="Cambria Math" panose="02040503050406030204" pitchFamily="18" charset="0"/>
+                            </a:rPr>
+                            <m:t>𝑓𝑧</m:t>
+                          </m:r>
+                        </m:sub>
+                      </m:sSub>
+                    </m:oMath>
+                  </m:oMathPara>
+                </a14:m>
+                <a:endParaRPr lang="fr-FR" sz="1050" dirty="0"/>
+              </a:p>
+            </p:txBody>
+          </p:sp>
+        </mc:Choice>
+        <mc:Fallback>
+          <p:sp>
+            <p:nvSpPr>
+              <p:cNvPr id="51" name="ZoneTexte 50"/>
+              <p:cNvSpPr txBox="1">
+                <a:spLocks noRot="1" noChangeAspect="1" noMove="1" noResize="1" noEditPoints="1" noAdjustHandles="1" noChangeArrowheads="1" noChangeShapeType="1" noTextEdit="1"/>
+              </p:cNvSpPr>
+              <p:nvPr/>
+            </p:nvSpPr>
+            <p:spPr>
+              <a:xfrm>
+                <a:off x="4138642" y="2996257"/>
+                <a:ext cx="431272" cy="266868"/>
+              </a:xfrm>
+              <a:prstGeom prst="rect">
+                <a:avLst/>
+              </a:prstGeom>
+              <a:blipFill>
+                <a:blip r:embed="rId9"/>
+                <a:stretch>
+                  <a:fillRect/>
+                </a:stretch>
+              </a:blipFill>
+            </p:spPr>
+            <p:txBody>
+              <a:bodyPr/>
+              <a:lstStyle/>
+              <a:p>
+                <a:r>
+                  <a:rPr lang="fr-FR">
+                    <a:noFill/>
+                  </a:rPr>
+                  <a:t> </a:t>
+                </a:r>
+              </a:p>
+            </p:txBody>
+          </p:sp>
+        </mc:Fallback>
+      </mc:AlternateContent>
+      <mc:AlternateContent xmlns:mc="http://schemas.openxmlformats.org/markup-compatibility/2006">
+        <mc:Choice xmlns:a14="http://schemas.microsoft.com/office/drawing/2010/main" Requires="a14">
+          <p:sp>
+            <p:nvSpPr>
+              <p:cNvPr id="60" name="ZoneTexte 59"/>
+              <p:cNvSpPr txBox="1"/>
+              <p:nvPr/>
+            </p:nvSpPr>
+            <p:spPr>
+              <a:xfrm>
+                <a:off x="486007" y="3310074"/>
+                <a:ext cx="338874" cy="253916"/>
+              </a:xfrm>
+              <a:prstGeom prst="rect">
+                <a:avLst/>
+              </a:prstGeom>
+              <a:noFill/>
+            </p:spPr>
+            <p:txBody>
+              <a:bodyPr wrap="none" rtlCol="0">
+                <a:spAutoFit/>
+              </a:bodyPr>
+              <a:lstStyle/>
+              <a:p>
+                <a:pPr/>
+                <a14:m>
+                  <m:oMathPara xmlns:m="http://schemas.openxmlformats.org/officeDocument/2006/math">
+                    <m:oMathParaPr>
+                      <m:jc m:val="centerGroup"/>
+                    </m:oMathParaPr>
+                    <m:oMath xmlns:m="http://schemas.openxmlformats.org/officeDocument/2006/math">
+                      <m:sSub>
+                        <m:sSubPr>
+                          <m:ctrlPr>
+                            <a:rPr lang="fr-FR" sz="1050" b="0" i="1" smtClean="0">
+                              <a:latin typeface="Cambria Math" panose="02040503050406030204" pitchFamily="18" charset="0"/>
+                            </a:rPr>
+                          </m:ctrlPr>
+                        </m:sSubPr>
+                        <m:e>
+                          <m:r>
+                            <a:rPr lang="fr-FR" sz="1050" b="0" i="1" smtClean="0">
+                              <a:latin typeface="Cambria Math" panose="02040503050406030204" pitchFamily="18" charset="0"/>
+                            </a:rPr>
+                            <m:t>𝐶</m:t>
+                          </m:r>
+                        </m:e>
+                        <m:sub>
+                          <m:r>
+                            <a:rPr lang="fr-FR" sz="1050" b="0" i="1" smtClean="0">
+                              <a:latin typeface="Cambria Math" panose="02040503050406030204" pitchFamily="18" charset="0"/>
+                            </a:rPr>
+                            <m:t>𝑡</m:t>
+                          </m:r>
+                        </m:sub>
+                      </m:sSub>
+                    </m:oMath>
+                  </m:oMathPara>
+                </a14:m>
+                <a:endParaRPr lang="fr-FR" sz="1050" dirty="0"/>
+              </a:p>
+            </p:txBody>
+          </p:sp>
+        </mc:Choice>
+        <mc:Fallback>
+          <p:sp>
+            <p:nvSpPr>
+              <p:cNvPr id="60" name="ZoneTexte 59"/>
+              <p:cNvSpPr txBox="1">
+                <a:spLocks noRot="1" noChangeAspect="1" noMove="1" noResize="1" noEditPoints="1" noAdjustHandles="1" noChangeArrowheads="1" noChangeShapeType="1" noTextEdit="1"/>
+              </p:cNvSpPr>
+              <p:nvPr/>
+            </p:nvSpPr>
+            <p:spPr>
+              <a:xfrm>
+                <a:off x="486007" y="3310074"/>
+                <a:ext cx="338874" cy="253916"/>
+              </a:xfrm>
+              <a:prstGeom prst="rect">
+                <a:avLst/>
+              </a:prstGeom>
+              <a:blipFill>
+                <a:blip r:embed="rId10"/>
+                <a:stretch>
+                  <a:fillRect/>
+                </a:stretch>
+              </a:blipFill>
+            </p:spPr>
+            <p:txBody>
+              <a:bodyPr/>
+              <a:lstStyle/>
+              <a:p>
+                <a:r>
+                  <a:rPr lang="fr-FR">
+                    <a:noFill/>
+                  </a:rPr>
+                  <a:t> </a:t>
+                </a:r>
+              </a:p>
+            </p:txBody>
+          </p:sp>
+        </mc:Fallback>
+      </mc:AlternateContent>
+      <p:cxnSp>
+        <p:nvCxnSpPr>
+          <p:cNvPr id="61" name="Connecteur droit 60"/>
+          <p:cNvCxnSpPr/>
+          <p:nvPr/>
+        </p:nvCxnSpPr>
+        <p:spPr>
+          <a:xfrm flipV="1">
+            <a:off x="3131840" y="3437032"/>
+            <a:ext cx="0" cy="376735"/>
+          </a:xfrm>
+          <a:prstGeom prst="line">
+            <a:avLst/>
+          </a:prstGeom>
+          <a:ln w="28575">
+            <a:solidFill>
+              <a:schemeClr val="accent2"/>
+            </a:solidFill>
+          </a:ln>
+        </p:spPr>
+        <p:style>
+          <a:lnRef idx="1">
+            <a:schemeClr val="accent1"/>
+          </a:lnRef>
+          <a:fillRef idx="0">
+            <a:schemeClr val="accent1"/>
+          </a:fillRef>
+          <a:effectRef idx="0">
+            <a:schemeClr val="accent1"/>
+          </a:effectRef>
+          <a:fontRef idx="minor">
+            <a:schemeClr val="tx1"/>
+          </a:fontRef>
+        </p:style>
+      </p:cxnSp>
+      <p:cxnSp>
+        <p:nvCxnSpPr>
+          <p:cNvPr id="68" name="Connecteur droit 67"/>
+          <p:cNvCxnSpPr/>
+          <p:nvPr/>
+        </p:nvCxnSpPr>
+        <p:spPr>
+          <a:xfrm flipV="1">
+            <a:off x="3131839" y="1591842"/>
+            <a:ext cx="0" cy="390333"/>
+          </a:xfrm>
+          <a:prstGeom prst="line">
+            <a:avLst/>
+          </a:prstGeom>
+          <a:ln w="28575">
+            <a:solidFill>
+              <a:schemeClr val="accent2"/>
+            </a:solidFill>
+          </a:ln>
+        </p:spPr>
+        <p:style>
+          <a:lnRef idx="1">
+            <a:schemeClr val="accent1"/>
+          </a:lnRef>
+          <a:fillRef idx="0">
+            <a:schemeClr val="accent1"/>
+          </a:fillRef>
+          <a:effectRef idx="0">
+            <a:schemeClr val="accent1"/>
+          </a:effectRef>
+          <a:fontRef idx="minor">
+            <a:schemeClr val="tx1"/>
+          </a:fontRef>
+        </p:style>
+      </p:cxnSp>
+      <p:cxnSp>
+        <p:nvCxnSpPr>
+          <p:cNvPr id="71" name="Connecteur droit 70"/>
+          <p:cNvCxnSpPr/>
+          <p:nvPr/>
+        </p:nvCxnSpPr>
+        <p:spPr>
+          <a:xfrm>
+            <a:off x="2411760" y="1591842"/>
+            <a:ext cx="720079" cy="0"/>
+          </a:xfrm>
+          <a:prstGeom prst="line">
+            <a:avLst/>
+          </a:prstGeom>
+          <a:ln w="28575">
+            <a:solidFill>
+              <a:schemeClr val="accent2"/>
+            </a:solidFill>
+          </a:ln>
+        </p:spPr>
+        <p:style>
+          <a:lnRef idx="1">
+            <a:schemeClr val="accent1"/>
+          </a:lnRef>
+          <a:fillRef idx="0">
+            <a:schemeClr val="accent1"/>
+          </a:fillRef>
+          <a:effectRef idx="0">
+            <a:schemeClr val="accent1"/>
+          </a:effectRef>
+          <a:fontRef idx="minor">
+            <a:schemeClr val="tx1"/>
+          </a:fontRef>
+        </p:style>
+      </p:cxnSp>
+      <p:cxnSp>
+        <p:nvCxnSpPr>
+          <p:cNvPr id="76" name="Connecteur droit 75"/>
+          <p:cNvCxnSpPr/>
+          <p:nvPr/>
+        </p:nvCxnSpPr>
+        <p:spPr>
+          <a:xfrm flipV="1">
+            <a:off x="964579" y="1988839"/>
+            <a:ext cx="1440161" cy="0"/>
+          </a:xfrm>
+          <a:prstGeom prst="line">
+            <a:avLst/>
+          </a:prstGeom>
+          <a:ln w="28575">
+            <a:solidFill>
+              <a:schemeClr val="accent2"/>
+            </a:solidFill>
+          </a:ln>
+        </p:spPr>
+        <p:style>
+          <a:lnRef idx="1">
+            <a:schemeClr val="accent1"/>
+          </a:lnRef>
+          <a:fillRef idx="0">
+            <a:schemeClr val="accent1"/>
+          </a:fillRef>
+          <a:effectRef idx="0">
+            <a:schemeClr val="accent1"/>
+          </a:effectRef>
+          <a:fontRef idx="minor">
+            <a:schemeClr val="tx1"/>
+          </a:fontRef>
+        </p:style>
+      </p:cxnSp>
+      <p:grpSp>
+        <p:nvGrpSpPr>
+          <p:cNvPr id="93" name="Groupe 92"/>
+          <p:cNvGrpSpPr/>
+          <p:nvPr/>
+        </p:nvGrpSpPr>
+        <p:grpSpPr>
+          <a:xfrm flipV="1">
+            <a:off x="4572000" y="1990458"/>
+            <a:ext cx="2167260" cy="398626"/>
+            <a:chOff x="4572000" y="1590214"/>
+            <a:chExt cx="2167260" cy="398626"/>
+          </a:xfrm>
+        </p:grpSpPr>
+        <p:cxnSp>
+          <p:nvCxnSpPr>
+            <p:cNvPr id="40" name="Connecteur droit 39"/>
+            <p:cNvCxnSpPr/>
+            <p:nvPr/>
+          </p:nvCxnSpPr>
+          <p:spPr>
+            <a:xfrm flipV="1">
+              <a:off x="4572000" y="1988840"/>
+              <a:ext cx="734121" cy="0"/>
+            </a:xfrm>
+            <a:prstGeom prst="line">
+              <a:avLst/>
+            </a:prstGeom>
+            <a:ln w="28575">
+              <a:solidFill>
+                <a:schemeClr val="accent2"/>
+              </a:solidFill>
+            </a:ln>
+          </p:spPr>
+          <p:style>
+            <a:lnRef idx="1">
+              <a:schemeClr val="accent1"/>
+            </a:lnRef>
+            <a:fillRef idx="0">
+              <a:schemeClr val="accent1"/>
+            </a:fillRef>
+            <a:effectRef idx="0">
+              <a:schemeClr val="accent1"/>
+            </a:effectRef>
+            <a:fontRef idx="minor">
+              <a:schemeClr val="tx1"/>
+            </a:fontRef>
+          </p:style>
+        </p:cxnSp>
+        <p:sp>
+          <p:nvSpPr>
+            <p:cNvPr id="78" name="Rectangle 77"/>
+            <p:cNvSpPr/>
+            <p:nvPr/>
+          </p:nvSpPr>
+          <p:spPr>
+            <a:xfrm>
+              <a:off x="5299099" y="1590214"/>
+              <a:ext cx="720080" cy="390333"/>
+            </a:xfrm>
+            <a:prstGeom prst="rect">
+              <a:avLst/>
+            </a:prstGeom>
+            <a:solidFill>
+              <a:schemeClr val="accent2">
+                <a:lumMod val="20000"/>
+                <a:lumOff val="80000"/>
+              </a:schemeClr>
+            </a:solidFill>
+            <a:ln>
+              <a:noFill/>
+            </a:ln>
+          </p:spPr>
+          <p:style>
+            <a:lnRef idx="2">
+              <a:schemeClr val="accent1">
+                <a:shade val="50000"/>
+              </a:schemeClr>
+            </a:lnRef>
+            <a:fillRef idx="1">
+              <a:schemeClr val="accent1"/>
+            </a:fillRef>
+            <a:effectRef idx="0">
+              <a:schemeClr val="accent1"/>
+            </a:effectRef>
+            <a:fontRef idx="minor">
+              <a:schemeClr val="lt1"/>
+            </a:fontRef>
+          </p:style>
+          <p:txBody>
+            <a:bodyPr rtlCol="0" anchor="ctr"/>
+            <a:lstStyle/>
+            <a:p>
+              <a:pPr algn="ctr"/>
+              <a:endParaRPr lang="fr-FR"/>
+            </a:p>
+          </p:txBody>
+        </p:sp>
+        <p:cxnSp>
+          <p:nvCxnSpPr>
+            <p:cNvPr id="79" name="Connecteur droit 78"/>
+            <p:cNvCxnSpPr/>
+            <p:nvPr/>
+          </p:nvCxnSpPr>
+          <p:spPr>
+            <a:xfrm flipV="1">
+              <a:off x="5299099" y="1590214"/>
+              <a:ext cx="0" cy="390333"/>
+            </a:xfrm>
+            <a:prstGeom prst="line">
+              <a:avLst/>
+            </a:prstGeom>
+            <a:ln w="28575">
+              <a:solidFill>
+                <a:schemeClr val="accent2"/>
+              </a:solidFill>
+            </a:ln>
+          </p:spPr>
+          <p:style>
+            <a:lnRef idx="1">
+              <a:schemeClr val="accent1"/>
+            </a:lnRef>
+            <a:fillRef idx="0">
+              <a:schemeClr val="accent1"/>
+            </a:fillRef>
+            <a:effectRef idx="0">
+              <a:schemeClr val="accent1"/>
+            </a:effectRef>
+            <a:fontRef idx="minor">
+              <a:schemeClr val="tx1"/>
+            </a:fontRef>
+          </p:style>
+        </p:cxnSp>
+        <p:cxnSp>
+          <p:nvCxnSpPr>
+            <p:cNvPr id="80" name="Connecteur droit 79"/>
+            <p:cNvCxnSpPr/>
+            <p:nvPr/>
+          </p:nvCxnSpPr>
+          <p:spPr>
+            <a:xfrm flipV="1">
+              <a:off x="6019178" y="1590214"/>
+              <a:ext cx="0" cy="390333"/>
+            </a:xfrm>
+            <a:prstGeom prst="line">
+              <a:avLst/>
+            </a:prstGeom>
+            <a:ln w="28575">
+              <a:solidFill>
+                <a:schemeClr val="accent2"/>
+              </a:solidFill>
+            </a:ln>
+          </p:spPr>
+          <p:style>
+            <a:lnRef idx="1">
+              <a:schemeClr val="accent1"/>
+            </a:lnRef>
+            <a:fillRef idx="0">
+              <a:schemeClr val="accent1"/>
+            </a:fillRef>
+            <a:effectRef idx="0">
+              <a:schemeClr val="accent1"/>
+            </a:effectRef>
+            <a:fontRef idx="minor">
+              <a:schemeClr val="tx1"/>
+            </a:fontRef>
+          </p:style>
+        </p:cxnSp>
+        <p:cxnSp>
+          <p:nvCxnSpPr>
+            <p:cNvPr id="81" name="Connecteur droit 80"/>
+            <p:cNvCxnSpPr/>
+            <p:nvPr/>
+          </p:nvCxnSpPr>
+          <p:spPr>
+            <a:xfrm>
+              <a:off x="5299099" y="1590214"/>
+              <a:ext cx="720079" cy="0"/>
+            </a:xfrm>
+            <a:prstGeom prst="line">
+              <a:avLst/>
+            </a:prstGeom>
+            <a:ln w="28575">
+              <a:solidFill>
+                <a:schemeClr val="accent2"/>
+              </a:solidFill>
+            </a:ln>
+          </p:spPr>
+          <p:style>
+            <a:lnRef idx="1">
+              <a:schemeClr val="accent1"/>
+            </a:lnRef>
+            <a:fillRef idx="0">
+              <a:schemeClr val="accent1"/>
+            </a:fillRef>
+            <a:effectRef idx="0">
+              <a:schemeClr val="accent1"/>
+            </a:effectRef>
+            <a:fontRef idx="minor">
+              <a:schemeClr val="tx1"/>
+            </a:fontRef>
+          </p:style>
+        </p:cxnSp>
+        <p:cxnSp>
+          <p:nvCxnSpPr>
+            <p:cNvPr id="82" name="Connecteur droit 81"/>
+            <p:cNvCxnSpPr/>
+            <p:nvPr/>
+          </p:nvCxnSpPr>
+          <p:spPr>
+            <a:xfrm flipV="1">
+              <a:off x="6005139" y="1984277"/>
+              <a:ext cx="734121" cy="0"/>
+            </a:xfrm>
+            <a:prstGeom prst="line">
+              <a:avLst/>
+            </a:prstGeom>
+            <a:ln w="28575">
+              <a:solidFill>
+                <a:schemeClr val="accent2"/>
+              </a:solidFill>
+            </a:ln>
+          </p:spPr>
+          <p:style>
+            <a:lnRef idx="1">
+              <a:schemeClr val="accent1"/>
+            </a:lnRef>
+            <a:fillRef idx="0">
+              <a:schemeClr val="accent1"/>
+            </a:fillRef>
+            <a:effectRef idx="0">
+              <a:schemeClr val="accent1"/>
+            </a:effectRef>
+            <a:fontRef idx="minor">
+              <a:schemeClr val="tx1"/>
+            </a:fontRef>
+          </p:style>
+        </p:cxnSp>
+      </p:grpSp>
+      <p:cxnSp>
+        <p:nvCxnSpPr>
+          <p:cNvPr id="83" name="Connecteur droit 82"/>
+          <p:cNvCxnSpPr/>
+          <p:nvPr/>
+        </p:nvCxnSpPr>
+        <p:spPr>
+          <a:xfrm flipV="1">
+            <a:off x="5299099" y="3805473"/>
+            <a:ext cx="746099" cy="382039"/>
+          </a:xfrm>
+          <a:prstGeom prst="line">
+            <a:avLst/>
+          </a:prstGeom>
+          <a:ln w="28575">
+            <a:solidFill>
+              <a:schemeClr val="accent2"/>
+            </a:solidFill>
+          </a:ln>
+        </p:spPr>
+        <p:style>
+          <a:lnRef idx="1">
+            <a:schemeClr val="accent1"/>
+          </a:lnRef>
+          <a:fillRef idx="0">
+            <a:schemeClr val="accent1"/>
+          </a:fillRef>
+          <a:effectRef idx="0">
+            <a:schemeClr val="accent1"/>
+          </a:effectRef>
+          <a:fontRef idx="minor">
+            <a:schemeClr val="tx1"/>
+          </a:fontRef>
+        </p:style>
+      </p:cxnSp>
+      <p:cxnSp>
+        <p:nvCxnSpPr>
+          <p:cNvPr id="88" name="Connecteur droit 87"/>
+          <p:cNvCxnSpPr/>
+          <p:nvPr/>
+        </p:nvCxnSpPr>
+        <p:spPr>
+          <a:xfrm flipH="1">
+            <a:off x="4572000" y="4187512"/>
+            <a:ext cx="734120" cy="0"/>
+          </a:xfrm>
+          <a:prstGeom prst="line">
+            <a:avLst/>
+          </a:prstGeom>
+          <a:ln w="12700">
+            <a:solidFill>
+              <a:schemeClr val="accent2"/>
+            </a:solidFill>
+            <a:prstDash val="dash"/>
+          </a:ln>
+        </p:spPr>
+        <p:style>
+          <a:lnRef idx="1">
+            <a:schemeClr val="accent1"/>
+          </a:lnRef>
+          <a:fillRef idx="0">
+            <a:schemeClr val="accent1"/>
+          </a:fillRef>
+          <a:effectRef idx="0">
+            <a:schemeClr val="accent1"/>
+          </a:effectRef>
+          <a:fontRef idx="minor">
+            <a:schemeClr val="tx1"/>
+          </a:fontRef>
+        </p:style>
+      </p:cxnSp>
+      <p:cxnSp>
+        <p:nvCxnSpPr>
+          <p:cNvPr id="104" name="Connecteur droit 103"/>
+          <p:cNvCxnSpPr/>
+          <p:nvPr/>
+        </p:nvCxnSpPr>
+        <p:spPr>
+          <a:xfrm>
+            <a:off x="4564978" y="3813766"/>
+            <a:ext cx="734121" cy="0"/>
+          </a:xfrm>
+          <a:prstGeom prst="line">
+            <a:avLst/>
+          </a:prstGeom>
+          <a:ln w="28575">
+            <a:solidFill>
+              <a:schemeClr val="accent2"/>
+            </a:solidFill>
+          </a:ln>
+        </p:spPr>
+        <p:style>
+          <a:lnRef idx="1">
+            <a:schemeClr val="accent1"/>
+          </a:lnRef>
+          <a:fillRef idx="0">
+            <a:schemeClr val="accent1"/>
+          </a:fillRef>
+          <a:effectRef idx="0">
+            <a:schemeClr val="accent1"/>
+          </a:effectRef>
+          <a:fontRef idx="minor">
+            <a:schemeClr val="tx1"/>
+          </a:fontRef>
+        </p:style>
+      </p:cxnSp>
+      <p:cxnSp>
+        <p:nvCxnSpPr>
+          <p:cNvPr id="105" name="Connecteur droit 104"/>
+          <p:cNvCxnSpPr/>
+          <p:nvPr/>
+        </p:nvCxnSpPr>
+        <p:spPr>
+          <a:xfrm>
+            <a:off x="6005139" y="3813766"/>
+            <a:ext cx="734121" cy="0"/>
+          </a:xfrm>
+          <a:prstGeom prst="line">
+            <a:avLst/>
+          </a:prstGeom>
+          <a:ln w="28575">
+            <a:solidFill>
+              <a:schemeClr val="accent2"/>
+            </a:solidFill>
+          </a:ln>
+        </p:spPr>
+        <p:style>
+          <a:lnRef idx="1">
+            <a:schemeClr val="accent1"/>
+          </a:lnRef>
+          <a:fillRef idx="0">
+            <a:schemeClr val="accent1"/>
+          </a:fillRef>
+          <a:effectRef idx="0">
+            <a:schemeClr val="accent1"/>
+          </a:effectRef>
+          <a:fontRef idx="minor">
+            <a:schemeClr val="tx1"/>
+          </a:fontRef>
+        </p:style>
+      </p:cxnSp>
+      <p:cxnSp>
+        <p:nvCxnSpPr>
+          <p:cNvPr id="106" name="Connecteur droit 105"/>
+          <p:cNvCxnSpPr/>
+          <p:nvPr/>
+        </p:nvCxnSpPr>
+        <p:spPr>
+          <a:xfrm flipH="1">
+            <a:off x="4572000" y="2389084"/>
+            <a:ext cx="734120" cy="0"/>
+          </a:xfrm>
+          <a:prstGeom prst="line">
+            <a:avLst/>
+          </a:prstGeom>
+          <a:ln w="12700">
+            <a:solidFill>
+              <a:schemeClr val="accent2"/>
+            </a:solidFill>
+            <a:prstDash val="dash"/>
+          </a:ln>
+        </p:spPr>
+        <p:style>
+          <a:lnRef idx="1">
+            <a:schemeClr val="accent1"/>
+          </a:lnRef>
+          <a:fillRef idx="0">
+            <a:schemeClr val="accent1"/>
+          </a:fillRef>
+          <a:effectRef idx="0">
+            <a:schemeClr val="accent1"/>
+          </a:effectRef>
+          <a:fontRef idx="minor">
+            <a:schemeClr val="tx1"/>
+          </a:fontRef>
+        </p:style>
+      </p:cxnSp>
+    </p:spTree>
+    <p:extLst>
+      <p:ext uri="{BB962C8B-B14F-4D97-AF65-F5344CB8AC3E}">
+        <p14:creationId xmlns:p14="http://schemas.microsoft.com/office/powerpoint/2010/main" val="4125850386"/>
       </p:ext>
     </p:extLst>
   </p:cSld>

--- a/TD/TD_BTP/images/Figures.pptx
+++ b/TD/TD_BTP/images/Figures.pptx
@@ -8,6 +8,8 @@
     <p:sldId id="256" r:id="rId2"/>
     <p:sldId id="257" r:id="rId3"/>
     <p:sldId id="258" r:id="rId4"/>
+    <p:sldId id="259" r:id="rId5"/>
+    <p:sldId id="260" r:id="rId6"/>
   </p:sldIdLst>
   <p:sldSz cx="9144000" cy="6858000" type="screen4x3"/>
   <p:notesSz cx="6858000" cy="9144000"/>
@@ -306,7 +308,7 @@
           <a:p>
             <a:fld id="{AA309A6D-C09C-4548-B29A-6CF363A7E532}" type="datetimeFigureOut">
               <a:rPr lang="fr-FR" smtClean="0"/>
-              <a:t>02/10/2016</a:t>
+              <a:t>24/10/2016</a:t>
             </a:fld>
             <a:endParaRPr lang="fr-BE"/>
           </a:p>
@@ -471,7 +473,7 @@
           <a:p>
             <a:fld id="{AA309A6D-C09C-4548-B29A-6CF363A7E532}" type="datetimeFigureOut">
               <a:rPr lang="fr-FR" smtClean="0"/>
-              <a:t>02/10/2016</a:t>
+              <a:t>24/10/2016</a:t>
             </a:fld>
             <a:endParaRPr lang="fr-BE"/>
           </a:p>
@@ -646,7 +648,7 @@
           <a:p>
             <a:fld id="{AA309A6D-C09C-4548-B29A-6CF363A7E532}" type="datetimeFigureOut">
               <a:rPr lang="fr-FR" smtClean="0"/>
-              <a:t>02/10/2016</a:t>
+              <a:t>24/10/2016</a:t>
             </a:fld>
             <a:endParaRPr lang="fr-BE"/>
           </a:p>
@@ -811,7 +813,7 @@
           <a:p>
             <a:fld id="{AA309A6D-C09C-4548-B29A-6CF363A7E532}" type="datetimeFigureOut">
               <a:rPr lang="fr-FR" smtClean="0"/>
-              <a:t>02/10/2016</a:t>
+              <a:t>24/10/2016</a:t>
             </a:fld>
             <a:endParaRPr lang="fr-BE"/>
           </a:p>
@@ -1052,7 +1054,7 @@
           <a:p>
             <a:fld id="{AA309A6D-C09C-4548-B29A-6CF363A7E532}" type="datetimeFigureOut">
               <a:rPr lang="fr-FR" smtClean="0"/>
-              <a:t>02/10/2016</a:t>
+              <a:t>24/10/2016</a:t>
             </a:fld>
             <a:endParaRPr lang="fr-BE"/>
           </a:p>
@@ -1335,7 +1337,7 @@
           <a:p>
             <a:fld id="{AA309A6D-C09C-4548-B29A-6CF363A7E532}" type="datetimeFigureOut">
               <a:rPr lang="fr-FR" smtClean="0"/>
-              <a:t>02/10/2016</a:t>
+              <a:t>24/10/2016</a:t>
             </a:fld>
             <a:endParaRPr lang="fr-BE"/>
           </a:p>
@@ -1752,7 +1754,7 @@
           <a:p>
             <a:fld id="{AA309A6D-C09C-4548-B29A-6CF363A7E532}" type="datetimeFigureOut">
               <a:rPr lang="fr-FR" smtClean="0"/>
-              <a:t>02/10/2016</a:t>
+              <a:t>24/10/2016</a:t>
             </a:fld>
             <a:endParaRPr lang="fr-BE"/>
           </a:p>
@@ -1865,7 +1867,7 @@
           <a:p>
             <a:fld id="{AA309A6D-C09C-4548-B29A-6CF363A7E532}" type="datetimeFigureOut">
               <a:rPr lang="fr-FR" smtClean="0"/>
-              <a:t>02/10/2016</a:t>
+              <a:t>24/10/2016</a:t>
             </a:fld>
             <a:endParaRPr lang="fr-BE"/>
           </a:p>
@@ -1955,7 +1957,7 @@
           <a:p>
             <a:fld id="{AA309A6D-C09C-4548-B29A-6CF363A7E532}" type="datetimeFigureOut">
               <a:rPr lang="fr-FR" smtClean="0"/>
-              <a:t>02/10/2016</a:t>
+              <a:t>24/10/2016</a:t>
             </a:fld>
             <a:endParaRPr lang="fr-BE"/>
           </a:p>
@@ -2227,7 +2229,7 @@
           <a:p>
             <a:fld id="{AA309A6D-C09C-4548-B29A-6CF363A7E532}" type="datetimeFigureOut">
               <a:rPr lang="fr-FR" smtClean="0"/>
-              <a:t>02/10/2016</a:t>
+              <a:t>24/10/2016</a:t>
             </a:fld>
             <a:endParaRPr lang="fr-BE"/>
           </a:p>
@@ -2475,7 +2477,7 @@
           <a:p>
             <a:fld id="{AA309A6D-C09C-4548-B29A-6CF363A7E532}" type="datetimeFigureOut">
               <a:rPr lang="fr-FR" smtClean="0"/>
-              <a:t>02/10/2016</a:t>
+              <a:t>24/10/2016</a:t>
             </a:fld>
             <a:endParaRPr lang="fr-BE"/>
           </a:p>
@@ -2683,7 +2685,7 @@
           <a:p>
             <a:fld id="{AA309A6D-C09C-4548-B29A-6CF363A7E532}" type="datetimeFigureOut">
               <a:rPr lang="fr-FR" smtClean="0"/>
-              <a:t>02/10/2016</a:t>
+              <a:t>24/10/2016</a:t>
             </a:fld>
             <a:endParaRPr lang="fr-BE"/>
           </a:p>
@@ -6638,8 +6640,8 @@
           </a:fontRef>
         </p:style>
       </p:cxnSp>
-      <mc:AlternateContent xmlns:mc="http://schemas.openxmlformats.org/markup-compatibility/2006">
-        <mc:Choice xmlns:a14="http://schemas.microsoft.com/office/drawing/2010/main" Requires="a14">
+      <mc:AlternateContent xmlns:mc="http://schemas.openxmlformats.org/markup-compatibility/2006" xmlns:a14="http://schemas.microsoft.com/office/drawing/2010/main">
+        <mc:Choice Requires="a14">
           <p:sp>
             <p:nvSpPr>
               <p:cNvPr id="14" name="ZoneTexte 13"/>
@@ -6702,7 +6704,7 @@
             </p:txBody>
           </p:sp>
         </mc:Choice>
-        <mc:Fallback>
+        <mc:Fallback xmlns="">
           <p:sp>
             <p:nvSpPr>
               <p:cNvPr id="14" name="ZoneTexte 13"/>
@@ -6928,8 +6930,8 @@
           </a:fontRef>
         </p:style>
       </p:cxnSp>
-      <mc:AlternateContent xmlns:mc="http://schemas.openxmlformats.org/markup-compatibility/2006">
-        <mc:Choice xmlns:a14="http://schemas.microsoft.com/office/drawing/2010/main" Requires="a14">
+      <mc:AlternateContent xmlns:mc="http://schemas.openxmlformats.org/markup-compatibility/2006" xmlns:a14="http://schemas.microsoft.com/office/drawing/2010/main">
+        <mc:Choice Requires="a14">
           <p:sp>
             <p:nvSpPr>
               <p:cNvPr id="42" name="ZoneTexte 41"/>
@@ -6998,7 +7000,7 @@
             </p:txBody>
           </p:sp>
         </mc:Choice>
-        <mc:Fallback>
+        <mc:Fallback xmlns="">
           <p:sp>
             <p:nvSpPr>
               <p:cNvPr id="42" name="ZoneTexte 41"/>
@@ -7148,8 +7150,8 @@
           </a:fontRef>
         </p:style>
       </p:cxnSp>
-      <mc:AlternateContent xmlns:mc="http://schemas.openxmlformats.org/markup-compatibility/2006">
-        <mc:Choice xmlns:a14="http://schemas.microsoft.com/office/drawing/2010/main" Requires="a14">
+      <mc:AlternateContent xmlns:mc="http://schemas.openxmlformats.org/markup-compatibility/2006" xmlns:a14="http://schemas.microsoft.com/office/drawing/2010/main">
+        <mc:Choice Requires="a14">
           <p:sp>
             <p:nvSpPr>
               <p:cNvPr id="46" name="ZoneTexte 45"/>
@@ -7285,7 +7287,7 @@
             </p:txBody>
           </p:sp>
         </mc:Choice>
-        <mc:Fallback>
+        <mc:Fallback xmlns="">
           <p:sp>
             <p:nvSpPr>
               <p:cNvPr id="46" name="ZoneTexte 45"/>
@@ -7324,8 +7326,8 @@
           </p:sp>
         </mc:Fallback>
       </mc:AlternateContent>
-      <mc:AlternateContent xmlns:mc="http://schemas.openxmlformats.org/markup-compatibility/2006">
-        <mc:Choice xmlns:a14="http://schemas.microsoft.com/office/drawing/2010/main" Requires="a14">
+      <mc:AlternateContent xmlns:mc="http://schemas.openxmlformats.org/markup-compatibility/2006" xmlns:a14="http://schemas.microsoft.com/office/drawing/2010/main">
+        <mc:Choice Requires="a14">
           <p:sp>
             <p:nvSpPr>
               <p:cNvPr id="48" name="ZoneTexte 47"/>
@@ -7369,7 +7371,7 @@
             </p:txBody>
           </p:sp>
         </mc:Choice>
-        <mc:Fallback>
+        <mc:Fallback xmlns="">
           <p:sp>
             <p:nvSpPr>
               <p:cNvPr id="48" name="ZoneTexte 47"/>
@@ -7408,8 +7410,8 @@
           </p:sp>
         </mc:Fallback>
       </mc:AlternateContent>
-      <mc:AlternateContent xmlns:mc="http://schemas.openxmlformats.org/markup-compatibility/2006">
-        <mc:Choice xmlns:a14="http://schemas.microsoft.com/office/drawing/2010/main" Requires="a14">
+      <mc:AlternateContent xmlns:mc="http://schemas.openxmlformats.org/markup-compatibility/2006" xmlns:a14="http://schemas.microsoft.com/office/drawing/2010/main">
+        <mc:Choice Requires="a14">
           <p:sp>
             <p:nvSpPr>
               <p:cNvPr id="49" name="ZoneTexte 48"/>
@@ -7472,7 +7474,7 @@
             </p:txBody>
           </p:sp>
         </mc:Choice>
-        <mc:Fallback>
+        <mc:Fallback xmlns="">
           <p:sp>
             <p:nvSpPr>
               <p:cNvPr id="49" name="ZoneTexte 48"/>
@@ -7511,8 +7513,8 @@
           </p:sp>
         </mc:Fallback>
       </mc:AlternateContent>
-      <mc:AlternateContent xmlns:mc="http://schemas.openxmlformats.org/markup-compatibility/2006">
-        <mc:Choice xmlns:a14="http://schemas.microsoft.com/office/drawing/2010/main" Requires="a14">
+      <mc:AlternateContent xmlns:mc="http://schemas.openxmlformats.org/markup-compatibility/2006" xmlns:a14="http://schemas.microsoft.com/office/drawing/2010/main">
+        <mc:Choice Requires="a14">
           <p:sp>
             <p:nvSpPr>
               <p:cNvPr id="50" name="ZoneTexte 49"/>
@@ -7575,7 +7577,7 @@
             </p:txBody>
           </p:sp>
         </mc:Choice>
-        <mc:Fallback>
+        <mc:Fallback xmlns="">
           <p:sp>
             <p:nvSpPr>
               <p:cNvPr id="50" name="ZoneTexte 49"/>
@@ -7614,8 +7616,8 @@
           </p:sp>
         </mc:Fallback>
       </mc:AlternateContent>
-      <mc:AlternateContent xmlns:mc="http://schemas.openxmlformats.org/markup-compatibility/2006">
-        <mc:Choice xmlns:a14="http://schemas.microsoft.com/office/drawing/2010/main" Requires="a14">
+      <mc:AlternateContent xmlns:mc="http://schemas.openxmlformats.org/markup-compatibility/2006" xmlns:a14="http://schemas.microsoft.com/office/drawing/2010/main">
+        <mc:Choice Requires="a14">
           <p:sp>
             <p:nvSpPr>
               <p:cNvPr id="51" name="ZoneTexte 50"/>
@@ -7678,7 +7680,7 @@
             </p:txBody>
           </p:sp>
         </mc:Choice>
-        <mc:Fallback>
+        <mc:Fallback xmlns="">
           <p:sp>
             <p:nvSpPr>
               <p:cNvPr id="51" name="ZoneTexte 50"/>
@@ -7717,8 +7719,8 @@
           </p:sp>
         </mc:Fallback>
       </mc:AlternateContent>
-      <mc:AlternateContent xmlns:mc="http://schemas.openxmlformats.org/markup-compatibility/2006">
-        <mc:Choice xmlns:a14="http://schemas.microsoft.com/office/drawing/2010/main" Requires="a14">
+      <mc:AlternateContent xmlns:mc="http://schemas.openxmlformats.org/markup-compatibility/2006" xmlns:a14="http://schemas.microsoft.com/office/drawing/2010/main">
+        <mc:Choice Requires="a14">
           <p:sp>
             <p:nvSpPr>
               <p:cNvPr id="60" name="ZoneTexte 59"/>
@@ -7781,7 +7783,7 @@
             </p:txBody>
           </p:sp>
         </mc:Choice>
-        <mc:Fallback>
+        <mc:Fallback xmlns="">
           <p:sp>
             <p:nvSpPr>
               <p:cNvPr id="60" name="ZoneTexte 59"/>
@@ -8380,6 +8382,4255 @@
     <p:extLst>
       <p:ext uri="{BB962C8B-B14F-4D97-AF65-F5344CB8AC3E}">
         <p14:creationId xmlns:p14="http://schemas.microsoft.com/office/powerpoint/2010/main" val="4125850386"/>
+      </p:ext>
+    </p:extLst>
+  </p:cSld>
+  <p:clrMapOvr>
+    <a:masterClrMapping/>
+  </p:clrMapOvr>
+</p:sld>
+</file>
+
+<file path=ppt/slides/slide4.xml><?xml version="1.0" encoding="utf-8"?>
+<p:sld xmlns:a="http://schemas.openxmlformats.org/drawingml/2006/main" xmlns:r="http://schemas.openxmlformats.org/officeDocument/2006/relationships" xmlns:p="http://schemas.openxmlformats.org/presentationml/2006/main">
+  <p:cSld>
+    <p:spTree>
+      <p:nvGrpSpPr>
+        <p:cNvPr id="1" name=""/>
+        <p:cNvGrpSpPr/>
+        <p:nvPr/>
+      </p:nvGrpSpPr>
+      <p:grpSpPr>
+        <a:xfrm>
+          <a:off x="0" y="0"/>
+          <a:ext cx="0" cy="0"/>
+          <a:chOff x="0" y="0"/>
+          <a:chExt cx="0" cy="0"/>
+        </a:xfrm>
+      </p:grpSpPr>
+      <p:sp>
+        <p:nvSpPr>
+          <p:cNvPr id="4" name="Ellipse 3"/>
+          <p:cNvSpPr/>
+          <p:nvPr/>
+        </p:nvSpPr>
+        <p:spPr>
+          <a:xfrm>
+            <a:off x="1691680" y="1268760"/>
+            <a:ext cx="1440160" cy="1440160"/>
+          </a:xfrm>
+          <a:prstGeom prst="ellipse">
+            <a:avLst/>
+          </a:prstGeom>
+          <a:solidFill>
+            <a:schemeClr val="accent5">
+              <a:lumMod val="20000"/>
+              <a:lumOff val="80000"/>
+            </a:schemeClr>
+          </a:solidFill>
+          <a:ln w="28575">
+            <a:solidFill>
+              <a:schemeClr val="accent5">
+                <a:lumMod val="50000"/>
+              </a:schemeClr>
+            </a:solidFill>
+          </a:ln>
+        </p:spPr>
+        <p:style>
+          <a:lnRef idx="2">
+            <a:schemeClr val="accent1">
+              <a:shade val="50000"/>
+            </a:schemeClr>
+          </a:lnRef>
+          <a:fillRef idx="1">
+            <a:schemeClr val="accent1"/>
+          </a:fillRef>
+          <a:effectRef idx="0">
+            <a:schemeClr val="accent1"/>
+          </a:effectRef>
+          <a:fontRef idx="minor">
+            <a:schemeClr val="lt1"/>
+          </a:fontRef>
+        </p:style>
+        <p:txBody>
+          <a:bodyPr rtlCol="0" anchor="ctr"/>
+          <a:lstStyle/>
+          <a:p>
+            <a:pPr algn="ctr"/>
+            <a:endParaRPr lang="fr-FR"/>
+          </a:p>
+        </p:txBody>
+      </p:sp>
+      <p:sp>
+        <p:nvSpPr>
+          <p:cNvPr id="38" name="Triangle rectangle 37"/>
+          <p:cNvSpPr/>
+          <p:nvPr/>
+        </p:nvSpPr>
+        <p:spPr>
+          <a:xfrm flipH="1" flipV="1">
+            <a:off x="1718538" y="1261914"/>
+            <a:ext cx="684163" cy="715392"/>
+          </a:xfrm>
+          <a:prstGeom prst="rtTriangle">
+            <a:avLst/>
+          </a:prstGeom>
+          <a:solidFill>
+            <a:schemeClr val="accent2">
+              <a:lumMod val="20000"/>
+              <a:lumOff val="80000"/>
+            </a:schemeClr>
+          </a:solidFill>
+          <a:ln>
+            <a:noFill/>
+          </a:ln>
+        </p:spPr>
+        <p:style>
+          <a:lnRef idx="2">
+            <a:schemeClr val="accent1">
+              <a:shade val="50000"/>
+            </a:schemeClr>
+          </a:lnRef>
+          <a:fillRef idx="1">
+            <a:schemeClr val="accent1"/>
+          </a:fillRef>
+          <a:effectRef idx="0">
+            <a:schemeClr val="accent1"/>
+          </a:effectRef>
+          <a:fontRef idx="minor">
+            <a:schemeClr val="lt1"/>
+          </a:fontRef>
+        </p:style>
+        <p:txBody>
+          <a:bodyPr rtlCol="0" anchor="ctr"/>
+          <a:lstStyle/>
+          <a:p>
+            <a:pPr algn="ctr"/>
+            <a:endParaRPr lang="fr-FR"/>
+          </a:p>
+        </p:txBody>
+      </p:sp>
+      <p:cxnSp>
+        <p:nvCxnSpPr>
+          <p:cNvPr id="16" name="Connecteur droit avec flèche 15"/>
+          <p:cNvCxnSpPr/>
+          <p:nvPr/>
+        </p:nvCxnSpPr>
+        <p:spPr>
+          <a:xfrm>
+            <a:off x="1727684" y="1268760"/>
+            <a:ext cx="1368152" cy="1440158"/>
+          </a:xfrm>
+          <a:prstGeom prst="straightConnector1">
+            <a:avLst/>
+          </a:prstGeom>
+          <a:ln w="19050">
+            <a:solidFill>
+              <a:srgbClr val="C00000"/>
+            </a:solidFill>
+            <a:headEnd type="none" w="med" len="med"/>
+            <a:tailEnd type="none" w="med" len="med"/>
+          </a:ln>
+        </p:spPr>
+        <p:style>
+          <a:lnRef idx="1">
+            <a:schemeClr val="accent1"/>
+          </a:lnRef>
+          <a:fillRef idx="0">
+            <a:schemeClr val="accent1"/>
+          </a:fillRef>
+          <a:effectRef idx="0">
+            <a:schemeClr val="accent1"/>
+          </a:effectRef>
+          <a:fontRef idx="minor">
+            <a:schemeClr val="tx1"/>
+          </a:fontRef>
+        </p:style>
+      </p:cxnSp>
+      <p:sp>
+        <p:nvSpPr>
+          <p:cNvPr id="37" name="Triangle rectangle 36"/>
+          <p:cNvSpPr/>
+          <p:nvPr/>
+        </p:nvSpPr>
+        <p:spPr>
+          <a:xfrm>
+            <a:off x="2411672" y="1993526"/>
+            <a:ext cx="684163" cy="715392"/>
+          </a:xfrm>
+          <a:prstGeom prst="rtTriangle">
+            <a:avLst/>
+          </a:prstGeom>
+          <a:solidFill>
+            <a:schemeClr val="accent2">
+              <a:lumMod val="20000"/>
+              <a:lumOff val="80000"/>
+            </a:schemeClr>
+          </a:solidFill>
+          <a:ln>
+            <a:noFill/>
+          </a:ln>
+        </p:spPr>
+        <p:style>
+          <a:lnRef idx="2">
+            <a:schemeClr val="accent1">
+              <a:shade val="50000"/>
+            </a:schemeClr>
+          </a:lnRef>
+          <a:fillRef idx="1">
+            <a:schemeClr val="accent1"/>
+          </a:fillRef>
+          <a:effectRef idx="0">
+            <a:schemeClr val="accent1"/>
+          </a:effectRef>
+          <a:fontRef idx="minor">
+            <a:schemeClr val="lt1"/>
+          </a:fontRef>
+        </p:style>
+        <p:txBody>
+          <a:bodyPr rtlCol="0" anchor="ctr"/>
+          <a:lstStyle/>
+          <a:p>
+            <a:pPr algn="ctr"/>
+            <a:endParaRPr lang="fr-FR" dirty="0"/>
+          </a:p>
+        </p:txBody>
+      </p:sp>
+      <p:cxnSp>
+        <p:nvCxnSpPr>
+          <p:cNvPr id="26" name="Connecteur droit avec flèche 25"/>
+          <p:cNvCxnSpPr/>
+          <p:nvPr/>
+        </p:nvCxnSpPr>
+        <p:spPr>
+          <a:xfrm flipH="1">
+            <a:off x="1867545" y="1412776"/>
+            <a:ext cx="544215" cy="0"/>
+          </a:xfrm>
+          <a:prstGeom prst="straightConnector1">
+            <a:avLst/>
+          </a:prstGeom>
+          <a:ln w="19050">
+            <a:solidFill>
+              <a:srgbClr val="C00000"/>
+            </a:solidFill>
+            <a:tailEnd type="stealth" w="med" len="lg"/>
+          </a:ln>
+        </p:spPr>
+        <p:style>
+          <a:lnRef idx="1">
+            <a:schemeClr val="accent1"/>
+          </a:lnRef>
+          <a:fillRef idx="0">
+            <a:schemeClr val="accent1"/>
+          </a:fillRef>
+          <a:effectRef idx="0">
+            <a:schemeClr val="accent1"/>
+          </a:effectRef>
+          <a:fontRef idx="minor">
+            <a:schemeClr val="tx1"/>
+          </a:fontRef>
+        </p:style>
+      </p:cxnSp>
+      <p:cxnSp>
+        <p:nvCxnSpPr>
+          <p:cNvPr id="5" name="Connecteur droit avec flèche 4"/>
+          <p:cNvCxnSpPr/>
+          <p:nvPr/>
+        </p:nvCxnSpPr>
+        <p:spPr>
+          <a:xfrm flipV="1">
+            <a:off x="2411760" y="1052736"/>
+            <a:ext cx="0" cy="1944216"/>
+          </a:xfrm>
+          <a:prstGeom prst="straightConnector1">
+            <a:avLst/>
+          </a:prstGeom>
+          <a:ln w="19050">
+            <a:solidFill>
+              <a:schemeClr val="accent5">
+                <a:lumMod val="50000"/>
+              </a:schemeClr>
+            </a:solidFill>
+            <a:tailEnd type="stealth" w="med" len="lg"/>
+          </a:ln>
+        </p:spPr>
+        <p:style>
+          <a:lnRef idx="1">
+            <a:schemeClr val="accent1"/>
+          </a:lnRef>
+          <a:fillRef idx="0">
+            <a:schemeClr val="accent1"/>
+          </a:fillRef>
+          <a:effectRef idx="0">
+            <a:schemeClr val="accent1"/>
+          </a:effectRef>
+          <a:fontRef idx="minor">
+            <a:schemeClr val="tx1"/>
+          </a:fontRef>
+        </p:style>
+      </p:cxnSp>
+      <mc:AlternateContent xmlns:mc="http://schemas.openxmlformats.org/markup-compatibility/2006">
+        <mc:Choice xmlns:a14="http://schemas.microsoft.com/office/drawing/2010/main" Requires="a14">
+          <p:sp>
+            <p:nvSpPr>
+              <p:cNvPr id="7" name="ZoneTexte 6"/>
+              <p:cNvSpPr txBox="1"/>
+              <p:nvPr/>
+            </p:nvSpPr>
+            <p:spPr>
+              <a:xfrm>
+                <a:off x="2411760" y="744959"/>
+                <a:ext cx="384208" cy="307777"/>
+              </a:xfrm>
+              <a:prstGeom prst="rect">
+                <a:avLst/>
+              </a:prstGeom>
+              <a:noFill/>
+            </p:spPr>
+            <p:txBody>
+              <a:bodyPr wrap="none" rtlCol="0">
+                <a:spAutoFit/>
+              </a:bodyPr>
+              <a:lstStyle/>
+              <a:p>
+                <a:pPr/>
+                <a14:m>
+                  <m:oMathPara xmlns:m="http://schemas.openxmlformats.org/officeDocument/2006/math">
+                    <m:oMathParaPr>
+                      <m:jc m:val="centerGroup"/>
+                    </m:oMathParaPr>
+                    <m:oMath xmlns:m="http://schemas.openxmlformats.org/officeDocument/2006/math">
+                      <m:acc>
+                        <m:accPr>
+                          <m:chr m:val="⃗"/>
+                          <m:ctrlPr>
+                            <a:rPr lang="fr-FR" sz="1400" b="0" i="1" smtClean="0">
+                              <a:latin typeface="Cambria Math" panose="02040503050406030204" pitchFamily="18" charset="0"/>
+                            </a:rPr>
+                          </m:ctrlPr>
+                        </m:accPr>
+                        <m:e>
+                          <m:sSub>
+                            <m:sSubPr>
+                              <m:ctrlPr>
+                                <a:rPr lang="fr-FR" sz="1400" i="1">
+                                  <a:latin typeface="Cambria Math" panose="02040503050406030204" pitchFamily="18" charset="0"/>
+                                </a:rPr>
+                              </m:ctrlPr>
+                            </m:sSubPr>
+                            <m:e>
+                              <m:r>
+                                <a:rPr lang="fr-FR" sz="1400" b="0" i="1" smtClean="0">
+                                  <a:latin typeface="Cambria Math"/>
+                                </a:rPr>
+                                <m:t>𝑦</m:t>
+                              </m:r>
+                            </m:e>
+                            <m:sub>
+                              <m:r>
+                                <a:rPr lang="fr-FR" sz="1400" i="1">
+                                  <a:latin typeface="Cambria Math"/>
+                                </a:rPr>
+                                <m:t>𝑠</m:t>
+                              </m:r>
+                            </m:sub>
+                          </m:sSub>
+                        </m:e>
+                      </m:acc>
+                    </m:oMath>
+                  </m:oMathPara>
+                </a14:m>
+                <a:endParaRPr lang="fr-FR" sz="1400" dirty="0"/>
+              </a:p>
+            </p:txBody>
+          </p:sp>
+        </mc:Choice>
+        <mc:Fallback>
+          <p:sp>
+            <p:nvSpPr>
+              <p:cNvPr id="7" name="ZoneTexte 6"/>
+              <p:cNvSpPr txBox="1">
+                <a:spLocks noRot="1" noChangeAspect="1" noMove="1" noResize="1" noEditPoints="1" noAdjustHandles="1" noChangeArrowheads="1" noChangeShapeType="1" noTextEdit="1"/>
+              </p:cNvSpPr>
+              <p:nvPr/>
+            </p:nvSpPr>
+            <p:spPr>
+              <a:xfrm>
+                <a:off x="2411760" y="744959"/>
+                <a:ext cx="384208" cy="307777"/>
+              </a:xfrm>
+              <a:prstGeom prst="rect">
+                <a:avLst/>
+              </a:prstGeom>
+              <a:blipFill>
+                <a:blip r:embed="rId2"/>
+                <a:stretch>
+                  <a:fillRect/>
+                </a:stretch>
+              </a:blipFill>
+            </p:spPr>
+            <p:txBody>
+              <a:bodyPr/>
+              <a:lstStyle/>
+              <a:p>
+                <a:r>
+                  <a:rPr lang="fr-FR">
+                    <a:noFill/>
+                  </a:rPr>
+                  <a:t> </a:t>
+                </a:r>
+              </a:p>
+            </p:txBody>
+          </p:sp>
+        </mc:Fallback>
+      </mc:AlternateContent>
+      <mc:AlternateContent xmlns:mc="http://schemas.openxmlformats.org/markup-compatibility/2006">
+        <mc:Choice xmlns:a14="http://schemas.microsoft.com/office/drawing/2010/main" Requires="a14">
+          <p:sp>
+            <p:nvSpPr>
+              <p:cNvPr id="9" name="ZoneTexte 8"/>
+              <p:cNvSpPr txBox="1"/>
+              <p:nvPr/>
+            </p:nvSpPr>
+            <p:spPr>
+              <a:xfrm>
+                <a:off x="1284545" y="1676376"/>
+                <a:ext cx="381195" cy="307777"/>
+              </a:xfrm>
+              <a:prstGeom prst="rect">
+                <a:avLst/>
+              </a:prstGeom>
+              <a:noFill/>
+            </p:spPr>
+            <p:txBody>
+              <a:bodyPr wrap="none" rtlCol="0">
+                <a:spAutoFit/>
+              </a:bodyPr>
+              <a:lstStyle/>
+              <a:p>
+                <a:pPr/>
+                <a14:m>
+                  <m:oMathPara xmlns:m="http://schemas.openxmlformats.org/officeDocument/2006/math">
+                    <m:oMathParaPr>
+                      <m:jc m:val="centerGroup"/>
+                    </m:oMathParaPr>
+                    <m:oMath xmlns:m="http://schemas.openxmlformats.org/officeDocument/2006/math">
+                      <m:acc>
+                        <m:accPr>
+                          <m:chr m:val="⃗"/>
+                          <m:ctrlPr>
+                            <a:rPr lang="fr-FR" sz="1400" b="0" i="1" smtClean="0">
+                              <a:latin typeface="Cambria Math" panose="02040503050406030204" pitchFamily="18" charset="0"/>
+                            </a:rPr>
+                          </m:ctrlPr>
+                        </m:accPr>
+                        <m:e>
+                          <m:sSub>
+                            <m:sSubPr>
+                              <m:ctrlPr>
+                                <a:rPr lang="fr-FR" sz="1400" i="1">
+                                  <a:latin typeface="Cambria Math" panose="02040503050406030204" pitchFamily="18" charset="0"/>
+                                </a:rPr>
+                              </m:ctrlPr>
+                            </m:sSubPr>
+                            <m:e>
+                              <m:r>
+                                <a:rPr lang="fr-FR" sz="1400" b="0" i="1" smtClean="0">
+                                  <a:latin typeface="Cambria Math" panose="02040503050406030204" pitchFamily="18" charset="0"/>
+                                </a:rPr>
+                                <m:t>𝑧</m:t>
+                              </m:r>
+                            </m:e>
+                            <m:sub>
+                              <m:r>
+                                <a:rPr lang="fr-FR" sz="1400" i="1">
+                                  <a:latin typeface="Cambria Math"/>
+                                </a:rPr>
+                                <m:t>𝑠</m:t>
+                              </m:r>
+                            </m:sub>
+                          </m:sSub>
+                        </m:e>
+                      </m:acc>
+                    </m:oMath>
+                  </m:oMathPara>
+                </a14:m>
+                <a:endParaRPr lang="fr-FR" sz="1400" dirty="0"/>
+              </a:p>
+            </p:txBody>
+          </p:sp>
+        </mc:Choice>
+        <mc:Fallback>
+          <p:sp>
+            <p:nvSpPr>
+              <p:cNvPr id="9" name="ZoneTexte 8"/>
+              <p:cNvSpPr txBox="1">
+                <a:spLocks noRot="1" noChangeAspect="1" noMove="1" noResize="1" noEditPoints="1" noAdjustHandles="1" noChangeArrowheads="1" noChangeShapeType="1" noTextEdit="1"/>
+              </p:cNvSpPr>
+              <p:nvPr/>
+            </p:nvSpPr>
+            <p:spPr>
+              <a:xfrm>
+                <a:off x="1284545" y="1676376"/>
+                <a:ext cx="381195" cy="307777"/>
+              </a:xfrm>
+              <a:prstGeom prst="rect">
+                <a:avLst/>
+              </a:prstGeom>
+              <a:blipFill>
+                <a:blip r:embed="rId3"/>
+                <a:stretch>
+                  <a:fillRect/>
+                </a:stretch>
+              </a:blipFill>
+            </p:spPr>
+            <p:txBody>
+              <a:bodyPr/>
+              <a:lstStyle/>
+              <a:p>
+                <a:r>
+                  <a:rPr lang="fr-FR">
+                    <a:noFill/>
+                  </a:rPr>
+                  <a:t> </a:t>
+                </a:r>
+              </a:p>
+            </p:txBody>
+          </p:sp>
+        </mc:Fallback>
+      </mc:AlternateContent>
+      <p:cxnSp>
+        <p:nvCxnSpPr>
+          <p:cNvPr id="10" name="Connecteur droit avec flèche 9"/>
+          <p:cNvCxnSpPr/>
+          <p:nvPr/>
+        </p:nvCxnSpPr>
+        <p:spPr>
+          <a:xfrm flipH="1">
+            <a:off x="1727684" y="1268760"/>
+            <a:ext cx="684076" cy="0"/>
+          </a:xfrm>
+          <a:prstGeom prst="straightConnector1">
+            <a:avLst/>
+          </a:prstGeom>
+          <a:ln w="19050">
+            <a:solidFill>
+              <a:srgbClr val="C00000"/>
+            </a:solidFill>
+            <a:tailEnd type="stealth" w="med" len="lg"/>
+          </a:ln>
+        </p:spPr>
+        <p:style>
+          <a:lnRef idx="1">
+            <a:schemeClr val="accent1"/>
+          </a:lnRef>
+          <a:fillRef idx="0">
+            <a:schemeClr val="accent1"/>
+          </a:fillRef>
+          <a:effectRef idx="0">
+            <a:schemeClr val="accent1"/>
+          </a:effectRef>
+          <a:fontRef idx="minor">
+            <a:schemeClr val="tx1"/>
+          </a:fontRef>
+        </p:style>
+      </p:cxnSp>
+      <p:cxnSp>
+        <p:nvCxnSpPr>
+          <p:cNvPr id="14" name="Connecteur droit avec flèche 13"/>
+          <p:cNvCxnSpPr/>
+          <p:nvPr/>
+        </p:nvCxnSpPr>
+        <p:spPr>
+          <a:xfrm>
+            <a:off x="2411760" y="2708920"/>
+            <a:ext cx="684076" cy="0"/>
+          </a:xfrm>
+          <a:prstGeom prst="straightConnector1">
+            <a:avLst/>
+          </a:prstGeom>
+          <a:ln w="19050">
+            <a:solidFill>
+              <a:srgbClr val="C00000"/>
+            </a:solidFill>
+            <a:tailEnd type="stealth" w="med" len="lg"/>
+          </a:ln>
+        </p:spPr>
+        <p:style>
+          <a:lnRef idx="1">
+            <a:schemeClr val="accent1"/>
+          </a:lnRef>
+          <a:fillRef idx="0">
+            <a:schemeClr val="accent1"/>
+          </a:fillRef>
+          <a:effectRef idx="0">
+            <a:schemeClr val="accent1"/>
+          </a:effectRef>
+          <a:fontRef idx="minor">
+            <a:schemeClr val="tx1"/>
+          </a:fontRef>
+        </p:style>
+      </p:cxnSp>
+      <p:cxnSp>
+        <p:nvCxnSpPr>
+          <p:cNvPr id="15" name="Connecteur droit avec flèche 14"/>
+          <p:cNvCxnSpPr/>
+          <p:nvPr/>
+        </p:nvCxnSpPr>
+        <p:spPr>
+          <a:xfrm>
+            <a:off x="2411760" y="2564904"/>
+            <a:ext cx="576064" cy="0"/>
+          </a:xfrm>
+          <a:prstGeom prst="straightConnector1">
+            <a:avLst/>
+          </a:prstGeom>
+          <a:ln w="19050">
+            <a:solidFill>
+              <a:srgbClr val="C00000"/>
+            </a:solidFill>
+            <a:tailEnd type="stealth" w="med" len="lg"/>
+          </a:ln>
+        </p:spPr>
+        <p:style>
+          <a:lnRef idx="1">
+            <a:schemeClr val="accent1"/>
+          </a:lnRef>
+          <a:fillRef idx="0">
+            <a:schemeClr val="accent1"/>
+          </a:fillRef>
+          <a:effectRef idx="0">
+            <a:schemeClr val="accent1"/>
+          </a:effectRef>
+          <a:fontRef idx="minor">
+            <a:schemeClr val="tx1"/>
+          </a:fontRef>
+        </p:style>
+      </p:cxnSp>
+      <p:cxnSp>
+        <p:nvCxnSpPr>
+          <p:cNvPr id="19" name="Connecteur droit avec flèche 18"/>
+          <p:cNvCxnSpPr/>
+          <p:nvPr/>
+        </p:nvCxnSpPr>
+        <p:spPr>
+          <a:xfrm>
+            <a:off x="2402701" y="2420888"/>
+            <a:ext cx="441107" cy="0"/>
+          </a:xfrm>
+          <a:prstGeom prst="straightConnector1">
+            <a:avLst/>
+          </a:prstGeom>
+          <a:ln w="19050">
+            <a:solidFill>
+              <a:srgbClr val="C00000"/>
+            </a:solidFill>
+            <a:tailEnd type="stealth" w="med" len="lg"/>
+          </a:ln>
+        </p:spPr>
+        <p:style>
+          <a:lnRef idx="1">
+            <a:schemeClr val="accent1"/>
+          </a:lnRef>
+          <a:fillRef idx="0">
+            <a:schemeClr val="accent1"/>
+          </a:fillRef>
+          <a:effectRef idx="0">
+            <a:schemeClr val="accent1"/>
+          </a:effectRef>
+          <a:fontRef idx="minor">
+            <a:schemeClr val="tx1"/>
+          </a:fontRef>
+        </p:style>
+      </p:cxnSp>
+      <p:cxnSp>
+        <p:nvCxnSpPr>
+          <p:cNvPr id="20" name="Connecteur droit avec flèche 19"/>
+          <p:cNvCxnSpPr/>
+          <p:nvPr/>
+        </p:nvCxnSpPr>
+        <p:spPr>
+          <a:xfrm>
+            <a:off x="2411760" y="2276872"/>
+            <a:ext cx="287684" cy="0"/>
+          </a:xfrm>
+          <a:prstGeom prst="straightConnector1">
+            <a:avLst/>
+          </a:prstGeom>
+          <a:ln w="19050">
+            <a:solidFill>
+              <a:srgbClr val="C00000"/>
+            </a:solidFill>
+            <a:tailEnd type="stealth" w="med" len="lg"/>
+          </a:ln>
+        </p:spPr>
+        <p:style>
+          <a:lnRef idx="1">
+            <a:schemeClr val="accent1"/>
+          </a:lnRef>
+          <a:fillRef idx="0">
+            <a:schemeClr val="accent1"/>
+          </a:fillRef>
+          <a:effectRef idx="0">
+            <a:schemeClr val="accent1"/>
+          </a:effectRef>
+          <a:fontRef idx="minor">
+            <a:schemeClr val="tx1"/>
+          </a:fontRef>
+        </p:style>
+      </p:cxnSp>
+      <p:cxnSp>
+        <p:nvCxnSpPr>
+          <p:cNvPr id="21" name="Connecteur droit avec flèche 20"/>
+          <p:cNvCxnSpPr/>
+          <p:nvPr/>
+        </p:nvCxnSpPr>
+        <p:spPr>
+          <a:xfrm>
+            <a:off x="2411760" y="2132856"/>
+            <a:ext cx="143842" cy="0"/>
+          </a:xfrm>
+          <a:prstGeom prst="straightConnector1">
+            <a:avLst/>
+          </a:prstGeom>
+          <a:ln w="19050">
+            <a:solidFill>
+              <a:srgbClr val="C00000"/>
+            </a:solidFill>
+            <a:tailEnd type="stealth" w="med" len="lg"/>
+          </a:ln>
+        </p:spPr>
+        <p:style>
+          <a:lnRef idx="1">
+            <a:schemeClr val="accent1"/>
+          </a:lnRef>
+          <a:fillRef idx="0">
+            <a:schemeClr val="accent1"/>
+          </a:fillRef>
+          <a:effectRef idx="0">
+            <a:schemeClr val="accent1"/>
+          </a:effectRef>
+          <a:fontRef idx="minor">
+            <a:schemeClr val="tx1"/>
+          </a:fontRef>
+        </p:style>
+      </p:cxnSp>
+      <p:cxnSp>
+        <p:nvCxnSpPr>
+          <p:cNvPr id="23" name="Connecteur droit avec flèche 22"/>
+          <p:cNvCxnSpPr/>
+          <p:nvPr/>
+        </p:nvCxnSpPr>
+        <p:spPr>
+          <a:xfrm flipH="1">
+            <a:off x="2267744" y="1844824"/>
+            <a:ext cx="144016" cy="0"/>
+          </a:xfrm>
+          <a:prstGeom prst="straightConnector1">
+            <a:avLst/>
+          </a:prstGeom>
+          <a:ln w="19050">
+            <a:solidFill>
+              <a:srgbClr val="C00000"/>
+            </a:solidFill>
+            <a:tailEnd type="stealth" w="med" len="lg"/>
+          </a:ln>
+        </p:spPr>
+        <p:style>
+          <a:lnRef idx="1">
+            <a:schemeClr val="accent1"/>
+          </a:lnRef>
+          <a:fillRef idx="0">
+            <a:schemeClr val="accent1"/>
+          </a:fillRef>
+          <a:effectRef idx="0">
+            <a:schemeClr val="accent1"/>
+          </a:effectRef>
+          <a:fontRef idx="minor">
+            <a:schemeClr val="tx1"/>
+          </a:fontRef>
+        </p:style>
+      </p:cxnSp>
+      <p:cxnSp>
+        <p:nvCxnSpPr>
+          <p:cNvPr id="24" name="Connecteur droit avec flèche 23"/>
+          <p:cNvCxnSpPr/>
+          <p:nvPr/>
+        </p:nvCxnSpPr>
+        <p:spPr>
+          <a:xfrm flipH="1">
+            <a:off x="2123728" y="1710309"/>
+            <a:ext cx="288032" cy="0"/>
+          </a:xfrm>
+          <a:prstGeom prst="straightConnector1">
+            <a:avLst/>
+          </a:prstGeom>
+          <a:ln w="19050">
+            <a:solidFill>
+              <a:srgbClr val="C00000"/>
+            </a:solidFill>
+            <a:tailEnd type="stealth" w="med" len="lg"/>
+          </a:ln>
+        </p:spPr>
+        <p:style>
+          <a:lnRef idx="1">
+            <a:schemeClr val="accent1"/>
+          </a:lnRef>
+          <a:fillRef idx="0">
+            <a:schemeClr val="accent1"/>
+          </a:fillRef>
+          <a:effectRef idx="0">
+            <a:schemeClr val="accent1"/>
+          </a:effectRef>
+          <a:fontRef idx="minor">
+            <a:schemeClr val="tx1"/>
+          </a:fontRef>
+        </p:style>
+      </p:cxnSp>
+      <p:cxnSp>
+        <p:nvCxnSpPr>
+          <p:cNvPr id="25" name="Connecteur droit avec flèche 24"/>
+          <p:cNvCxnSpPr/>
+          <p:nvPr/>
+        </p:nvCxnSpPr>
+        <p:spPr>
+          <a:xfrm flipH="1">
+            <a:off x="1979712" y="1556792"/>
+            <a:ext cx="432048" cy="0"/>
+          </a:xfrm>
+          <a:prstGeom prst="straightConnector1">
+            <a:avLst/>
+          </a:prstGeom>
+          <a:ln w="19050">
+            <a:solidFill>
+              <a:srgbClr val="C00000"/>
+            </a:solidFill>
+            <a:tailEnd type="stealth" w="med" len="lg"/>
+          </a:ln>
+        </p:spPr>
+        <p:style>
+          <a:lnRef idx="1">
+            <a:schemeClr val="accent1"/>
+          </a:lnRef>
+          <a:fillRef idx="0">
+            <a:schemeClr val="accent1"/>
+          </a:fillRef>
+          <a:effectRef idx="0">
+            <a:schemeClr val="accent1"/>
+          </a:effectRef>
+          <a:fontRef idx="minor">
+            <a:schemeClr val="tx1"/>
+          </a:fontRef>
+        </p:style>
+      </p:cxnSp>
+      <p:grpSp>
+        <p:nvGrpSpPr>
+          <p:cNvPr id="46" name="Groupe 45"/>
+          <p:cNvGrpSpPr/>
+          <p:nvPr/>
+        </p:nvGrpSpPr>
+        <p:grpSpPr>
+          <a:xfrm rot="16200000">
+            <a:off x="1727596" y="1262907"/>
+            <a:ext cx="1368152" cy="1440332"/>
+            <a:chOff x="3524886" y="1072171"/>
+            <a:chExt cx="1368152" cy="1440332"/>
+          </a:xfrm>
+        </p:grpSpPr>
+        <p:sp>
+          <p:nvSpPr>
+            <p:cNvPr id="47" name="Triangle rectangle 46"/>
+            <p:cNvSpPr/>
+            <p:nvPr/>
+          </p:nvSpPr>
+          <p:spPr>
+            <a:xfrm flipH="1" flipV="1">
+              <a:off x="3530317" y="1072171"/>
+              <a:ext cx="684163" cy="715392"/>
+            </a:xfrm>
+            <a:prstGeom prst="rtTriangle">
+              <a:avLst/>
+            </a:prstGeom>
+            <a:solidFill>
+              <a:schemeClr val="accent2">
+                <a:lumMod val="20000"/>
+                <a:lumOff val="80000"/>
+              </a:schemeClr>
+            </a:solidFill>
+            <a:ln>
+              <a:noFill/>
+            </a:ln>
+          </p:spPr>
+          <p:style>
+            <a:lnRef idx="2">
+              <a:schemeClr val="accent1">
+                <a:shade val="50000"/>
+              </a:schemeClr>
+            </a:lnRef>
+            <a:fillRef idx="1">
+              <a:schemeClr val="accent1"/>
+            </a:fillRef>
+            <a:effectRef idx="0">
+              <a:schemeClr val="accent1"/>
+            </a:effectRef>
+            <a:fontRef idx="minor">
+              <a:schemeClr val="lt1"/>
+            </a:fontRef>
+          </p:style>
+          <p:txBody>
+            <a:bodyPr rtlCol="0" anchor="ctr"/>
+            <a:lstStyle/>
+            <a:p>
+              <a:pPr algn="ctr"/>
+              <a:endParaRPr lang="fr-FR"/>
+            </a:p>
+          </p:txBody>
+        </p:sp>
+        <p:sp>
+          <p:nvSpPr>
+            <p:cNvPr id="48" name="Triangle rectangle 47"/>
+            <p:cNvSpPr/>
+            <p:nvPr/>
+          </p:nvSpPr>
+          <p:spPr>
+            <a:xfrm>
+              <a:off x="4208874" y="1797111"/>
+              <a:ext cx="684163" cy="715392"/>
+            </a:xfrm>
+            <a:prstGeom prst="rtTriangle">
+              <a:avLst/>
+            </a:prstGeom>
+            <a:solidFill>
+              <a:schemeClr val="accent2">
+                <a:lumMod val="20000"/>
+                <a:lumOff val="80000"/>
+              </a:schemeClr>
+            </a:solidFill>
+            <a:ln>
+              <a:noFill/>
+            </a:ln>
+          </p:spPr>
+          <p:style>
+            <a:lnRef idx="2">
+              <a:schemeClr val="accent1">
+                <a:shade val="50000"/>
+              </a:schemeClr>
+            </a:lnRef>
+            <a:fillRef idx="1">
+              <a:schemeClr val="accent1"/>
+            </a:fillRef>
+            <a:effectRef idx="0">
+              <a:schemeClr val="accent1"/>
+            </a:effectRef>
+            <a:fontRef idx="minor">
+              <a:schemeClr val="lt1"/>
+            </a:fontRef>
+          </p:style>
+          <p:txBody>
+            <a:bodyPr rtlCol="0" anchor="ctr"/>
+            <a:lstStyle/>
+            <a:p>
+              <a:pPr algn="ctr"/>
+              <a:endParaRPr lang="fr-FR"/>
+            </a:p>
+          </p:txBody>
+        </p:sp>
+        <p:cxnSp>
+          <p:nvCxnSpPr>
+            <p:cNvPr id="49" name="Connecteur droit avec flèche 48"/>
+            <p:cNvCxnSpPr/>
+            <p:nvPr/>
+          </p:nvCxnSpPr>
+          <p:spPr>
+            <a:xfrm>
+              <a:off x="3524886" y="1072345"/>
+              <a:ext cx="1368152" cy="1440158"/>
+            </a:xfrm>
+            <a:prstGeom prst="straightConnector1">
+              <a:avLst/>
+            </a:prstGeom>
+            <a:ln w="19050">
+              <a:solidFill>
+                <a:srgbClr val="C00000"/>
+              </a:solidFill>
+              <a:headEnd type="none" w="med" len="med"/>
+              <a:tailEnd type="none" w="med" len="med"/>
+            </a:ln>
+          </p:spPr>
+          <p:style>
+            <a:lnRef idx="1">
+              <a:schemeClr val="accent1"/>
+            </a:lnRef>
+            <a:fillRef idx="0">
+              <a:schemeClr val="accent1"/>
+            </a:fillRef>
+            <a:effectRef idx="0">
+              <a:schemeClr val="accent1"/>
+            </a:effectRef>
+            <a:fontRef idx="minor">
+              <a:schemeClr val="tx1"/>
+            </a:fontRef>
+          </p:style>
+        </p:cxnSp>
+      </p:grpSp>
+      <p:cxnSp>
+        <p:nvCxnSpPr>
+          <p:cNvPr id="8" name="Connecteur droit avec flèche 7"/>
+          <p:cNvCxnSpPr/>
+          <p:nvPr/>
+        </p:nvCxnSpPr>
+        <p:spPr>
+          <a:xfrm rot="16200000" flipV="1">
+            <a:off x="2411760" y="1011969"/>
+            <a:ext cx="0" cy="1944216"/>
+          </a:xfrm>
+          <a:prstGeom prst="straightConnector1">
+            <a:avLst/>
+          </a:prstGeom>
+          <a:ln w="19050">
+            <a:solidFill>
+              <a:schemeClr val="accent5">
+                <a:lumMod val="50000"/>
+              </a:schemeClr>
+            </a:solidFill>
+            <a:tailEnd type="stealth" w="med" len="lg"/>
+          </a:ln>
+        </p:spPr>
+        <p:style>
+          <a:lnRef idx="1">
+            <a:schemeClr val="accent1"/>
+          </a:lnRef>
+          <a:fillRef idx="0">
+            <a:schemeClr val="accent1"/>
+          </a:fillRef>
+          <a:effectRef idx="0">
+            <a:schemeClr val="accent1"/>
+          </a:effectRef>
+          <a:fontRef idx="minor">
+            <a:schemeClr val="tx1"/>
+          </a:fontRef>
+        </p:style>
+      </p:cxnSp>
+      <p:cxnSp>
+        <p:nvCxnSpPr>
+          <p:cNvPr id="50" name="Connecteur droit avec flèche 49"/>
+          <p:cNvCxnSpPr>
+            <a:stCxn id="48" idx="2"/>
+            <a:endCxn id="48" idx="4"/>
+          </p:cNvCxnSpPr>
+          <p:nvPr/>
+        </p:nvCxnSpPr>
+        <p:spPr>
+          <a:xfrm flipV="1">
+            <a:off x="3131839" y="1298999"/>
+            <a:ext cx="0" cy="684162"/>
+          </a:xfrm>
+          <a:prstGeom prst="straightConnector1">
+            <a:avLst/>
+          </a:prstGeom>
+          <a:ln w="19050">
+            <a:solidFill>
+              <a:srgbClr val="C00000"/>
+            </a:solidFill>
+            <a:tailEnd type="stealth" w="med" len="lg"/>
+          </a:ln>
+        </p:spPr>
+        <p:style>
+          <a:lnRef idx="1">
+            <a:schemeClr val="accent1"/>
+          </a:lnRef>
+          <a:fillRef idx="0">
+            <a:schemeClr val="accent1"/>
+          </a:fillRef>
+          <a:effectRef idx="0">
+            <a:schemeClr val="accent1"/>
+          </a:effectRef>
+          <a:fontRef idx="minor">
+            <a:schemeClr val="tx1"/>
+          </a:fontRef>
+        </p:style>
+      </p:cxnSp>
+      <p:cxnSp>
+        <p:nvCxnSpPr>
+          <p:cNvPr id="53" name="Connecteur droit avec flèche 52"/>
+          <p:cNvCxnSpPr>
+            <a:stCxn id="47" idx="2"/>
+            <a:endCxn id="47" idx="4"/>
+          </p:cNvCxnSpPr>
+          <p:nvPr/>
+        </p:nvCxnSpPr>
+        <p:spPr>
+          <a:xfrm>
+            <a:off x="1691507" y="1977555"/>
+            <a:ext cx="0" cy="684163"/>
+          </a:xfrm>
+          <a:prstGeom prst="straightConnector1">
+            <a:avLst/>
+          </a:prstGeom>
+          <a:ln w="19050">
+            <a:solidFill>
+              <a:srgbClr val="C00000"/>
+            </a:solidFill>
+            <a:tailEnd type="stealth" w="med" len="lg"/>
+          </a:ln>
+        </p:spPr>
+        <p:style>
+          <a:lnRef idx="1">
+            <a:schemeClr val="accent1"/>
+          </a:lnRef>
+          <a:fillRef idx="0">
+            <a:schemeClr val="accent1"/>
+          </a:fillRef>
+          <a:effectRef idx="0">
+            <a:schemeClr val="accent1"/>
+          </a:effectRef>
+          <a:fontRef idx="minor">
+            <a:schemeClr val="tx1"/>
+          </a:fontRef>
+        </p:style>
+      </p:cxnSp>
+      <p:sp>
+        <p:nvSpPr>
+          <p:cNvPr id="56" name="Ellipse 55"/>
+          <p:cNvSpPr/>
+          <p:nvPr/>
+        </p:nvSpPr>
+        <p:spPr>
+          <a:xfrm>
+            <a:off x="3918859" y="1278209"/>
+            <a:ext cx="1440160" cy="1440160"/>
+          </a:xfrm>
+          <a:prstGeom prst="ellipse">
+            <a:avLst/>
+          </a:prstGeom>
+          <a:solidFill>
+            <a:schemeClr val="accent5">
+              <a:lumMod val="20000"/>
+              <a:lumOff val="80000"/>
+            </a:schemeClr>
+          </a:solidFill>
+          <a:ln w="28575">
+            <a:solidFill>
+              <a:schemeClr val="accent5">
+                <a:lumMod val="50000"/>
+              </a:schemeClr>
+            </a:solidFill>
+          </a:ln>
+        </p:spPr>
+        <p:style>
+          <a:lnRef idx="2">
+            <a:schemeClr val="accent1">
+              <a:shade val="50000"/>
+            </a:schemeClr>
+          </a:lnRef>
+          <a:fillRef idx="1">
+            <a:schemeClr val="accent1"/>
+          </a:fillRef>
+          <a:effectRef idx="0">
+            <a:schemeClr val="accent1"/>
+          </a:effectRef>
+          <a:fontRef idx="minor">
+            <a:schemeClr val="lt1"/>
+          </a:fontRef>
+        </p:style>
+        <p:txBody>
+          <a:bodyPr rtlCol="0" anchor="ctr"/>
+          <a:lstStyle/>
+          <a:p>
+            <a:pPr algn="ctr"/>
+            <a:endParaRPr lang="fr-FR"/>
+          </a:p>
+        </p:txBody>
+      </p:sp>
+      <p:sp>
+        <p:nvSpPr>
+          <p:cNvPr id="57" name="Triangle rectangle 56"/>
+          <p:cNvSpPr/>
+          <p:nvPr/>
+        </p:nvSpPr>
+        <p:spPr>
+          <a:xfrm flipH="1" flipV="1">
+            <a:off x="3945717" y="1271363"/>
+            <a:ext cx="684163" cy="715392"/>
+          </a:xfrm>
+          <a:prstGeom prst="rtTriangle">
+            <a:avLst/>
+          </a:prstGeom>
+          <a:solidFill>
+            <a:schemeClr val="accent2">
+              <a:lumMod val="20000"/>
+              <a:lumOff val="80000"/>
+            </a:schemeClr>
+          </a:solidFill>
+          <a:ln>
+            <a:noFill/>
+          </a:ln>
+        </p:spPr>
+        <p:style>
+          <a:lnRef idx="2">
+            <a:schemeClr val="accent1">
+              <a:shade val="50000"/>
+            </a:schemeClr>
+          </a:lnRef>
+          <a:fillRef idx="1">
+            <a:schemeClr val="accent1"/>
+          </a:fillRef>
+          <a:effectRef idx="0">
+            <a:schemeClr val="accent1"/>
+          </a:effectRef>
+          <a:fontRef idx="minor">
+            <a:schemeClr val="lt1"/>
+          </a:fontRef>
+        </p:style>
+        <p:txBody>
+          <a:bodyPr rtlCol="0" anchor="ctr"/>
+          <a:lstStyle/>
+          <a:p>
+            <a:pPr algn="ctr"/>
+            <a:endParaRPr lang="fr-FR"/>
+          </a:p>
+        </p:txBody>
+      </p:sp>
+      <p:sp>
+        <p:nvSpPr>
+          <p:cNvPr id="59" name="Triangle rectangle 58"/>
+          <p:cNvSpPr/>
+          <p:nvPr/>
+        </p:nvSpPr>
+        <p:spPr>
+          <a:xfrm>
+            <a:off x="4638851" y="2002975"/>
+            <a:ext cx="684163" cy="715392"/>
+          </a:xfrm>
+          <a:prstGeom prst="rtTriangle">
+            <a:avLst/>
+          </a:prstGeom>
+          <a:solidFill>
+            <a:schemeClr val="accent2">
+              <a:lumMod val="20000"/>
+              <a:lumOff val="80000"/>
+            </a:schemeClr>
+          </a:solidFill>
+          <a:ln>
+            <a:noFill/>
+          </a:ln>
+        </p:spPr>
+        <p:style>
+          <a:lnRef idx="2">
+            <a:schemeClr val="accent1">
+              <a:shade val="50000"/>
+            </a:schemeClr>
+          </a:lnRef>
+          <a:fillRef idx="1">
+            <a:schemeClr val="accent1"/>
+          </a:fillRef>
+          <a:effectRef idx="0">
+            <a:schemeClr val="accent1"/>
+          </a:effectRef>
+          <a:fontRef idx="minor">
+            <a:schemeClr val="lt1"/>
+          </a:fontRef>
+        </p:style>
+        <p:txBody>
+          <a:bodyPr rtlCol="0" anchor="ctr"/>
+          <a:lstStyle/>
+          <a:p>
+            <a:pPr algn="ctr"/>
+            <a:endParaRPr lang="fr-FR" dirty="0"/>
+          </a:p>
+        </p:txBody>
+      </p:sp>
+      <mc:AlternateContent xmlns:mc="http://schemas.openxmlformats.org/markup-compatibility/2006">
+        <mc:Choice xmlns:a14="http://schemas.microsoft.com/office/drawing/2010/main" Requires="a14">
+          <p:sp>
+            <p:nvSpPr>
+              <p:cNvPr id="62" name="ZoneTexte 61"/>
+              <p:cNvSpPr txBox="1"/>
+              <p:nvPr/>
+            </p:nvSpPr>
+            <p:spPr>
+              <a:xfrm>
+                <a:off x="4638939" y="754408"/>
+                <a:ext cx="384208" cy="307777"/>
+              </a:xfrm>
+              <a:prstGeom prst="rect">
+                <a:avLst/>
+              </a:prstGeom>
+              <a:noFill/>
+            </p:spPr>
+            <p:txBody>
+              <a:bodyPr wrap="none" rtlCol="0">
+                <a:spAutoFit/>
+              </a:bodyPr>
+              <a:lstStyle/>
+              <a:p>
+                <a:pPr/>
+                <a14:m>
+                  <m:oMathPara xmlns:m="http://schemas.openxmlformats.org/officeDocument/2006/math">
+                    <m:oMathParaPr>
+                      <m:jc m:val="centerGroup"/>
+                    </m:oMathParaPr>
+                    <m:oMath xmlns:m="http://schemas.openxmlformats.org/officeDocument/2006/math">
+                      <m:acc>
+                        <m:accPr>
+                          <m:chr m:val="⃗"/>
+                          <m:ctrlPr>
+                            <a:rPr lang="fr-FR" sz="1400" b="0" i="1" smtClean="0">
+                              <a:latin typeface="Cambria Math" panose="02040503050406030204" pitchFamily="18" charset="0"/>
+                            </a:rPr>
+                          </m:ctrlPr>
+                        </m:accPr>
+                        <m:e>
+                          <m:sSub>
+                            <m:sSubPr>
+                              <m:ctrlPr>
+                                <a:rPr lang="fr-FR" sz="1400" i="1">
+                                  <a:latin typeface="Cambria Math" panose="02040503050406030204" pitchFamily="18" charset="0"/>
+                                </a:rPr>
+                              </m:ctrlPr>
+                            </m:sSubPr>
+                            <m:e>
+                              <m:r>
+                                <a:rPr lang="fr-FR" sz="1400" b="0" i="1" smtClean="0">
+                                  <a:latin typeface="Cambria Math"/>
+                                </a:rPr>
+                                <m:t>𝑦</m:t>
+                              </m:r>
+                            </m:e>
+                            <m:sub>
+                              <m:r>
+                                <a:rPr lang="fr-FR" sz="1400" i="1">
+                                  <a:latin typeface="Cambria Math"/>
+                                </a:rPr>
+                                <m:t>𝑠</m:t>
+                              </m:r>
+                            </m:sub>
+                          </m:sSub>
+                        </m:e>
+                      </m:acc>
+                    </m:oMath>
+                  </m:oMathPara>
+                </a14:m>
+                <a:endParaRPr lang="fr-FR" sz="1400" dirty="0"/>
+              </a:p>
+            </p:txBody>
+          </p:sp>
+        </mc:Choice>
+        <mc:Fallback>
+          <p:sp>
+            <p:nvSpPr>
+              <p:cNvPr id="62" name="ZoneTexte 61"/>
+              <p:cNvSpPr txBox="1">
+                <a:spLocks noRot="1" noChangeAspect="1" noMove="1" noResize="1" noEditPoints="1" noAdjustHandles="1" noChangeArrowheads="1" noChangeShapeType="1" noTextEdit="1"/>
+              </p:cNvSpPr>
+              <p:nvPr/>
+            </p:nvSpPr>
+            <p:spPr>
+              <a:xfrm>
+                <a:off x="4638939" y="754408"/>
+                <a:ext cx="384208" cy="307777"/>
+              </a:xfrm>
+              <a:prstGeom prst="rect">
+                <a:avLst/>
+              </a:prstGeom>
+              <a:blipFill>
+                <a:blip r:embed="rId4"/>
+                <a:stretch>
+                  <a:fillRect b="-2000"/>
+                </a:stretch>
+              </a:blipFill>
+            </p:spPr>
+            <p:txBody>
+              <a:bodyPr/>
+              <a:lstStyle/>
+              <a:p>
+                <a:r>
+                  <a:rPr lang="fr-FR">
+                    <a:noFill/>
+                  </a:rPr>
+                  <a:t> </a:t>
+                </a:r>
+              </a:p>
+            </p:txBody>
+          </p:sp>
+        </mc:Fallback>
+      </mc:AlternateContent>
+      <mc:AlternateContent xmlns:mc="http://schemas.openxmlformats.org/markup-compatibility/2006">
+        <mc:Choice xmlns:a14="http://schemas.microsoft.com/office/drawing/2010/main" Requires="a14">
+          <p:sp>
+            <p:nvSpPr>
+              <p:cNvPr id="63" name="ZoneTexte 62"/>
+              <p:cNvSpPr txBox="1"/>
+              <p:nvPr/>
+            </p:nvSpPr>
+            <p:spPr>
+              <a:xfrm>
+                <a:off x="3511724" y="1685825"/>
+                <a:ext cx="381195" cy="307777"/>
+              </a:xfrm>
+              <a:prstGeom prst="rect">
+                <a:avLst/>
+              </a:prstGeom>
+              <a:noFill/>
+            </p:spPr>
+            <p:txBody>
+              <a:bodyPr wrap="none" rtlCol="0">
+                <a:spAutoFit/>
+              </a:bodyPr>
+              <a:lstStyle/>
+              <a:p>
+                <a:pPr/>
+                <a14:m>
+                  <m:oMathPara xmlns:m="http://schemas.openxmlformats.org/officeDocument/2006/math">
+                    <m:oMathParaPr>
+                      <m:jc m:val="centerGroup"/>
+                    </m:oMathParaPr>
+                    <m:oMath xmlns:m="http://schemas.openxmlformats.org/officeDocument/2006/math">
+                      <m:acc>
+                        <m:accPr>
+                          <m:chr m:val="⃗"/>
+                          <m:ctrlPr>
+                            <a:rPr lang="fr-FR" sz="1400" b="0" i="1" smtClean="0">
+                              <a:latin typeface="Cambria Math" panose="02040503050406030204" pitchFamily="18" charset="0"/>
+                            </a:rPr>
+                          </m:ctrlPr>
+                        </m:accPr>
+                        <m:e>
+                          <m:sSub>
+                            <m:sSubPr>
+                              <m:ctrlPr>
+                                <a:rPr lang="fr-FR" sz="1400" i="1">
+                                  <a:latin typeface="Cambria Math" panose="02040503050406030204" pitchFamily="18" charset="0"/>
+                                </a:rPr>
+                              </m:ctrlPr>
+                            </m:sSubPr>
+                            <m:e>
+                              <m:r>
+                                <a:rPr lang="fr-FR" sz="1400" b="0" i="1" smtClean="0">
+                                  <a:latin typeface="Cambria Math" panose="02040503050406030204" pitchFamily="18" charset="0"/>
+                                </a:rPr>
+                                <m:t>𝑧</m:t>
+                              </m:r>
+                            </m:e>
+                            <m:sub>
+                              <m:r>
+                                <a:rPr lang="fr-FR" sz="1400" i="1">
+                                  <a:latin typeface="Cambria Math"/>
+                                </a:rPr>
+                                <m:t>𝑠</m:t>
+                              </m:r>
+                            </m:sub>
+                          </m:sSub>
+                        </m:e>
+                      </m:acc>
+                    </m:oMath>
+                  </m:oMathPara>
+                </a14:m>
+                <a:endParaRPr lang="fr-FR" sz="1400" dirty="0"/>
+              </a:p>
+            </p:txBody>
+          </p:sp>
+        </mc:Choice>
+        <mc:Fallback>
+          <p:sp>
+            <p:nvSpPr>
+              <p:cNvPr id="63" name="ZoneTexte 62"/>
+              <p:cNvSpPr txBox="1">
+                <a:spLocks noRot="1" noChangeAspect="1" noMove="1" noResize="1" noEditPoints="1" noAdjustHandles="1" noChangeArrowheads="1" noChangeShapeType="1" noTextEdit="1"/>
+              </p:cNvSpPr>
+              <p:nvPr/>
+            </p:nvSpPr>
+            <p:spPr>
+              <a:xfrm>
+                <a:off x="3511724" y="1685825"/>
+                <a:ext cx="381195" cy="307777"/>
+              </a:xfrm>
+              <a:prstGeom prst="rect">
+                <a:avLst/>
+              </a:prstGeom>
+              <a:blipFill>
+                <a:blip r:embed="rId5"/>
+                <a:stretch>
+                  <a:fillRect/>
+                </a:stretch>
+              </a:blipFill>
+            </p:spPr>
+            <p:txBody>
+              <a:bodyPr/>
+              <a:lstStyle/>
+              <a:p>
+                <a:r>
+                  <a:rPr lang="fr-FR">
+                    <a:noFill/>
+                  </a:rPr>
+                  <a:t> </a:t>
+                </a:r>
+              </a:p>
+            </p:txBody>
+          </p:sp>
+        </mc:Fallback>
+      </mc:AlternateContent>
+      <p:cxnSp>
+        <p:nvCxnSpPr>
+          <p:cNvPr id="64" name="Connecteur droit avec flèche 63"/>
+          <p:cNvCxnSpPr/>
+          <p:nvPr/>
+        </p:nvCxnSpPr>
+        <p:spPr>
+          <a:xfrm flipH="1">
+            <a:off x="3954863" y="1278209"/>
+            <a:ext cx="684076" cy="0"/>
+          </a:xfrm>
+          <a:prstGeom prst="straightConnector1">
+            <a:avLst/>
+          </a:prstGeom>
+          <a:ln w="19050">
+            <a:solidFill>
+              <a:srgbClr val="C00000"/>
+            </a:solidFill>
+            <a:tailEnd type="stealth" w="med" len="lg"/>
+          </a:ln>
+        </p:spPr>
+        <p:style>
+          <a:lnRef idx="1">
+            <a:schemeClr val="accent1"/>
+          </a:lnRef>
+          <a:fillRef idx="0">
+            <a:schemeClr val="accent1"/>
+          </a:fillRef>
+          <a:effectRef idx="0">
+            <a:schemeClr val="accent1"/>
+          </a:effectRef>
+          <a:fontRef idx="minor">
+            <a:schemeClr val="tx1"/>
+          </a:fontRef>
+        </p:style>
+      </p:cxnSp>
+      <p:cxnSp>
+        <p:nvCxnSpPr>
+          <p:cNvPr id="65" name="Connecteur droit avec flèche 64"/>
+          <p:cNvCxnSpPr/>
+          <p:nvPr/>
+        </p:nvCxnSpPr>
+        <p:spPr>
+          <a:xfrm>
+            <a:off x="4638939" y="2718369"/>
+            <a:ext cx="684076" cy="0"/>
+          </a:xfrm>
+          <a:prstGeom prst="straightConnector1">
+            <a:avLst/>
+          </a:prstGeom>
+          <a:ln w="19050">
+            <a:solidFill>
+              <a:srgbClr val="C00000"/>
+            </a:solidFill>
+            <a:tailEnd type="stealth" w="med" len="lg"/>
+          </a:ln>
+        </p:spPr>
+        <p:style>
+          <a:lnRef idx="1">
+            <a:schemeClr val="accent1"/>
+          </a:lnRef>
+          <a:fillRef idx="0">
+            <a:schemeClr val="accent1"/>
+          </a:fillRef>
+          <a:effectRef idx="0">
+            <a:schemeClr val="accent1"/>
+          </a:effectRef>
+          <a:fontRef idx="minor">
+            <a:schemeClr val="tx1"/>
+          </a:fontRef>
+        </p:style>
+      </p:cxnSp>
+      <p:sp>
+        <p:nvSpPr>
+          <p:cNvPr id="74" name="Triangle rectangle 73"/>
+          <p:cNvSpPr/>
+          <p:nvPr/>
+        </p:nvSpPr>
+        <p:spPr>
+          <a:xfrm rot="16200000" flipH="1" flipV="1">
+            <a:off x="3937134" y="1968556"/>
+            <a:ext cx="935210" cy="972106"/>
+          </a:xfrm>
+          <a:prstGeom prst="rtTriangle">
+            <a:avLst/>
+          </a:prstGeom>
+          <a:solidFill>
+            <a:schemeClr val="accent2">
+              <a:lumMod val="20000"/>
+              <a:lumOff val="80000"/>
+            </a:schemeClr>
+          </a:solidFill>
+          <a:ln>
+            <a:noFill/>
+          </a:ln>
+        </p:spPr>
+        <p:style>
+          <a:lnRef idx="2">
+            <a:schemeClr val="accent1">
+              <a:shade val="50000"/>
+            </a:schemeClr>
+          </a:lnRef>
+          <a:fillRef idx="1">
+            <a:schemeClr val="accent1"/>
+          </a:fillRef>
+          <a:effectRef idx="0">
+            <a:schemeClr val="accent1"/>
+          </a:effectRef>
+          <a:fontRef idx="minor">
+            <a:schemeClr val="lt1"/>
+          </a:fontRef>
+        </p:style>
+        <p:txBody>
+          <a:bodyPr rtlCol="0" anchor="ctr"/>
+          <a:lstStyle/>
+          <a:p>
+            <a:pPr algn="ctr"/>
+            <a:endParaRPr lang="fr-FR"/>
+          </a:p>
+        </p:txBody>
+      </p:sp>
+      <p:sp>
+        <p:nvSpPr>
+          <p:cNvPr id="75" name="Triangle rectangle 74"/>
+          <p:cNvSpPr/>
+          <p:nvPr/>
+        </p:nvSpPr>
+        <p:spPr>
+          <a:xfrm rot="16200000">
+            <a:off x="4900598" y="1544251"/>
+            <a:ext cx="438553" cy="458164"/>
+          </a:xfrm>
+          <a:prstGeom prst="rtTriangle">
+            <a:avLst/>
+          </a:prstGeom>
+          <a:solidFill>
+            <a:schemeClr val="accent2">
+              <a:lumMod val="20000"/>
+              <a:lumOff val="80000"/>
+            </a:schemeClr>
+          </a:solidFill>
+          <a:ln>
+            <a:noFill/>
+          </a:ln>
+        </p:spPr>
+        <p:style>
+          <a:lnRef idx="2">
+            <a:schemeClr val="accent1">
+              <a:shade val="50000"/>
+            </a:schemeClr>
+          </a:lnRef>
+          <a:fillRef idx="1">
+            <a:schemeClr val="accent1"/>
+          </a:fillRef>
+          <a:effectRef idx="0">
+            <a:schemeClr val="accent1"/>
+          </a:effectRef>
+          <a:fontRef idx="minor">
+            <a:schemeClr val="lt1"/>
+          </a:fontRef>
+        </p:style>
+        <p:txBody>
+          <a:bodyPr rtlCol="0" anchor="ctr"/>
+          <a:lstStyle/>
+          <a:p>
+            <a:pPr algn="ctr"/>
+            <a:endParaRPr lang="fr-FR"/>
+          </a:p>
+        </p:txBody>
+      </p:sp>
+      <p:cxnSp>
+        <p:nvCxnSpPr>
+          <p:cNvPr id="77" name="Connecteur droit avec flèche 76"/>
+          <p:cNvCxnSpPr/>
+          <p:nvPr/>
+        </p:nvCxnSpPr>
+        <p:spPr>
+          <a:xfrm rot="16200000" flipV="1">
+            <a:off x="4638939" y="1021418"/>
+            <a:ext cx="0" cy="1944216"/>
+          </a:xfrm>
+          <a:prstGeom prst="straightConnector1">
+            <a:avLst/>
+          </a:prstGeom>
+          <a:ln w="19050">
+            <a:solidFill>
+              <a:schemeClr val="accent5">
+                <a:lumMod val="50000"/>
+              </a:schemeClr>
+            </a:solidFill>
+            <a:tailEnd type="stealth" w="med" len="lg"/>
+          </a:ln>
+        </p:spPr>
+        <p:style>
+          <a:lnRef idx="1">
+            <a:schemeClr val="accent1"/>
+          </a:lnRef>
+          <a:fillRef idx="0">
+            <a:schemeClr val="accent1"/>
+          </a:fillRef>
+          <a:effectRef idx="0">
+            <a:schemeClr val="accent1"/>
+          </a:effectRef>
+          <a:fontRef idx="minor">
+            <a:schemeClr val="tx1"/>
+          </a:fontRef>
+        </p:style>
+      </p:cxnSp>
+      <p:cxnSp>
+        <p:nvCxnSpPr>
+          <p:cNvPr id="78" name="Connecteur droit avec flèche 77"/>
+          <p:cNvCxnSpPr/>
+          <p:nvPr/>
+        </p:nvCxnSpPr>
+        <p:spPr>
+          <a:xfrm flipV="1">
+            <a:off x="5359017" y="1554060"/>
+            <a:ext cx="0" cy="438550"/>
+          </a:xfrm>
+          <a:prstGeom prst="straightConnector1">
+            <a:avLst/>
+          </a:prstGeom>
+          <a:ln w="19050">
+            <a:solidFill>
+              <a:srgbClr val="C00000"/>
+            </a:solidFill>
+            <a:tailEnd type="stealth" w="med" len="lg"/>
+          </a:ln>
+        </p:spPr>
+        <p:style>
+          <a:lnRef idx="1">
+            <a:schemeClr val="accent1"/>
+          </a:lnRef>
+          <a:fillRef idx="0">
+            <a:schemeClr val="accent1"/>
+          </a:fillRef>
+          <a:effectRef idx="0">
+            <a:schemeClr val="accent1"/>
+          </a:effectRef>
+          <a:fontRef idx="minor">
+            <a:schemeClr val="tx1"/>
+          </a:fontRef>
+        </p:style>
+      </p:cxnSp>
+      <p:cxnSp>
+        <p:nvCxnSpPr>
+          <p:cNvPr id="79" name="Connecteur droit avec flèche 78"/>
+          <p:cNvCxnSpPr>
+            <a:stCxn id="74" idx="2"/>
+            <a:endCxn id="74" idx="4"/>
+          </p:cNvCxnSpPr>
+          <p:nvPr/>
+        </p:nvCxnSpPr>
+        <p:spPr>
+          <a:xfrm>
+            <a:off x="3918686" y="1987004"/>
+            <a:ext cx="0" cy="935210"/>
+          </a:xfrm>
+          <a:prstGeom prst="straightConnector1">
+            <a:avLst/>
+          </a:prstGeom>
+          <a:ln w="19050">
+            <a:solidFill>
+              <a:srgbClr val="C00000"/>
+            </a:solidFill>
+            <a:tailEnd type="stealth" w="med" len="lg"/>
+          </a:ln>
+        </p:spPr>
+        <p:style>
+          <a:lnRef idx="1">
+            <a:schemeClr val="accent1"/>
+          </a:lnRef>
+          <a:fillRef idx="0">
+            <a:schemeClr val="accent1"/>
+          </a:fillRef>
+          <a:effectRef idx="0">
+            <a:schemeClr val="accent1"/>
+          </a:effectRef>
+          <a:fontRef idx="minor">
+            <a:schemeClr val="tx1"/>
+          </a:fontRef>
+        </p:style>
+      </p:cxnSp>
+      <p:cxnSp>
+        <p:nvCxnSpPr>
+          <p:cNvPr id="80" name="Connecteur droit avec flèche 79"/>
+          <p:cNvCxnSpPr/>
+          <p:nvPr/>
+        </p:nvCxnSpPr>
+        <p:spPr>
+          <a:xfrm rot="16200000">
+            <a:off x="3954862" y="1518057"/>
+            <a:ext cx="1368152" cy="1440158"/>
+          </a:xfrm>
+          <a:prstGeom prst="straightConnector1">
+            <a:avLst/>
+          </a:prstGeom>
+          <a:ln w="12700">
+            <a:solidFill>
+              <a:srgbClr val="C00000"/>
+            </a:solidFill>
+            <a:headEnd type="none" w="med" len="med"/>
+            <a:tailEnd type="none" w="med" len="med"/>
+          </a:ln>
+        </p:spPr>
+        <p:style>
+          <a:lnRef idx="1">
+            <a:schemeClr val="accent1"/>
+          </a:lnRef>
+          <a:fillRef idx="0">
+            <a:schemeClr val="accent1"/>
+          </a:fillRef>
+          <a:effectRef idx="0">
+            <a:schemeClr val="accent1"/>
+          </a:effectRef>
+          <a:fontRef idx="minor">
+            <a:schemeClr val="tx1"/>
+          </a:fontRef>
+        </p:style>
+      </p:cxnSp>
+      <p:cxnSp>
+        <p:nvCxnSpPr>
+          <p:cNvPr id="61" name="Connecteur droit avec flèche 60"/>
+          <p:cNvCxnSpPr/>
+          <p:nvPr/>
+        </p:nvCxnSpPr>
+        <p:spPr>
+          <a:xfrm flipV="1">
+            <a:off x="4638939" y="1062185"/>
+            <a:ext cx="0" cy="1944216"/>
+          </a:xfrm>
+          <a:prstGeom prst="straightConnector1">
+            <a:avLst/>
+          </a:prstGeom>
+          <a:ln w="19050">
+            <a:solidFill>
+              <a:schemeClr val="accent5">
+                <a:lumMod val="50000"/>
+              </a:schemeClr>
+            </a:solidFill>
+            <a:tailEnd type="stealth" w="med" len="lg"/>
+          </a:ln>
+        </p:spPr>
+        <p:style>
+          <a:lnRef idx="1">
+            <a:schemeClr val="accent1"/>
+          </a:lnRef>
+          <a:fillRef idx="0">
+            <a:schemeClr val="accent1"/>
+          </a:fillRef>
+          <a:effectRef idx="0">
+            <a:schemeClr val="accent1"/>
+          </a:effectRef>
+          <a:fontRef idx="minor">
+            <a:schemeClr val="tx1"/>
+          </a:fontRef>
+        </p:style>
+      </p:cxnSp>
+      <p:cxnSp>
+        <p:nvCxnSpPr>
+          <p:cNvPr id="89" name="Connecteur droit avec flèche 88"/>
+          <p:cNvCxnSpPr/>
+          <p:nvPr/>
+        </p:nvCxnSpPr>
+        <p:spPr>
+          <a:xfrm>
+            <a:off x="4071086" y="1989734"/>
+            <a:ext cx="0" cy="791194"/>
+          </a:xfrm>
+          <a:prstGeom prst="straightConnector1">
+            <a:avLst/>
+          </a:prstGeom>
+          <a:ln w="19050">
+            <a:solidFill>
+              <a:srgbClr val="C00000"/>
+            </a:solidFill>
+            <a:tailEnd type="stealth" w="med" len="lg"/>
+          </a:ln>
+        </p:spPr>
+        <p:style>
+          <a:lnRef idx="1">
+            <a:schemeClr val="accent1"/>
+          </a:lnRef>
+          <a:fillRef idx="0">
+            <a:schemeClr val="accent1"/>
+          </a:fillRef>
+          <a:effectRef idx="0">
+            <a:schemeClr val="accent1"/>
+          </a:effectRef>
+          <a:fontRef idx="minor">
+            <a:schemeClr val="tx1"/>
+          </a:fontRef>
+        </p:style>
+      </p:cxnSp>
+      <p:cxnSp>
+        <p:nvCxnSpPr>
+          <p:cNvPr id="90" name="Connecteur droit avec flèche 89"/>
+          <p:cNvCxnSpPr/>
+          <p:nvPr/>
+        </p:nvCxnSpPr>
+        <p:spPr>
+          <a:xfrm>
+            <a:off x="4260341" y="1988840"/>
+            <a:ext cx="0" cy="618169"/>
+          </a:xfrm>
+          <a:prstGeom prst="straightConnector1">
+            <a:avLst/>
+          </a:prstGeom>
+          <a:ln w="19050">
+            <a:solidFill>
+              <a:srgbClr val="C00000"/>
+            </a:solidFill>
+            <a:tailEnd type="stealth" w="med" len="lg"/>
+          </a:ln>
+        </p:spPr>
+        <p:style>
+          <a:lnRef idx="1">
+            <a:schemeClr val="accent1"/>
+          </a:lnRef>
+          <a:fillRef idx="0">
+            <a:schemeClr val="accent1"/>
+          </a:fillRef>
+          <a:effectRef idx="0">
+            <a:schemeClr val="accent1"/>
+          </a:effectRef>
+          <a:fontRef idx="minor">
+            <a:schemeClr val="tx1"/>
+          </a:fontRef>
+        </p:style>
+      </p:cxnSp>
+      <p:cxnSp>
+        <p:nvCxnSpPr>
+          <p:cNvPr id="91" name="Connecteur droit avec flèche 90"/>
+          <p:cNvCxnSpPr/>
+          <p:nvPr/>
+        </p:nvCxnSpPr>
+        <p:spPr>
+          <a:xfrm>
+            <a:off x="4449596" y="1988840"/>
+            <a:ext cx="0" cy="432048"/>
+          </a:xfrm>
+          <a:prstGeom prst="straightConnector1">
+            <a:avLst/>
+          </a:prstGeom>
+          <a:ln w="19050">
+            <a:solidFill>
+              <a:srgbClr val="C00000"/>
+            </a:solidFill>
+            <a:tailEnd type="stealth" w="med" len="lg"/>
+          </a:ln>
+        </p:spPr>
+        <p:style>
+          <a:lnRef idx="1">
+            <a:schemeClr val="accent1"/>
+          </a:lnRef>
+          <a:fillRef idx="0">
+            <a:schemeClr val="accent1"/>
+          </a:fillRef>
+          <a:effectRef idx="0">
+            <a:schemeClr val="accent1"/>
+          </a:effectRef>
+          <a:fontRef idx="minor">
+            <a:schemeClr val="tx1"/>
+          </a:fontRef>
+        </p:style>
+      </p:cxnSp>
+      <p:cxnSp>
+        <p:nvCxnSpPr>
+          <p:cNvPr id="92" name="Connecteur droit avec flèche 91"/>
+          <p:cNvCxnSpPr/>
+          <p:nvPr/>
+        </p:nvCxnSpPr>
+        <p:spPr>
+          <a:xfrm flipV="1">
+            <a:off x="5220072" y="1685825"/>
+            <a:ext cx="0" cy="317151"/>
+          </a:xfrm>
+          <a:prstGeom prst="straightConnector1">
+            <a:avLst/>
+          </a:prstGeom>
+          <a:ln w="19050">
+            <a:solidFill>
+              <a:srgbClr val="C00000"/>
+            </a:solidFill>
+            <a:tailEnd type="stealth" w="med" len="lg"/>
+          </a:ln>
+        </p:spPr>
+        <p:style>
+          <a:lnRef idx="1">
+            <a:schemeClr val="accent1"/>
+          </a:lnRef>
+          <a:fillRef idx="0">
+            <a:schemeClr val="accent1"/>
+          </a:fillRef>
+          <a:effectRef idx="0">
+            <a:schemeClr val="accent1"/>
+          </a:effectRef>
+          <a:fontRef idx="minor">
+            <a:schemeClr val="tx1"/>
+          </a:fontRef>
+        </p:style>
+      </p:cxnSp>
+      <p:cxnSp>
+        <p:nvCxnSpPr>
+          <p:cNvPr id="102" name="Connecteur droit avec flèche 101"/>
+          <p:cNvCxnSpPr/>
+          <p:nvPr/>
+        </p:nvCxnSpPr>
+        <p:spPr>
+          <a:xfrm flipV="1">
+            <a:off x="4749920" y="1988840"/>
+            <a:ext cx="0" cy="144016"/>
+          </a:xfrm>
+          <a:prstGeom prst="straightConnector1">
+            <a:avLst/>
+          </a:prstGeom>
+          <a:ln w="19050">
+            <a:solidFill>
+              <a:srgbClr val="C00000"/>
+            </a:solidFill>
+            <a:tailEnd type="stealth" w="med" len="lg"/>
+          </a:ln>
+        </p:spPr>
+        <p:style>
+          <a:lnRef idx="1">
+            <a:schemeClr val="accent1"/>
+          </a:lnRef>
+          <a:fillRef idx="0">
+            <a:schemeClr val="accent1"/>
+          </a:fillRef>
+          <a:effectRef idx="0">
+            <a:schemeClr val="accent1"/>
+          </a:effectRef>
+          <a:fontRef idx="minor">
+            <a:schemeClr val="tx1"/>
+          </a:fontRef>
+        </p:style>
+      </p:cxnSp>
+      <p:cxnSp>
+        <p:nvCxnSpPr>
+          <p:cNvPr id="106" name="Connecteur droit avec flèche 105"/>
+          <p:cNvCxnSpPr/>
+          <p:nvPr/>
+        </p:nvCxnSpPr>
+        <p:spPr>
+          <a:xfrm flipV="1">
+            <a:off x="5076056" y="1830264"/>
+            <a:ext cx="0" cy="172713"/>
+          </a:xfrm>
+          <a:prstGeom prst="straightConnector1">
+            <a:avLst/>
+          </a:prstGeom>
+          <a:ln w="19050">
+            <a:solidFill>
+              <a:srgbClr val="C00000"/>
+            </a:solidFill>
+            <a:tailEnd type="stealth" w="med" len="lg"/>
+          </a:ln>
+        </p:spPr>
+        <p:style>
+          <a:lnRef idx="1">
+            <a:schemeClr val="accent1"/>
+          </a:lnRef>
+          <a:fillRef idx="0">
+            <a:schemeClr val="accent1"/>
+          </a:fillRef>
+          <a:effectRef idx="0">
+            <a:schemeClr val="accent1"/>
+          </a:effectRef>
+          <a:fontRef idx="minor">
+            <a:schemeClr val="tx1"/>
+          </a:fontRef>
+        </p:style>
+      </p:cxnSp>
+      <p:cxnSp>
+        <p:nvCxnSpPr>
+          <p:cNvPr id="108" name="Connecteur droit avec flèche 107"/>
+          <p:cNvCxnSpPr/>
+          <p:nvPr/>
+        </p:nvCxnSpPr>
+        <p:spPr>
+          <a:xfrm rot="16200000">
+            <a:off x="3944802" y="1282894"/>
+            <a:ext cx="1368152" cy="1440158"/>
+          </a:xfrm>
+          <a:prstGeom prst="straightConnector1">
+            <a:avLst/>
+          </a:prstGeom>
+          <a:ln w="9525">
+            <a:solidFill>
+              <a:srgbClr val="C00000"/>
+            </a:solidFill>
+            <a:prstDash val="dash"/>
+            <a:headEnd type="none" w="med" len="med"/>
+            <a:tailEnd type="none" w="med" len="med"/>
+          </a:ln>
+        </p:spPr>
+        <p:style>
+          <a:lnRef idx="1">
+            <a:schemeClr val="accent1"/>
+          </a:lnRef>
+          <a:fillRef idx="0">
+            <a:schemeClr val="accent1"/>
+          </a:fillRef>
+          <a:effectRef idx="0">
+            <a:schemeClr val="accent1"/>
+          </a:effectRef>
+          <a:fontRef idx="minor">
+            <a:schemeClr val="tx1"/>
+          </a:fontRef>
+        </p:style>
+      </p:cxnSp>
+      <p:cxnSp>
+        <p:nvCxnSpPr>
+          <p:cNvPr id="58" name="Connecteur droit avec flèche 57"/>
+          <p:cNvCxnSpPr/>
+          <p:nvPr/>
+        </p:nvCxnSpPr>
+        <p:spPr>
+          <a:xfrm>
+            <a:off x="3954863" y="1278209"/>
+            <a:ext cx="1368152" cy="1440158"/>
+          </a:xfrm>
+          <a:prstGeom prst="straightConnector1">
+            <a:avLst/>
+          </a:prstGeom>
+          <a:ln w="12700">
+            <a:solidFill>
+              <a:srgbClr val="C00000"/>
+            </a:solidFill>
+            <a:headEnd type="none" w="med" len="med"/>
+            <a:tailEnd type="none" w="med" len="med"/>
+          </a:ln>
+        </p:spPr>
+        <p:style>
+          <a:lnRef idx="1">
+            <a:schemeClr val="accent1"/>
+          </a:lnRef>
+          <a:fillRef idx="0">
+            <a:schemeClr val="accent1"/>
+          </a:fillRef>
+          <a:effectRef idx="0">
+            <a:schemeClr val="accent1"/>
+          </a:effectRef>
+          <a:fontRef idx="minor">
+            <a:schemeClr val="tx1"/>
+          </a:fontRef>
+        </p:style>
+      </p:cxnSp>
+      <p:sp>
+        <p:nvSpPr>
+          <p:cNvPr id="109" name="ZoneTexte 108"/>
+          <p:cNvSpPr txBox="1"/>
+          <p:nvPr/>
+        </p:nvSpPr>
+        <p:spPr>
+          <a:xfrm>
+            <a:off x="1439653" y="2997331"/>
+            <a:ext cx="1944216" cy="276999"/>
+          </a:xfrm>
+          <a:prstGeom prst="rect">
+            <a:avLst/>
+          </a:prstGeom>
+          <a:noFill/>
+        </p:spPr>
+        <p:txBody>
+          <a:bodyPr wrap="square" rtlCol="0">
+            <a:spAutoFit/>
+          </a:bodyPr>
+          <a:lstStyle/>
+          <a:p>
+            <a:pPr algn="ctr"/>
+            <a:r>
+              <a:rPr lang="fr-FR" sz="1200" dirty="0"/>
+              <a:t>Cisaillement dû à la torsion</a:t>
+            </a:r>
+          </a:p>
+        </p:txBody>
+      </p:sp>
+      <p:sp>
+        <p:nvSpPr>
+          <p:cNvPr id="110" name="ZoneTexte 109"/>
+          <p:cNvSpPr txBox="1"/>
+          <p:nvPr/>
+        </p:nvSpPr>
+        <p:spPr>
+          <a:xfrm>
+            <a:off x="3666830" y="2998470"/>
+            <a:ext cx="1944217" cy="461665"/>
+          </a:xfrm>
+          <a:prstGeom prst="rect">
+            <a:avLst/>
+          </a:prstGeom>
+          <a:noFill/>
+        </p:spPr>
+        <p:txBody>
+          <a:bodyPr wrap="square" rtlCol="0">
+            <a:spAutoFit/>
+          </a:bodyPr>
+          <a:lstStyle/>
+          <a:p>
+            <a:pPr algn="ctr"/>
+            <a:r>
+              <a:rPr lang="fr-FR" sz="1200" dirty="0"/>
+              <a:t>Cisaillement dû à la torsion plus effort tranchant</a:t>
+            </a:r>
+          </a:p>
+        </p:txBody>
+      </p:sp>
+    </p:spTree>
+    <p:extLst>
+      <p:ext uri="{BB962C8B-B14F-4D97-AF65-F5344CB8AC3E}">
+        <p14:creationId xmlns:p14="http://schemas.microsoft.com/office/powerpoint/2010/main" val="3427606304"/>
+      </p:ext>
+    </p:extLst>
+  </p:cSld>
+  <p:clrMapOvr>
+    <a:masterClrMapping/>
+  </p:clrMapOvr>
+</p:sld>
+</file>
+
+<file path=ppt/slides/slide5.xml><?xml version="1.0" encoding="utf-8"?>
+<p:sld xmlns:a="http://schemas.openxmlformats.org/drawingml/2006/main" xmlns:r="http://schemas.openxmlformats.org/officeDocument/2006/relationships" xmlns:p="http://schemas.openxmlformats.org/presentationml/2006/main">
+  <p:cSld>
+    <p:spTree>
+      <p:nvGrpSpPr>
+        <p:cNvPr id="1" name=""/>
+        <p:cNvGrpSpPr/>
+        <p:nvPr/>
+      </p:nvGrpSpPr>
+      <p:grpSpPr>
+        <a:xfrm>
+          <a:off x="0" y="0"/>
+          <a:ext cx="0" cy="0"/>
+          <a:chOff x="0" y="0"/>
+          <a:chExt cx="0" cy="0"/>
+        </a:xfrm>
+      </p:grpSpPr>
+      <p:sp>
+        <p:nvSpPr>
+          <p:cNvPr id="66" name="Triangle rectangle 65"/>
+          <p:cNvSpPr/>
+          <p:nvPr/>
+        </p:nvSpPr>
+        <p:spPr>
+          <a:xfrm rot="16200000">
+            <a:off x="5438265" y="2142724"/>
+            <a:ext cx="706113" cy="437840"/>
+          </a:xfrm>
+          <a:prstGeom prst="rtTriangle">
+            <a:avLst/>
+          </a:prstGeom>
+          <a:solidFill>
+            <a:schemeClr val="accent2">
+              <a:lumMod val="20000"/>
+              <a:lumOff val="80000"/>
+            </a:schemeClr>
+          </a:solidFill>
+          <a:ln>
+            <a:noFill/>
+          </a:ln>
+        </p:spPr>
+        <p:style>
+          <a:lnRef idx="2">
+            <a:schemeClr val="accent1">
+              <a:shade val="50000"/>
+            </a:schemeClr>
+          </a:lnRef>
+          <a:fillRef idx="1">
+            <a:schemeClr val="accent1"/>
+          </a:fillRef>
+          <a:effectRef idx="0">
+            <a:schemeClr val="accent1"/>
+          </a:effectRef>
+          <a:fontRef idx="minor">
+            <a:schemeClr val="lt1"/>
+          </a:fontRef>
+        </p:style>
+        <p:txBody>
+          <a:bodyPr rtlCol="0" anchor="ctr"/>
+          <a:lstStyle/>
+          <a:p>
+            <a:pPr algn="ctr"/>
+            <a:endParaRPr lang="fr-FR"/>
+          </a:p>
+        </p:txBody>
+      </p:sp>
+      <p:sp>
+        <p:nvSpPr>
+          <p:cNvPr id="8" name="Triangle rectangle 7"/>
+          <p:cNvSpPr/>
+          <p:nvPr/>
+        </p:nvSpPr>
+        <p:spPr>
+          <a:xfrm rot="16200000" flipH="1" flipV="1">
+            <a:off x="5878022" y="1414460"/>
+            <a:ext cx="706113" cy="437840"/>
+          </a:xfrm>
+          <a:prstGeom prst="rtTriangle">
+            <a:avLst/>
+          </a:prstGeom>
+          <a:solidFill>
+            <a:schemeClr val="accent2">
+              <a:lumMod val="20000"/>
+              <a:lumOff val="80000"/>
+            </a:schemeClr>
+          </a:solidFill>
+          <a:ln>
+            <a:noFill/>
+          </a:ln>
+        </p:spPr>
+        <p:style>
+          <a:lnRef idx="2">
+            <a:schemeClr val="accent1">
+              <a:shade val="50000"/>
+            </a:schemeClr>
+          </a:lnRef>
+          <a:fillRef idx="1">
+            <a:schemeClr val="accent1"/>
+          </a:fillRef>
+          <a:effectRef idx="0">
+            <a:schemeClr val="accent1"/>
+          </a:effectRef>
+          <a:fontRef idx="minor">
+            <a:schemeClr val="lt1"/>
+          </a:fontRef>
+        </p:style>
+        <p:txBody>
+          <a:bodyPr rtlCol="0" anchor="ctr"/>
+          <a:lstStyle/>
+          <a:p>
+            <a:pPr algn="ctr"/>
+            <a:endParaRPr lang="fr-FR"/>
+          </a:p>
+        </p:txBody>
+      </p:sp>
+      <p:sp>
+        <p:nvSpPr>
+          <p:cNvPr id="26" name="Rectangle 25"/>
+          <p:cNvSpPr/>
+          <p:nvPr/>
+        </p:nvSpPr>
+        <p:spPr>
+          <a:xfrm>
+            <a:off x="3851919" y="1268760"/>
+            <a:ext cx="360040" cy="1440160"/>
+          </a:xfrm>
+          <a:prstGeom prst="rect">
+            <a:avLst/>
+          </a:prstGeom>
+          <a:solidFill>
+            <a:schemeClr val="accent2">
+              <a:lumMod val="20000"/>
+              <a:lumOff val="80000"/>
+            </a:schemeClr>
+          </a:solidFill>
+          <a:ln>
+            <a:noFill/>
+          </a:ln>
+        </p:spPr>
+        <p:style>
+          <a:lnRef idx="2">
+            <a:schemeClr val="accent1">
+              <a:shade val="50000"/>
+            </a:schemeClr>
+          </a:lnRef>
+          <a:fillRef idx="1">
+            <a:schemeClr val="accent1"/>
+          </a:fillRef>
+          <a:effectRef idx="0">
+            <a:schemeClr val="accent1"/>
+          </a:effectRef>
+          <a:fontRef idx="minor">
+            <a:schemeClr val="lt1"/>
+          </a:fontRef>
+        </p:style>
+        <p:txBody>
+          <a:bodyPr rtlCol="0" anchor="ctr"/>
+          <a:lstStyle/>
+          <a:p>
+            <a:pPr algn="ctr"/>
+            <a:endParaRPr lang="fr-FR"/>
+          </a:p>
+        </p:txBody>
+      </p:sp>
+      <mc:AlternateContent xmlns:mc="http://schemas.openxmlformats.org/markup-compatibility/2006">
+        <mc:Choice xmlns:a14="http://schemas.microsoft.com/office/drawing/2010/main" Requires="a14">
+          <p:sp>
+            <p:nvSpPr>
+              <p:cNvPr id="5" name="ZoneTexte 4"/>
+              <p:cNvSpPr txBox="1"/>
+              <p:nvPr/>
+            </p:nvSpPr>
+            <p:spPr>
+              <a:xfrm>
+                <a:off x="4663311" y="1678657"/>
+                <a:ext cx="393441" cy="307777"/>
+              </a:xfrm>
+              <a:prstGeom prst="rect">
+                <a:avLst/>
+              </a:prstGeom>
+              <a:noFill/>
+            </p:spPr>
+            <p:txBody>
+              <a:bodyPr wrap="none" rtlCol="0">
+                <a:spAutoFit/>
+              </a:bodyPr>
+              <a:lstStyle/>
+              <a:p>
+                <a:pPr/>
+                <a14:m>
+                  <m:oMathPara xmlns:m="http://schemas.openxmlformats.org/officeDocument/2006/math">
+                    <m:oMathParaPr>
+                      <m:jc m:val="centerGroup"/>
+                    </m:oMathParaPr>
+                    <m:oMath xmlns:m="http://schemas.openxmlformats.org/officeDocument/2006/math">
+                      <m:acc>
+                        <m:accPr>
+                          <m:chr m:val="⃗"/>
+                          <m:ctrlPr>
+                            <a:rPr lang="fr-FR" sz="1400" b="0" i="1" smtClean="0">
+                              <a:latin typeface="Cambria Math" panose="02040503050406030204" pitchFamily="18" charset="0"/>
+                            </a:rPr>
+                          </m:ctrlPr>
+                        </m:accPr>
+                        <m:e>
+                          <m:sSub>
+                            <m:sSubPr>
+                              <m:ctrlPr>
+                                <a:rPr lang="fr-FR" sz="1400" i="1">
+                                  <a:latin typeface="Cambria Math" panose="02040503050406030204" pitchFamily="18" charset="0"/>
+                                </a:rPr>
+                              </m:ctrlPr>
+                            </m:sSubPr>
+                            <m:e>
+                              <m:r>
+                                <a:rPr lang="fr-FR" sz="1400" b="0" i="1" smtClean="0">
+                                  <a:latin typeface="Cambria Math" panose="02040503050406030204" pitchFamily="18" charset="0"/>
+                                </a:rPr>
+                                <m:t>𝑥</m:t>
+                              </m:r>
+                            </m:e>
+                            <m:sub>
+                              <m:r>
+                                <a:rPr lang="fr-FR" sz="1400" i="1">
+                                  <a:latin typeface="Cambria Math"/>
+                                </a:rPr>
+                                <m:t>𝑠</m:t>
+                              </m:r>
+                            </m:sub>
+                          </m:sSub>
+                        </m:e>
+                      </m:acc>
+                    </m:oMath>
+                  </m:oMathPara>
+                </a14:m>
+                <a:endParaRPr lang="fr-FR" sz="1400" dirty="0"/>
+              </a:p>
+            </p:txBody>
+          </p:sp>
+        </mc:Choice>
+        <mc:Fallback>
+          <p:sp>
+            <p:nvSpPr>
+              <p:cNvPr id="5" name="ZoneTexte 4"/>
+              <p:cNvSpPr txBox="1">
+                <a:spLocks noRot="1" noChangeAspect="1" noMove="1" noResize="1" noEditPoints="1" noAdjustHandles="1" noChangeArrowheads="1" noChangeShapeType="1" noTextEdit="1"/>
+              </p:cNvSpPr>
+              <p:nvPr/>
+            </p:nvSpPr>
+            <p:spPr>
+              <a:xfrm>
+                <a:off x="4663311" y="1678657"/>
+                <a:ext cx="393441" cy="307777"/>
+              </a:xfrm>
+              <a:prstGeom prst="rect">
+                <a:avLst/>
+              </a:prstGeom>
+              <a:blipFill>
+                <a:blip r:embed="rId2"/>
+                <a:stretch>
+                  <a:fillRect/>
+                </a:stretch>
+              </a:blipFill>
+            </p:spPr>
+            <p:txBody>
+              <a:bodyPr/>
+              <a:lstStyle/>
+              <a:p>
+                <a:r>
+                  <a:rPr lang="fr-FR">
+                    <a:noFill/>
+                  </a:rPr>
+                  <a:t> </a:t>
+                </a:r>
+              </a:p>
+            </p:txBody>
+          </p:sp>
+        </mc:Fallback>
+      </mc:AlternateContent>
+      <p:cxnSp>
+        <p:nvCxnSpPr>
+          <p:cNvPr id="10" name="Connecteur droit avec flèche 9"/>
+          <p:cNvCxnSpPr/>
+          <p:nvPr/>
+        </p:nvCxnSpPr>
+        <p:spPr>
+          <a:xfrm>
+            <a:off x="3131840" y="1268760"/>
+            <a:ext cx="1440160" cy="0"/>
+          </a:xfrm>
+          <a:prstGeom prst="straightConnector1">
+            <a:avLst/>
+          </a:prstGeom>
+          <a:solidFill>
+            <a:schemeClr val="accent5">
+              <a:lumMod val="20000"/>
+              <a:lumOff val="80000"/>
+            </a:schemeClr>
+          </a:solidFill>
+          <a:ln w="28575">
+            <a:solidFill>
+              <a:schemeClr val="accent5">
+                <a:lumMod val="50000"/>
+              </a:schemeClr>
+            </a:solidFill>
+          </a:ln>
+        </p:spPr>
+        <p:style>
+          <a:lnRef idx="2">
+            <a:schemeClr val="accent1">
+              <a:shade val="50000"/>
+            </a:schemeClr>
+          </a:lnRef>
+          <a:fillRef idx="1">
+            <a:schemeClr val="accent1"/>
+          </a:fillRef>
+          <a:effectRef idx="0">
+            <a:schemeClr val="accent1"/>
+          </a:effectRef>
+          <a:fontRef idx="minor">
+            <a:schemeClr val="lt1"/>
+          </a:fontRef>
+        </p:style>
+      </p:cxnSp>
+      <p:cxnSp>
+        <p:nvCxnSpPr>
+          <p:cNvPr id="11" name="Connecteur droit avec flèche 10"/>
+          <p:cNvCxnSpPr/>
+          <p:nvPr/>
+        </p:nvCxnSpPr>
+        <p:spPr>
+          <a:xfrm>
+            <a:off x="2915816" y="1988840"/>
+            <a:ext cx="1944216" cy="0"/>
+          </a:xfrm>
+          <a:prstGeom prst="straightConnector1">
+            <a:avLst/>
+          </a:prstGeom>
+          <a:ln w="19050">
+            <a:solidFill>
+              <a:schemeClr val="accent5">
+                <a:lumMod val="50000"/>
+              </a:schemeClr>
+            </a:solidFill>
+            <a:tailEnd type="stealth" w="med" len="lg"/>
+          </a:ln>
+        </p:spPr>
+        <p:style>
+          <a:lnRef idx="1">
+            <a:schemeClr val="accent1"/>
+          </a:lnRef>
+          <a:fillRef idx="0">
+            <a:schemeClr val="accent1"/>
+          </a:fillRef>
+          <a:effectRef idx="0">
+            <a:schemeClr val="accent1"/>
+          </a:effectRef>
+          <a:fontRef idx="minor">
+            <a:schemeClr val="tx1"/>
+          </a:fontRef>
+        </p:style>
+      </p:cxnSp>
+      <p:cxnSp>
+        <p:nvCxnSpPr>
+          <p:cNvPr id="15" name="Connecteur droit avec flèche 14"/>
+          <p:cNvCxnSpPr/>
+          <p:nvPr/>
+        </p:nvCxnSpPr>
+        <p:spPr>
+          <a:xfrm>
+            <a:off x="3131840" y="2708920"/>
+            <a:ext cx="1440160" cy="0"/>
+          </a:xfrm>
+          <a:prstGeom prst="straightConnector1">
+            <a:avLst/>
+          </a:prstGeom>
+          <a:solidFill>
+            <a:schemeClr val="accent5">
+              <a:lumMod val="20000"/>
+              <a:lumOff val="80000"/>
+            </a:schemeClr>
+          </a:solidFill>
+          <a:ln w="28575">
+            <a:solidFill>
+              <a:schemeClr val="accent5">
+                <a:lumMod val="50000"/>
+              </a:schemeClr>
+            </a:solidFill>
+          </a:ln>
+        </p:spPr>
+        <p:style>
+          <a:lnRef idx="2">
+            <a:schemeClr val="accent1">
+              <a:shade val="50000"/>
+            </a:schemeClr>
+          </a:lnRef>
+          <a:fillRef idx="1">
+            <a:schemeClr val="accent1"/>
+          </a:fillRef>
+          <a:effectRef idx="0">
+            <a:schemeClr val="accent1"/>
+          </a:effectRef>
+          <a:fontRef idx="minor">
+            <a:schemeClr val="lt1"/>
+          </a:fontRef>
+        </p:style>
+      </p:cxnSp>
+      <p:cxnSp>
+        <p:nvCxnSpPr>
+          <p:cNvPr id="16" name="Connecteur droit avec flèche 15"/>
+          <p:cNvCxnSpPr/>
+          <p:nvPr/>
+        </p:nvCxnSpPr>
+        <p:spPr>
+          <a:xfrm flipV="1">
+            <a:off x="3131840" y="1268760"/>
+            <a:ext cx="0" cy="1440160"/>
+          </a:xfrm>
+          <a:prstGeom prst="straightConnector1">
+            <a:avLst/>
+          </a:prstGeom>
+          <a:solidFill>
+            <a:schemeClr val="accent5">
+              <a:lumMod val="20000"/>
+              <a:lumOff val="80000"/>
+            </a:schemeClr>
+          </a:solidFill>
+          <a:ln w="12700">
+            <a:solidFill>
+              <a:schemeClr val="accent5">
+                <a:lumMod val="50000"/>
+              </a:schemeClr>
+            </a:solidFill>
+            <a:prstDash val="dash"/>
+          </a:ln>
+        </p:spPr>
+        <p:style>
+          <a:lnRef idx="2">
+            <a:schemeClr val="accent1">
+              <a:shade val="50000"/>
+            </a:schemeClr>
+          </a:lnRef>
+          <a:fillRef idx="1">
+            <a:schemeClr val="accent1"/>
+          </a:fillRef>
+          <a:effectRef idx="0">
+            <a:schemeClr val="accent1"/>
+          </a:effectRef>
+          <a:fontRef idx="minor">
+            <a:schemeClr val="lt1"/>
+          </a:fontRef>
+        </p:style>
+      </p:cxnSp>
+      <p:cxnSp>
+        <p:nvCxnSpPr>
+          <p:cNvPr id="20" name="Connecteur droit avec flèche 19"/>
+          <p:cNvCxnSpPr/>
+          <p:nvPr/>
+        </p:nvCxnSpPr>
+        <p:spPr>
+          <a:xfrm flipV="1">
+            <a:off x="4572000" y="1268760"/>
+            <a:ext cx="0" cy="1440160"/>
+          </a:xfrm>
+          <a:prstGeom prst="straightConnector1">
+            <a:avLst/>
+          </a:prstGeom>
+          <a:solidFill>
+            <a:schemeClr val="accent5">
+              <a:lumMod val="20000"/>
+              <a:lumOff val="80000"/>
+            </a:schemeClr>
+          </a:solidFill>
+          <a:ln w="12700">
+            <a:solidFill>
+              <a:schemeClr val="accent5">
+                <a:lumMod val="50000"/>
+              </a:schemeClr>
+            </a:solidFill>
+            <a:prstDash val="dash"/>
+          </a:ln>
+        </p:spPr>
+        <p:style>
+          <a:lnRef idx="2">
+            <a:schemeClr val="accent1">
+              <a:shade val="50000"/>
+            </a:schemeClr>
+          </a:lnRef>
+          <a:fillRef idx="1">
+            <a:schemeClr val="accent1"/>
+          </a:fillRef>
+          <a:effectRef idx="0">
+            <a:schemeClr val="accent1"/>
+          </a:effectRef>
+          <a:fontRef idx="minor">
+            <a:schemeClr val="lt1"/>
+          </a:fontRef>
+        </p:style>
+      </p:cxnSp>
+      <p:cxnSp>
+        <p:nvCxnSpPr>
+          <p:cNvPr id="23" name="Connecteur droit avec flèche 22"/>
+          <p:cNvCxnSpPr/>
+          <p:nvPr/>
+        </p:nvCxnSpPr>
+        <p:spPr>
+          <a:xfrm flipV="1">
+            <a:off x="3851920" y="980728"/>
+            <a:ext cx="0" cy="2016224"/>
+          </a:xfrm>
+          <a:prstGeom prst="straightConnector1">
+            <a:avLst/>
+          </a:prstGeom>
+          <a:ln w="19050">
+            <a:solidFill>
+              <a:schemeClr val="accent5">
+                <a:lumMod val="50000"/>
+              </a:schemeClr>
+            </a:solidFill>
+            <a:tailEnd type="stealth" w="med" len="lg"/>
+          </a:ln>
+        </p:spPr>
+        <p:style>
+          <a:lnRef idx="1">
+            <a:schemeClr val="accent1"/>
+          </a:lnRef>
+          <a:fillRef idx="0">
+            <a:schemeClr val="accent1"/>
+          </a:fillRef>
+          <a:effectRef idx="0">
+            <a:schemeClr val="accent1"/>
+          </a:effectRef>
+          <a:fontRef idx="minor">
+            <a:schemeClr val="tx1"/>
+          </a:fontRef>
+        </p:style>
+      </p:cxnSp>
+      <mc:AlternateContent xmlns:mc="http://schemas.openxmlformats.org/markup-compatibility/2006">
+        <mc:Choice xmlns:a14="http://schemas.microsoft.com/office/drawing/2010/main" Requires="a14">
+          <p:sp>
+            <p:nvSpPr>
+              <p:cNvPr id="25" name="ZoneTexte 24"/>
+              <p:cNvSpPr txBox="1"/>
+              <p:nvPr/>
+            </p:nvSpPr>
+            <p:spPr>
+              <a:xfrm>
+                <a:off x="3779912" y="828540"/>
+                <a:ext cx="384208" cy="307777"/>
+              </a:xfrm>
+              <a:prstGeom prst="rect">
+                <a:avLst/>
+              </a:prstGeom>
+              <a:noFill/>
+            </p:spPr>
+            <p:txBody>
+              <a:bodyPr wrap="none" rtlCol="0">
+                <a:spAutoFit/>
+              </a:bodyPr>
+              <a:lstStyle/>
+              <a:p>
+                <a:pPr/>
+                <a14:m>
+                  <m:oMathPara xmlns:m="http://schemas.openxmlformats.org/officeDocument/2006/math">
+                    <m:oMathParaPr>
+                      <m:jc m:val="centerGroup"/>
+                    </m:oMathParaPr>
+                    <m:oMath xmlns:m="http://schemas.openxmlformats.org/officeDocument/2006/math">
+                      <m:acc>
+                        <m:accPr>
+                          <m:chr m:val="⃗"/>
+                          <m:ctrlPr>
+                            <a:rPr lang="fr-FR" sz="1400" b="0" i="1" smtClean="0">
+                              <a:latin typeface="Cambria Math" panose="02040503050406030204" pitchFamily="18" charset="0"/>
+                            </a:rPr>
+                          </m:ctrlPr>
+                        </m:accPr>
+                        <m:e>
+                          <m:sSub>
+                            <m:sSubPr>
+                              <m:ctrlPr>
+                                <a:rPr lang="fr-FR" sz="1400" i="1">
+                                  <a:latin typeface="Cambria Math" panose="02040503050406030204" pitchFamily="18" charset="0"/>
+                                </a:rPr>
+                              </m:ctrlPr>
+                            </m:sSubPr>
+                            <m:e>
+                              <m:r>
+                                <a:rPr lang="fr-FR" sz="1400" b="0" i="1" smtClean="0">
+                                  <a:latin typeface="Cambria Math" panose="02040503050406030204" pitchFamily="18" charset="0"/>
+                                </a:rPr>
+                                <m:t>𝑦</m:t>
+                              </m:r>
+                            </m:e>
+                            <m:sub>
+                              <m:r>
+                                <a:rPr lang="fr-FR" sz="1400" i="1">
+                                  <a:latin typeface="Cambria Math"/>
+                                </a:rPr>
+                                <m:t>𝑠</m:t>
+                              </m:r>
+                            </m:sub>
+                          </m:sSub>
+                        </m:e>
+                      </m:acc>
+                    </m:oMath>
+                  </m:oMathPara>
+                </a14:m>
+                <a:endParaRPr lang="fr-FR" sz="1400" dirty="0"/>
+              </a:p>
+            </p:txBody>
+          </p:sp>
+        </mc:Choice>
+        <mc:Fallback>
+          <p:sp>
+            <p:nvSpPr>
+              <p:cNvPr id="25" name="ZoneTexte 24"/>
+              <p:cNvSpPr txBox="1">
+                <a:spLocks noRot="1" noChangeAspect="1" noMove="1" noResize="1" noEditPoints="1" noAdjustHandles="1" noChangeArrowheads="1" noChangeShapeType="1" noTextEdit="1"/>
+              </p:cNvSpPr>
+              <p:nvPr/>
+            </p:nvSpPr>
+            <p:spPr>
+              <a:xfrm>
+                <a:off x="3779912" y="828540"/>
+                <a:ext cx="384208" cy="307777"/>
+              </a:xfrm>
+              <a:prstGeom prst="rect">
+                <a:avLst/>
+              </a:prstGeom>
+              <a:blipFill>
+                <a:blip r:embed="rId3"/>
+                <a:stretch>
+                  <a:fillRect b="-2000"/>
+                </a:stretch>
+              </a:blipFill>
+            </p:spPr>
+            <p:txBody>
+              <a:bodyPr/>
+              <a:lstStyle/>
+              <a:p>
+                <a:r>
+                  <a:rPr lang="fr-FR">
+                    <a:noFill/>
+                  </a:rPr>
+                  <a:t> </a:t>
+                </a:r>
+              </a:p>
+            </p:txBody>
+          </p:sp>
+        </mc:Fallback>
+      </mc:AlternateContent>
+      <p:cxnSp>
+        <p:nvCxnSpPr>
+          <p:cNvPr id="6" name="Connecteur droit avec flèche 5"/>
+          <p:cNvCxnSpPr/>
+          <p:nvPr/>
+        </p:nvCxnSpPr>
+        <p:spPr>
+          <a:xfrm>
+            <a:off x="3851919" y="1268760"/>
+            <a:ext cx="360040" cy="1"/>
+          </a:xfrm>
+          <a:prstGeom prst="straightConnector1">
+            <a:avLst/>
+          </a:prstGeom>
+          <a:ln w="19050">
+            <a:solidFill>
+              <a:srgbClr val="C00000"/>
+            </a:solidFill>
+            <a:tailEnd type="stealth" w="med" len="lg"/>
+          </a:ln>
+        </p:spPr>
+        <p:style>
+          <a:lnRef idx="1">
+            <a:schemeClr val="accent1"/>
+          </a:lnRef>
+          <a:fillRef idx="0">
+            <a:schemeClr val="accent1"/>
+          </a:fillRef>
+          <a:effectRef idx="0">
+            <a:schemeClr val="accent1"/>
+          </a:effectRef>
+          <a:fontRef idx="minor">
+            <a:schemeClr val="tx1"/>
+          </a:fontRef>
+        </p:style>
+      </p:cxnSp>
+      <p:cxnSp>
+        <p:nvCxnSpPr>
+          <p:cNvPr id="29" name="Connecteur droit avec flèche 28"/>
+          <p:cNvCxnSpPr/>
+          <p:nvPr/>
+        </p:nvCxnSpPr>
+        <p:spPr>
+          <a:xfrm>
+            <a:off x="3851919" y="1412775"/>
+            <a:ext cx="360040" cy="1"/>
+          </a:xfrm>
+          <a:prstGeom prst="straightConnector1">
+            <a:avLst/>
+          </a:prstGeom>
+          <a:ln w="19050">
+            <a:solidFill>
+              <a:srgbClr val="C00000"/>
+            </a:solidFill>
+            <a:tailEnd type="stealth" w="med" len="lg"/>
+          </a:ln>
+        </p:spPr>
+        <p:style>
+          <a:lnRef idx="1">
+            <a:schemeClr val="accent1"/>
+          </a:lnRef>
+          <a:fillRef idx="0">
+            <a:schemeClr val="accent1"/>
+          </a:fillRef>
+          <a:effectRef idx="0">
+            <a:schemeClr val="accent1"/>
+          </a:effectRef>
+          <a:fontRef idx="minor">
+            <a:schemeClr val="tx1"/>
+          </a:fontRef>
+        </p:style>
+      </p:cxnSp>
+      <p:cxnSp>
+        <p:nvCxnSpPr>
+          <p:cNvPr id="30" name="Connecteur droit avec flèche 29"/>
+          <p:cNvCxnSpPr/>
+          <p:nvPr/>
+        </p:nvCxnSpPr>
+        <p:spPr>
+          <a:xfrm>
+            <a:off x="3851919" y="1556790"/>
+            <a:ext cx="360040" cy="1"/>
+          </a:xfrm>
+          <a:prstGeom prst="straightConnector1">
+            <a:avLst/>
+          </a:prstGeom>
+          <a:ln w="19050">
+            <a:solidFill>
+              <a:srgbClr val="C00000"/>
+            </a:solidFill>
+            <a:tailEnd type="stealth" w="med" len="lg"/>
+          </a:ln>
+        </p:spPr>
+        <p:style>
+          <a:lnRef idx="1">
+            <a:schemeClr val="accent1"/>
+          </a:lnRef>
+          <a:fillRef idx="0">
+            <a:schemeClr val="accent1"/>
+          </a:fillRef>
+          <a:effectRef idx="0">
+            <a:schemeClr val="accent1"/>
+          </a:effectRef>
+          <a:fontRef idx="minor">
+            <a:schemeClr val="tx1"/>
+          </a:fontRef>
+        </p:style>
+      </p:cxnSp>
+      <p:cxnSp>
+        <p:nvCxnSpPr>
+          <p:cNvPr id="31" name="Connecteur droit avec flèche 30"/>
+          <p:cNvCxnSpPr/>
+          <p:nvPr/>
+        </p:nvCxnSpPr>
+        <p:spPr>
+          <a:xfrm>
+            <a:off x="3851919" y="1700805"/>
+            <a:ext cx="360040" cy="1"/>
+          </a:xfrm>
+          <a:prstGeom prst="straightConnector1">
+            <a:avLst/>
+          </a:prstGeom>
+          <a:ln w="19050">
+            <a:solidFill>
+              <a:srgbClr val="C00000"/>
+            </a:solidFill>
+            <a:tailEnd type="stealth" w="med" len="lg"/>
+          </a:ln>
+        </p:spPr>
+        <p:style>
+          <a:lnRef idx="1">
+            <a:schemeClr val="accent1"/>
+          </a:lnRef>
+          <a:fillRef idx="0">
+            <a:schemeClr val="accent1"/>
+          </a:fillRef>
+          <a:effectRef idx="0">
+            <a:schemeClr val="accent1"/>
+          </a:effectRef>
+          <a:fontRef idx="minor">
+            <a:schemeClr val="tx1"/>
+          </a:fontRef>
+        </p:style>
+      </p:cxnSp>
+      <p:cxnSp>
+        <p:nvCxnSpPr>
+          <p:cNvPr id="32" name="Connecteur droit avec flèche 31"/>
+          <p:cNvCxnSpPr/>
+          <p:nvPr/>
+        </p:nvCxnSpPr>
+        <p:spPr>
+          <a:xfrm>
+            <a:off x="3851919" y="1844820"/>
+            <a:ext cx="360040" cy="1"/>
+          </a:xfrm>
+          <a:prstGeom prst="straightConnector1">
+            <a:avLst/>
+          </a:prstGeom>
+          <a:ln w="19050">
+            <a:solidFill>
+              <a:srgbClr val="C00000"/>
+            </a:solidFill>
+            <a:tailEnd type="stealth" w="med" len="lg"/>
+          </a:ln>
+        </p:spPr>
+        <p:style>
+          <a:lnRef idx="1">
+            <a:schemeClr val="accent1"/>
+          </a:lnRef>
+          <a:fillRef idx="0">
+            <a:schemeClr val="accent1"/>
+          </a:fillRef>
+          <a:effectRef idx="0">
+            <a:schemeClr val="accent1"/>
+          </a:effectRef>
+          <a:fontRef idx="minor">
+            <a:schemeClr val="tx1"/>
+          </a:fontRef>
+        </p:style>
+      </p:cxnSp>
+      <p:cxnSp>
+        <p:nvCxnSpPr>
+          <p:cNvPr id="33" name="Connecteur droit avec flèche 32"/>
+          <p:cNvCxnSpPr/>
+          <p:nvPr/>
+        </p:nvCxnSpPr>
+        <p:spPr>
+          <a:xfrm>
+            <a:off x="3851919" y="1988835"/>
+            <a:ext cx="360040" cy="1"/>
+          </a:xfrm>
+          <a:prstGeom prst="straightConnector1">
+            <a:avLst/>
+          </a:prstGeom>
+          <a:ln w="19050">
+            <a:solidFill>
+              <a:srgbClr val="C00000"/>
+            </a:solidFill>
+            <a:tailEnd type="stealth" w="med" len="lg"/>
+          </a:ln>
+        </p:spPr>
+        <p:style>
+          <a:lnRef idx="1">
+            <a:schemeClr val="accent1"/>
+          </a:lnRef>
+          <a:fillRef idx="0">
+            <a:schemeClr val="accent1"/>
+          </a:fillRef>
+          <a:effectRef idx="0">
+            <a:schemeClr val="accent1"/>
+          </a:effectRef>
+          <a:fontRef idx="minor">
+            <a:schemeClr val="tx1"/>
+          </a:fontRef>
+        </p:style>
+      </p:cxnSp>
+      <p:cxnSp>
+        <p:nvCxnSpPr>
+          <p:cNvPr id="34" name="Connecteur droit avec flèche 33"/>
+          <p:cNvCxnSpPr/>
+          <p:nvPr/>
+        </p:nvCxnSpPr>
+        <p:spPr>
+          <a:xfrm>
+            <a:off x="3851919" y="2132850"/>
+            <a:ext cx="360040" cy="1"/>
+          </a:xfrm>
+          <a:prstGeom prst="straightConnector1">
+            <a:avLst/>
+          </a:prstGeom>
+          <a:ln w="19050">
+            <a:solidFill>
+              <a:srgbClr val="C00000"/>
+            </a:solidFill>
+            <a:tailEnd type="stealth" w="med" len="lg"/>
+          </a:ln>
+        </p:spPr>
+        <p:style>
+          <a:lnRef idx="1">
+            <a:schemeClr val="accent1"/>
+          </a:lnRef>
+          <a:fillRef idx="0">
+            <a:schemeClr val="accent1"/>
+          </a:fillRef>
+          <a:effectRef idx="0">
+            <a:schemeClr val="accent1"/>
+          </a:effectRef>
+          <a:fontRef idx="minor">
+            <a:schemeClr val="tx1"/>
+          </a:fontRef>
+        </p:style>
+      </p:cxnSp>
+      <p:cxnSp>
+        <p:nvCxnSpPr>
+          <p:cNvPr id="35" name="Connecteur droit avec flèche 34"/>
+          <p:cNvCxnSpPr/>
+          <p:nvPr/>
+        </p:nvCxnSpPr>
+        <p:spPr>
+          <a:xfrm>
+            <a:off x="3851919" y="2276865"/>
+            <a:ext cx="360040" cy="1"/>
+          </a:xfrm>
+          <a:prstGeom prst="straightConnector1">
+            <a:avLst/>
+          </a:prstGeom>
+          <a:ln w="19050">
+            <a:solidFill>
+              <a:srgbClr val="C00000"/>
+            </a:solidFill>
+            <a:tailEnd type="stealth" w="med" len="lg"/>
+          </a:ln>
+        </p:spPr>
+        <p:style>
+          <a:lnRef idx="1">
+            <a:schemeClr val="accent1"/>
+          </a:lnRef>
+          <a:fillRef idx="0">
+            <a:schemeClr val="accent1"/>
+          </a:fillRef>
+          <a:effectRef idx="0">
+            <a:schemeClr val="accent1"/>
+          </a:effectRef>
+          <a:fontRef idx="minor">
+            <a:schemeClr val="tx1"/>
+          </a:fontRef>
+        </p:style>
+      </p:cxnSp>
+      <p:cxnSp>
+        <p:nvCxnSpPr>
+          <p:cNvPr id="36" name="Connecteur droit avec flèche 35"/>
+          <p:cNvCxnSpPr/>
+          <p:nvPr/>
+        </p:nvCxnSpPr>
+        <p:spPr>
+          <a:xfrm>
+            <a:off x="3851919" y="2420880"/>
+            <a:ext cx="360040" cy="1"/>
+          </a:xfrm>
+          <a:prstGeom prst="straightConnector1">
+            <a:avLst/>
+          </a:prstGeom>
+          <a:ln w="19050">
+            <a:solidFill>
+              <a:srgbClr val="C00000"/>
+            </a:solidFill>
+            <a:tailEnd type="stealth" w="med" len="lg"/>
+          </a:ln>
+        </p:spPr>
+        <p:style>
+          <a:lnRef idx="1">
+            <a:schemeClr val="accent1"/>
+          </a:lnRef>
+          <a:fillRef idx="0">
+            <a:schemeClr val="accent1"/>
+          </a:fillRef>
+          <a:effectRef idx="0">
+            <a:schemeClr val="accent1"/>
+          </a:effectRef>
+          <a:fontRef idx="minor">
+            <a:schemeClr val="tx1"/>
+          </a:fontRef>
+        </p:style>
+      </p:cxnSp>
+      <p:cxnSp>
+        <p:nvCxnSpPr>
+          <p:cNvPr id="37" name="Connecteur droit avec flèche 36"/>
+          <p:cNvCxnSpPr/>
+          <p:nvPr/>
+        </p:nvCxnSpPr>
+        <p:spPr>
+          <a:xfrm>
+            <a:off x="3851919" y="2564895"/>
+            <a:ext cx="360040" cy="1"/>
+          </a:xfrm>
+          <a:prstGeom prst="straightConnector1">
+            <a:avLst/>
+          </a:prstGeom>
+          <a:ln w="19050">
+            <a:solidFill>
+              <a:srgbClr val="C00000"/>
+            </a:solidFill>
+            <a:tailEnd type="stealth" w="med" len="lg"/>
+          </a:ln>
+        </p:spPr>
+        <p:style>
+          <a:lnRef idx="1">
+            <a:schemeClr val="accent1"/>
+          </a:lnRef>
+          <a:fillRef idx="0">
+            <a:schemeClr val="accent1"/>
+          </a:fillRef>
+          <a:effectRef idx="0">
+            <a:schemeClr val="accent1"/>
+          </a:effectRef>
+          <a:fontRef idx="minor">
+            <a:schemeClr val="tx1"/>
+          </a:fontRef>
+        </p:style>
+      </p:cxnSp>
+      <p:cxnSp>
+        <p:nvCxnSpPr>
+          <p:cNvPr id="38" name="Connecteur droit avec flèche 37"/>
+          <p:cNvCxnSpPr/>
+          <p:nvPr/>
+        </p:nvCxnSpPr>
+        <p:spPr>
+          <a:xfrm>
+            <a:off x="3851919" y="2708910"/>
+            <a:ext cx="360040" cy="1"/>
+          </a:xfrm>
+          <a:prstGeom prst="straightConnector1">
+            <a:avLst/>
+          </a:prstGeom>
+          <a:ln w="19050">
+            <a:solidFill>
+              <a:srgbClr val="C00000"/>
+            </a:solidFill>
+            <a:tailEnd type="stealth" w="med" len="lg"/>
+          </a:ln>
+        </p:spPr>
+        <p:style>
+          <a:lnRef idx="1">
+            <a:schemeClr val="accent1"/>
+          </a:lnRef>
+          <a:fillRef idx="0">
+            <a:schemeClr val="accent1"/>
+          </a:fillRef>
+          <a:effectRef idx="0">
+            <a:schemeClr val="accent1"/>
+          </a:effectRef>
+          <a:fontRef idx="minor">
+            <a:schemeClr val="tx1"/>
+          </a:fontRef>
+        </p:style>
+      </p:cxnSp>
+      <p:cxnSp>
+        <p:nvCxnSpPr>
+          <p:cNvPr id="39" name="Connecteur droit avec flèche 38"/>
+          <p:cNvCxnSpPr/>
+          <p:nvPr/>
+        </p:nvCxnSpPr>
+        <p:spPr>
+          <a:xfrm flipV="1">
+            <a:off x="4211959" y="1268761"/>
+            <a:ext cx="0" cy="1440149"/>
+          </a:xfrm>
+          <a:prstGeom prst="straightConnector1">
+            <a:avLst/>
+          </a:prstGeom>
+          <a:ln w="19050">
+            <a:solidFill>
+              <a:srgbClr val="C00000"/>
+            </a:solidFill>
+            <a:headEnd type="none" w="med" len="med"/>
+            <a:tailEnd type="none" w="med" len="med"/>
+          </a:ln>
+        </p:spPr>
+        <p:style>
+          <a:lnRef idx="1">
+            <a:schemeClr val="accent1"/>
+          </a:lnRef>
+          <a:fillRef idx="0">
+            <a:schemeClr val="accent1"/>
+          </a:fillRef>
+          <a:effectRef idx="0">
+            <a:schemeClr val="accent1"/>
+          </a:effectRef>
+          <a:fontRef idx="minor">
+            <a:schemeClr val="tx1"/>
+          </a:fontRef>
+        </p:style>
+      </p:cxnSp>
+      <mc:AlternateContent xmlns:mc="http://schemas.openxmlformats.org/markup-compatibility/2006">
+        <mc:Choice xmlns:a14="http://schemas.microsoft.com/office/drawing/2010/main" Requires="a14">
+          <p:sp>
+            <p:nvSpPr>
+              <p:cNvPr id="43" name="ZoneTexte 42"/>
+              <p:cNvSpPr txBox="1"/>
+              <p:nvPr/>
+            </p:nvSpPr>
+            <p:spPr>
+              <a:xfrm>
+                <a:off x="6904627" y="1700803"/>
+                <a:ext cx="393441" cy="307777"/>
+              </a:xfrm>
+              <a:prstGeom prst="rect">
+                <a:avLst/>
+              </a:prstGeom>
+              <a:noFill/>
+            </p:spPr>
+            <p:txBody>
+              <a:bodyPr wrap="none" rtlCol="0">
+                <a:spAutoFit/>
+              </a:bodyPr>
+              <a:lstStyle/>
+              <a:p>
+                <a:pPr/>
+                <a14:m>
+                  <m:oMathPara xmlns:m="http://schemas.openxmlformats.org/officeDocument/2006/math">
+                    <m:oMathParaPr>
+                      <m:jc m:val="centerGroup"/>
+                    </m:oMathParaPr>
+                    <m:oMath xmlns:m="http://schemas.openxmlformats.org/officeDocument/2006/math">
+                      <m:acc>
+                        <m:accPr>
+                          <m:chr m:val="⃗"/>
+                          <m:ctrlPr>
+                            <a:rPr lang="fr-FR" sz="1400" b="0" i="1" smtClean="0">
+                              <a:latin typeface="Cambria Math" panose="02040503050406030204" pitchFamily="18" charset="0"/>
+                            </a:rPr>
+                          </m:ctrlPr>
+                        </m:accPr>
+                        <m:e>
+                          <m:sSub>
+                            <m:sSubPr>
+                              <m:ctrlPr>
+                                <a:rPr lang="fr-FR" sz="1400" i="1">
+                                  <a:latin typeface="Cambria Math" panose="02040503050406030204" pitchFamily="18" charset="0"/>
+                                </a:rPr>
+                              </m:ctrlPr>
+                            </m:sSubPr>
+                            <m:e>
+                              <m:r>
+                                <a:rPr lang="fr-FR" sz="1400" b="0" i="1" smtClean="0">
+                                  <a:latin typeface="Cambria Math" panose="02040503050406030204" pitchFamily="18" charset="0"/>
+                                </a:rPr>
+                                <m:t>𝑥</m:t>
+                              </m:r>
+                            </m:e>
+                            <m:sub>
+                              <m:r>
+                                <a:rPr lang="fr-FR" sz="1400" i="1">
+                                  <a:latin typeface="Cambria Math"/>
+                                </a:rPr>
+                                <m:t>𝑠</m:t>
+                              </m:r>
+                            </m:sub>
+                          </m:sSub>
+                        </m:e>
+                      </m:acc>
+                    </m:oMath>
+                  </m:oMathPara>
+                </a14:m>
+                <a:endParaRPr lang="fr-FR" sz="1400" dirty="0"/>
+              </a:p>
+            </p:txBody>
+          </p:sp>
+        </mc:Choice>
+        <mc:Fallback>
+          <p:sp>
+            <p:nvSpPr>
+              <p:cNvPr id="43" name="ZoneTexte 42"/>
+              <p:cNvSpPr txBox="1">
+                <a:spLocks noRot="1" noChangeAspect="1" noMove="1" noResize="1" noEditPoints="1" noAdjustHandles="1" noChangeArrowheads="1" noChangeShapeType="1" noTextEdit="1"/>
+              </p:cNvSpPr>
+              <p:nvPr/>
+            </p:nvSpPr>
+            <p:spPr>
+              <a:xfrm>
+                <a:off x="6904627" y="1700803"/>
+                <a:ext cx="393441" cy="307777"/>
+              </a:xfrm>
+              <a:prstGeom prst="rect">
+                <a:avLst/>
+              </a:prstGeom>
+              <a:blipFill>
+                <a:blip r:embed="rId4"/>
+                <a:stretch>
+                  <a:fillRect/>
+                </a:stretch>
+              </a:blipFill>
+            </p:spPr>
+            <p:txBody>
+              <a:bodyPr/>
+              <a:lstStyle/>
+              <a:p>
+                <a:r>
+                  <a:rPr lang="fr-FR">
+                    <a:noFill/>
+                  </a:rPr>
+                  <a:t> </a:t>
+                </a:r>
+              </a:p>
+            </p:txBody>
+          </p:sp>
+        </mc:Fallback>
+      </mc:AlternateContent>
+      <p:cxnSp>
+        <p:nvCxnSpPr>
+          <p:cNvPr id="44" name="Connecteur droit avec flèche 43"/>
+          <p:cNvCxnSpPr/>
+          <p:nvPr/>
+        </p:nvCxnSpPr>
+        <p:spPr>
+          <a:xfrm>
+            <a:off x="5292080" y="1268755"/>
+            <a:ext cx="1440160" cy="0"/>
+          </a:xfrm>
+          <a:prstGeom prst="straightConnector1">
+            <a:avLst/>
+          </a:prstGeom>
+          <a:solidFill>
+            <a:schemeClr val="accent5">
+              <a:lumMod val="20000"/>
+              <a:lumOff val="80000"/>
+            </a:schemeClr>
+          </a:solidFill>
+          <a:ln w="28575">
+            <a:solidFill>
+              <a:schemeClr val="accent5">
+                <a:lumMod val="50000"/>
+              </a:schemeClr>
+            </a:solidFill>
+          </a:ln>
+        </p:spPr>
+        <p:style>
+          <a:lnRef idx="2">
+            <a:schemeClr val="accent1">
+              <a:shade val="50000"/>
+            </a:schemeClr>
+          </a:lnRef>
+          <a:fillRef idx="1">
+            <a:schemeClr val="accent1"/>
+          </a:fillRef>
+          <a:effectRef idx="0">
+            <a:schemeClr val="accent1"/>
+          </a:effectRef>
+          <a:fontRef idx="minor">
+            <a:schemeClr val="lt1"/>
+          </a:fontRef>
+        </p:style>
+      </p:cxnSp>
+      <p:cxnSp>
+        <p:nvCxnSpPr>
+          <p:cNvPr id="45" name="Connecteur droit avec flèche 44"/>
+          <p:cNvCxnSpPr/>
+          <p:nvPr/>
+        </p:nvCxnSpPr>
+        <p:spPr>
+          <a:xfrm>
+            <a:off x="5076056" y="1988835"/>
+            <a:ext cx="1944216" cy="0"/>
+          </a:xfrm>
+          <a:prstGeom prst="straightConnector1">
+            <a:avLst/>
+          </a:prstGeom>
+          <a:ln w="19050">
+            <a:solidFill>
+              <a:schemeClr val="accent5">
+                <a:lumMod val="50000"/>
+              </a:schemeClr>
+            </a:solidFill>
+            <a:tailEnd type="stealth" w="med" len="lg"/>
+          </a:ln>
+        </p:spPr>
+        <p:style>
+          <a:lnRef idx="1">
+            <a:schemeClr val="accent1"/>
+          </a:lnRef>
+          <a:fillRef idx="0">
+            <a:schemeClr val="accent1"/>
+          </a:fillRef>
+          <a:effectRef idx="0">
+            <a:schemeClr val="accent1"/>
+          </a:effectRef>
+          <a:fontRef idx="minor">
+            <a:schemeClr val="tx1"/>
+          </a:fontRef>
+        </p:style>
+      </p:cxnSp>
+      <p:cxnSp>
+        <p:nvCxnSpPr>
+          <p:cNvPr id="46" name="Connecteur droit avec flèche 45"/>
+          <p:cNvCxnSpPr/>
+          <p:nvPr/>
+        </p:nvCxnSpPr>
+        <p:spPr>
+          <a:xfrm>
+            <a:off x="5292080" y="2708915"/>
+            <a:ext cx="1440160" cy="0"/>
+          </a:xfrm>
+          <a:prstGeom prst="straightConnector1">
+            <a:avLst/>
+          </a:prstGeom>
+          <a:solidFill>
+            <a:schemeClr val="accent5">
+              <a:lumMod val="20000"/>
+              <a:lumOff val="80000"/>
+            </a:schemeClr>
+          </a:solidFill>
+          <a:ln w="28575">
+            <a:solidFill>
+              <a:schemeClr val="accent5">
+                <a:lumMod val="50000"/>
+              </a:schemeClr>
+            </a:solidFill>
+          </a:ln>
+        </p:spPr>
+        <p:style>
+          <a:lnRef idx="2">
+            <a:schemeClr val="accent1">
+              <a:shade val="50000"/>
+            </a:schemeClr>
+          </a:lnRef>
+          <a:fillRef idx="1">
+            <a:schemeClr val="accent1"/>
+          </a:fillRef>
+          <a:effectRef idx="0">
+            <a:schemeClr val="accent1"/>
+          </a:effectRef>
+          <a:fontRef idx="minor">
+            <a:schemeClr val="lt1"/>
+          </a:fontRef>
+        </p:style>
+      </p:cxnSp>
+      <p:cxnSp>
+        <p:nvCxnSpPr>
+          <p:cNvPr id="47" name="Connecteur droit avec flèche 46"/>
+          <p:cNvCxnSpPr/>
+          <p:nvPr/>
+        </p:nvCxnSpPr>
+        <p:spPr>
+          <a:xfrm flipV="1">
+            <a:off x="5292080" y="1268755"/>
+            <a:ext cx="0" cy="1440160"/>
+          </a:xfrm>
+          <a:prstGeom prst="straightConnector1">
+            <a:avLst/>
+          </a:prstGeom>
+          <a:solidFill>
+            <a:schemeClr val="accent5">
+              <a:lumMod val="20000"/>
+              <a:lumOff val="80000"/>
+            </a:schemeClr>
+          </a:solidFill>
+          <a:ln w="12700">
+            <a:solidFill>
+              <a:schemeClr val="accent5">
+                <a:lumMod val="50000"/>
+              </a:schemeClr>
+            </a:solidFill>
+            <a:prstDash val="dash"/>
+          </a:ln>
+        </p:spPr>
+        <p:style>
+          <a:lnRef idx="2">
+            <a:schemeClr val="accent1">
+              <a:shade val="50000"/>
+            </a:schemeClr>
+          </a:lnRef>
+          <a:fillRef idx="1">
+            <a:schemeClr val="accent1"/>
+          </a:fillRef>
+          <a:effectRef idx="0">
+            <a:schemeClr val="accent1"/>
+          </a:effectRef>
+          <a:fontRef idx="minor">
+            <a:schemeClr val="lt1"/>
+          </a:fontRef>
+        </p:style>
+      </p:cxnSp>
+      <p:cxnSp>
+        <p:nvCxnSpPr>
+          <p:cNvPr id="48" name="Connecteur droit avec flèche 47"/>
+          <p:cNvCxnSpPr/>
+          <p:nvPr/>
+        </p:nvCxnSpPr>
+        <p:spPr>
+          <a:xfrm flipV="1">
+            <a:off x="6732240" y="1268755"/>
+            <a:ext cx="0" cy="1440160"/>
+          </a:xfrm>
+          <a:prstGeom prst="straightConnector1">
+            <a:avLst/>
+          </a:prstGeom>
+          <a:solidFill>
+            <a:schemeClr val="accent5">
+              <a:lumMod val="20000"/>
+              <a:lumOff val="80000"/>
+            </a:schemeClr>
+          </a:solidFill>
+          <a:ln w="12700">
+            <a:solidFill>
+              <a:schemeClr val="accent5">
+                <a:lumMod val="50000"/>
+              </a:schemeClr>
+            </a:solidFill>
+            <a:prstDash val="dash"/>
+          </a:ln>
+        </p:spPr>
+        <p:style>
+          <a:lnRef idx="2">
+            <a:schemeClr val="accent1">
+              <a:shade val="50000"/>
+            </a:schemeClr>
+          </a:lnRef>
+          <a:fillRef idx="1">
+            <a:schemeClr val="accent1"/>
+          </a:fillRef>
+          <a:effectRef idx="0">
+            <a:schemeClr val="accent1"/>
+          </a:effectRef>
+          <a:fontRef idx="minor">
+            <a:schemeClr val="lt1"/>
+          </a:fontRef>
+        </p:style>
+      </p:cxnSp>
+      <p:cxnSp>
+        <p:nvCxnSpPr>
+          <p:cNvPr id="49" name="Connecteur droit avec flèche 48"/>
+          <p:cNvCxnSpPr/>
+          <p:nvPr/>
+        </p:nvCxnSpPr>
+        <p:spPr>
+          <a:xfrm flipV="1">
+            <a:off x="6012160" y="980723"/>
+            <a:ext cx="0" cy="2016224"/>
+          </a:xfrm>
+          <a:prstGeom prst="straightConnector1">
+            <a:avLst/>
+          </a:prstGeom>
+          <a:ln w="19050">
+            <a:solidFill>
+              <a:schemeClr val="accent5">
+                <a:lumMod val="50000"/>
+              </a:schemeClr>
+            </a:solidFill>
+            <a:tailEnd type="stealth" w="med" len="lg"/>
+          </a:ln>
+        </p:spPr>
+        <p:style>
+          <a:lnRef idx="1">
+            <a:schemeClr val="accent1"/>
+          </a:lnRef>
+          <a:fillRef idx="0">
+            <a:schemeClr val="accent1"/>
+          </a:fillRef>
+          <a:effectRef idx="0">
+            <a:schemeClr val="accent1"/>
+          </a:effectRef>
+          <a:fontRef idx="minor">
+            <a:schemeClr val="tx1"/>
+          </a:fontRef>
+        </p:style>
+      </p:cxnSp>
+      <mc:AlternateContent xmlns:mc="http://schemas.openxmlformats.org/markup-compatibility/2006">
+        <mc:Choice xmlns:a14="http://schemas.microsoft.com/office/drawing/2010/main" Requires="a14">
+          <p:sp>
+            <p:nvSpPr>
+              <p:cNvPr id="50" name="ZoneTexte 49"/>
+              <p:cNvSpPr txBox="1"/>
+              <p:nvPr/>
+            </p:nvSpPr>
+            <p:spPr>
+              <a:xfrm>
+                <a:off x="5940152" y="828535"/>
+                <a:ext cx="384208" cy="307777"/>
+              </a:xfrm>
+              <a:prstGeom prst="rect">
+                <a:avLst/>
+              </a:prstGeom>
+              <a:noFill/>
+            </p:spPr>
+            <p:txBody>
+              <a:bodyPr wrap="none" rtlCol="0">
+                <a:spAutoFit/>
+              </a:bodyPr>
+              <a:lstStyle/>
+              <a:p>
+                <a:pPr/>
+                <a14:m>
+                  <m:oMathPara xmlns:m="http://schemas.openxmlformats.org/officeDocument/2006/math">
+                    <m:oMathParaPr>
+                      <m:jc m:val="centerGroup"/>
+                    </m:oMathParaPr>
+                    <m:oMath xmlns:m="http://schemas.openxmlformats.org/officeDocument/2006/math">
+                      <m:acc>
+                        <m:accPr>
+                          <m:chr m:val="⃗"/>
+                          <m:ctrlPr>
+                            <a:rPr lang="fr-FR" sz="1400" b="0" i="1" smtClean="0">
+                              <a:latin typeface="Cambria Math" panose="02040503050406030204" pitchFamily="18" charset="0"/>
+                            </a:rPr>
+                          </m:ctrlPr>
+                        </m:accPr>
+                        <m:e>
+                          <m:sSub>
+                            <m:sSubPr>
+                              <m:ctrlPr>
+                                <a:rPr lang="fr-FR" sz="1400" i="1">
+                                  <a:latin typeface="Cambria Math" panose="02040503050406030204" pitchFamily="18" charset="0"/>
+                                </a:rPr>
+                              </m:ctrlPr>
+                            </m:sSubPr>
+                            <m:e>
+                              <m:r>
+                                <a:rPr lang="fr-FR" sz="1400" b="0" i="1" smtClean="0">
+                                  <a:latin typeface="Cambria Math" panose="02040503050406030204" pitchFamily="18" charset="0"/>
+                                </a:rPr>
+                                <m:t>𝑦</m:t>
+                              </m:r>
+                            </m:e>
+                            <m:sub>
+                              <m:r>
+                                <a:rPr lang="fr-FR" sz="1400" i="1">
+                                  <a:latin typeface="Cambria Math"/>
+                                </a:rPr>
+                                <m:t>𝑠</m:t>
+                              </m:r>
+                            </m:sub>
+                          </m:sSub>
+                        </m:e>
+                      </m:acc>
+                    </m:oMath>
+                  </m:oMathPara>
+                </a14:m>
+                <a:endParaRPr lang="fr-FR" sz="1400" dirty="0"/>
+              </a:p>
+            </p:txBody>
+          </p:sp>
+        </mc:Choice>
+        <mc:Fallback>
+          <p:sp>
+            <p:nvSpPr>
+              <p:cNvPr id="50" name="ZoneTexte 49"/>
+              <p:cNvSpPr txBox="1">
+                <a:spLocks noRot="1" noChangeAspect="1" noMove="1" noResize="1" noEditPoints="1" noAdjustHandles="1" noChangeArrowheads="1" noChangeShapeType="1" noTextEdit="1"/>
+              </p:cNvSpPr>
+              <p:nvPr/>
+            </p:nvSpPr>
+            <p:spPr>
+              <a:xfrm>
+                <a:off x="5940152" y="828535"/>
+                <a:ext cx="384208" cy="307777"/>
+              </a:xfrm>
+              <a:prstGeom prst="rect">
+                <a:avLst/>
+              </a:prstGeom>
+              <a:blipFill>
+                <a:blip r:embed="rId5"/>
+                <a:stretch>
+                  <a:fillRect b="-2000"/>
+                </a:stretch>
+              </a:blipFill>
+            </p:spPr>
+            <p:txBody>
+              <a:bodyPr/>
+              <a:lstStyle/>
+              <a:p>
+                <a:r>
+                  <a:rPr lang="fr-FR">
+                    <a:noFill/>
+                  </a:rPr>
+                  <a:t> </a:t>
+                </a:r>
+              </a:p>
+            </p:txBody>
+          </p:sp>
+        </mc:Fallback>
+      </mc:AlternateContent>
+      <p:cxnSp>
+        <p:nvCxnSpPr>
+          <p:cNvPr id="51" name="Connecteur droit avec flèche 50"/>
+          <p:cNvCxnSpPr>
+            <a:endCxn id="8" idx="0"/>
+          </p:cNvCxnSpPr>
+          <p:nvPr/>
+        </p:nvCxnSpPr>
+        <p:spPr>
+          <a:xfrm>
+            <a:off x="6012159" y="1268755"/>
+            <a:ext cx="437840" cy="0"/>
+          </a:xfrm>
+          <a:prstGeom prst="straightConnector1">
+            <a:avLst/>
+          </a:prstGeom>
+          <a:ln w="19050">
+            <a:solidFill>
+              <a:srgbClr val="C00000"/>
+            </a:solidFill>
+            <a:tailEnd type="stealth" w="med" len="lg"/>
+          </a:ln>
+        </p:spPr>
+        <p:style>
+          <a:lnRef idx="1">
+            <a:schemeClr val="accent1"/>
+          </a:lnRef>
+          <a:fillRef idx="0">
+            <a:schemeClr val="accent1"/>
+          </a:fillRef>
+          <a:effectRef idx="0">
+            <a:schemeClr val="accent1"/>
+          </a:effectRef>
+          <a:fontRef idx="minor">
+            <a:schemeClr val="tx1"/>
+          </a:fontRef>
+        </p:style>
+      </p:cxnSp>
+      <p:cxnSp>
+        <p:nvCxnSpPr>
+          <p:cNvPr id="52" name="Connecteur droit avec flèche 51"/>
+          <p:cNvCxnSpPr/>
+          <p:nvPr/>
+        </p:nvCxnSpPr>
+        <p:spPr>
+          <a:xfrm>
+            <a:off x="6012159" y="1412770"/>
+            <a:ext cx="360040" cy="1"/>
+          </a:xfrm>
+          <a:prstGeom prst="straightConnector1">
+            <a:avLst/>
+          </a:prstGeom>
+          <a:ln w="19050">
+            <a:solidFill>
+              <a:srgbClr val="C00000"/>
+            </a:solidFill>
+            <a:tailEnd type="stealth" w="med" len="lg"/>
+          </a:ln>
+        </p:spPr>
+        <p:style>
+          <a:lnRef idx="1">
+            <a:schemeClr val="accent1"/>
+          </a:lnRef>
+          <a:fillRef idx="0">
+            <a:schemeClr val="accent1"/>
+          </a:fillRef>
+          <a:effectRef idx="0">
+            <a:schemeClr val="accent1"/>
+          </a:effectRef>
+          <a:fontRef idx="minor">
+            <a:schemeClr val="tx1"/>
+          </a:fontRef>
+        </p:style>
+      </p:cxnSp>
+      <p:cxnSp>
+        <p:nvCxnSpPr>
+          <p:cNvPr id="53" name="Connecteur droit avec flèche 52"/>
+          <p:cNvCxnSpPr/>
+          <p:nvPr/>
+        </p:nvCxnSpPr>
+        <p:spPr>
+          <a:xfrm>
+            <a:off x="6012159" y="1556785"/>
+            <a:ext cx="257821" cy="0"/>
+          </a:xfrm>
+          <a:prstGeom prst="straightConnector1">
+            <a:avLst/>
+          </a:prstGeom>
+          <a:ln w="19050">
+            <a:solidFill>
+              <a:srgbClr val="C00000"/>
+            </a:solidFill>
+            <a:tailEnd type="stealth" w="med" len="lg"/>
+          </a:ln>
+        </p:spPr>
+        <p:style>
+          <a:lnRef idx="1">
+            <a:schemeClr val="accent1"/>
+          </a:lnRef>
+          <a:fillRef idx="0">
+            <a:schemeClr val="accent1"/>
+          </a:fillRef>
+          <a:effectRef idx="0">
+            <a:schemeClr val="accent1"/>
+          </a:effectRef>
+          <a:fontRef idx="minor">
+            <a:schemeClr val="tx1"/>
+          </a:fontRef>
+        </p:style>
+      </p:cxnSp>
+      <p:cxnSp>
+        <p:nvCxnSpPr>
+          <p:cNvPr id="54" name="Connecteur droit avec flèche 53"/>
+          <p:cNvCxnSpPr/>
+          <p:nvPr/>
+        </p:nvCxnSpPr>
+        <p:spPr>
+          <a:xfrm>
+            <a:off x="6012159" y="1700800"/>
+            <a:ext cx="172388" cy="0"/>
+          </a:xfrm>
+          <a:prstGeom prst="straightConnector1">
+            <a:avLst/>
+          </a:prstGeom>
+          <a:ln w="19050">
+            <a:solidFill>
+              <a:srgbClr val="C00000"/>
+            </a:solidFill>
+            <a:tailEnd type="stealth" w="med" len="lg"/>
+          </a:ln>
+        </p:spPr>
+        <p:style>
+          <a:lnRef idx="1">
+            <a:schemeClr val="accent1"/>
+          </a:lnRef>
+          <a:fillRef idx="0">
+            <a:schemeClr val="accent1"/>
+          </a:fillRef>
+          <a:effectRef idx="0">
+            <a:schemeClr val="accent1"/>
+          </a:effectRef>
+          <a:fontRef idx="minor">
+            <a:schemeClr val="tx1"/>
+          </a:fontRef>
+        </p:style>
+      </p:cxnSp>
+      <p:cxnSp>
+        <p:nvCxnSpPr>
+          <p:cNvPr id="55" name="Connecteur droit avec flèche 54"/>
+          <p:cNvCxnSpPr/>
+          <p:nvPr/>
+        </p:nvCxnSpPr>
+        <p:spPr>
+          <a:xfrm>
+            <a:off x="6012159" y="1844815"/>
+            <a:ext cx="120097" cy="0"/>
+          </a:xfrm>
+          <a:prstGeom prst="straightConnector1">
+            <a:avLst/>
+          </a:prstGeom>
+          <a:ln w="19050">
+            <a:solidFill>
+              <a:srgbClr val="C00000"/>
+            </a:solidFill>
+            <a:tailEnd type="stealth" w="med" len="lg"/>
+          </a:ln>
+        </p:spPr>
+        <p:style>
+          <a:lnRef idx="1">
+            <a:schemeClr val="accent1"/>
+          </a:lnRef>
+          <a:fillRef idx="0">
+            <a:schemeClr val="accent1"/>
+          </a:fillRef>
+          <a:effectRef idx="0">
+            <a:schemeClr val="accent1"/>
+          </a:effectRef>
+          <a:fontRef idx="minor">
+            <a:schemeClr val="tx1"/>
+          </a:fontRef>
+        </p:style>
+      </p:cxnSp>
+      <p:cxnSp>
+        <p:nvCxnSpPr>
+          <p:cNvPr id="57" name="Connecteur droit avec flèche 56"/>
+          <p:cNvCxnSpPr/>
+          <p:nvPr/>
+        </p:nvCxnSpPr>
+        <p:spPr>
+          <a:xfrm flipH="1">
+            <a:off x="5916415" y="2132845"/>
+            <a:ext cx="95745" cy="0"/>
+          </a:xfrm>
+          <a:prstGeom prst="straightConnector1">
+            <a:avLst/>
+          </a:prstGeom>
+          <a:ln w="19050">
+            <a:solidFill>
+              <a:srgbClr val="C00000"/>
+            </a:solidFill>
+            <a:tailEnd type="stealth" w="med" len="lg"/>
+          </a:ln>
+        </p:spPr>
+        <p:style>
+          <a:lnRef idx="1">
+            <a:schemeClr val="accent1"/>
+          </a:lnRef>
+          <a:fillRef idx="0">
+            <a:schemeClr val="accent1"/>
+          </a:fillRef>
+          <a:effectRef idx="0">
+            <a:schemeClr val="accent1"/>
+          </a:effectRef>
+          <a:fontRef idx="minor">
+            <a:schemeClr val="tx1"/>
+          </a:fontRef>
+        </p:style>
+      </p:cxnSp>
+      <p:cxnSp>
+        <p:nvCxnSpPr>
+          <p:cNvPr id="58" name="Connecteur droit avec flèche 57"/>
+          <p:cNvCxnSpPr/>
+          <p:nvPr/>
+        </p:nvCxnSpPr>
+        <p:spPr>
+          <a:xfrm flipH="1">
+            <a:off x="5830223" y="2276860"/>
+            <a:ext cx="181937" cy="0"/>
+          </a:xfrm>
+          <a:prstGeom prst="straightConnector1">
+            <a:avLst/>
+          </a:prstGeom>
+          <a:ln w="19050">
+            <a:solidFill>
+              <a:srgbClr val="C00000"/>
+            </a:solidFill>
+            <a:tailEnd type="stealth" w="med" len="lg"/>
+          </a:ln>
+        </p:spPr>
+        <p:style>
+          <a:lnRef idx="1">
+            <a:schemeClr val="accent1"/>
+          </a:lnRef>
+          <a:fillRef idx="0">
+            <a:schemeClr val="accent1"/>
+          </a:fillRef>
+          <a:effectRef idx="0">
+            <a:schemeClr val="accent1"/>
+          </a:effectRef>
+          <a:fontRef idx="minor">
+            <a:schemeClr val="tx1"/>
+          </a:fontRef>
+        </p:style>
+      </p:cxnSp>
+      <p:cxnSp>
+        <p:nvCxnSpPr>
+          <p:cNvPr id="59" name="Connecteur droit avec flèche 58"/>
+          <p:cNvCxnSpPr/>
+          <p:nvPr/>
+        </p:nvCxnSpPr>
+        <p:spPr>
+          <a:xfrm flipH="1">
+            <a:off x="5724127" y="2420875"/>
+            <a:ext cx="288033" cy="0"/>
+          </a:xfrm>
+          <a:prstGeom prst="straightConnector1">
+            <a:avLst/>
+          </a:prstGeom>
+          <a:ln w="19050">
+            <a:solidFill>
+              <a:srgbClr val="C00000"/>
+            </a:solidFill>
+            <a:tailEnd type="stealth" w="med" len="lg"/>
+          </a:ln>
+        </p:spPr>
+        <p:style>
+          <a:lnRef idx="1">
+            <a:schemeClr val="accent1"/>
+          </a:lnRef>
+          <a:fillRef idx="0">
+            <a:schemeClr val="accent1"/>
+          </a:fillRef>
+          <a:effectRef idx="0">
+            <a:schemeClr val="accent1"/>
+          </a:effectRef>
+          <a:fontRef idx="minor">
+            <a:schemeClr val="tx1"/>
+          </a:fontRef>
+        </p:style>
+      </p:cxnSp>
+      <p:cxnSp>
+        <p:nvCxnSpPr>
+          <p:cNvPr id="60" name="Connecteur droit avec flèche 59"/>
+          <p:cNvCxnSpPr/>
+          <p:nvPr/>
+        </p:nvCxnSpPr>
+        <p:spPr>
+          <a:xfrm flipH="1">
+            <a:off x="5652120" y="2564890"/>
+            <a:ext cx="360040" cy="1"/>
+          </a:xfrm>
+          <a:prstGeom prst="straightConnector1">
+            <a:avLst/>
+          </a:prstGeom>
+          <a:ln w="19050">
+            <a:solidFill>
+              <a:srgbClr val="C00000"/>
+            </a:solidFill>
+            <a:tailEnd type="stealth" w="med" len="lg"/>
+          </a:ln>
+        </p:spPr>
+        <p:style>
+          <a:lnRef idx="1">
+            <a:schemeClr val="accent1"/>
+          </a:lnRef>
+          <a:fillRef idx="0">
+            <a:schemeClr val="accent1"/>
+          </a:fillRef>
+          <a:effectRef idx="0">
+            <a:schemeClr val="accent1"/>
+          </a:effectRef>
+          <a:fontRef idx="minor">
+            <a:schemeClr val="tx1"/>
+          </a:fontRef>
+        </p:style>
+      </p:cxnSp>
+      <p:cxnSp>
+        <p:nvCxnSpPr>
+          <p:cNvPr id="61" name="Connecteur droit avec flèche 60"/>
+          <p:cNvCxnSpPr>
+            <a:endCxn id="66" idx="0"/>
+          </p:cNvCxnSpPr>
+          <p:nvPr/>
+        </p:nvCxnSpPr>
+        <p:spPr>
+          <a:xfrm flipH="1">
+            <a:off x="5572402" y="2708905"/>
+            <a:ext cx="439758" cy="5796"/>
+          </a:xfrm>
+          <a:prstGeom prst="straightConnector1">
+            <a:avLst/>
+          </a:prstGeom>
+          <a:ln w="19050">
+            <a:solidFill>
+              <a:srgbClr val="C00000"/>
+            </a:solidFill>
+            <a:tailEnd type="stealth" w="med" len="lg"/>
+          </a:ln>
+        </p:spPr>
+        <p:style>
+          <a:lnRef idx="1">
+            <a:schemeClr val="accent1"/>
+          </a:lnRef>
+          <a:fillRef idx="0">
+            <a:schemeClr val="accent1"/>
+          </a:fillRef>
+          <a:effectRef idx="0">
+            <a:schemeClr val="accent1"/>
+          </a:effectRef>
+          <a:fontRef idx="minor">
+            <a:schemeClr val="tx1"/>
+          </a:fontRef>
+        </p:style>
+      </p:cxnSp>
+      <p:cxnSp>
+        <p:nvCxnSpPr>
+          <p:cNvPr id="62" name="Connecteur droit avec flèche 61"/>
+          <p:cNvCxnSpPr/>
+          <p:nvPr/>
+        </p:nvCxnSpPr>
+        <p:spPr>
+          <a:xfrm flipV="1">
+            <a:off x="5580112" y="1268754"/>
+            <a:ext cx="869887" cy="1440152"/>
+          </a:xfrm>
+          <a:prstGeom prst="straightConnector1">
+            <a:avLst/>
+          </a:prstGeom>
+          <a:ln w="19050">
+            <a:solidFill>
+              <a:srgbClr val="C00000"/>
+            </a:solidFill>
+            <a:headEnd type="none" w="med" len="med"/>
+            <a:tailEnd type="none" w="med" len="med"/>
+          </a:ln>
+        </p:spPr>
+        <p:style>
+          <a:lnRef idx="1">
+            <a:schemeClr val="accent1"/>
+          </a:lnRef>
+          <a:fillRef idx="0">
+            <a:schemeClr val="accent1"/>
+          </a:fillRef>
+          <a:effectRef idx="0">
+            <a:schemeClr val="accent1"/>
+          </a:effectRef>
+          <a:fontRef idx="minor">
+            <a:schemeClr val="tx1"/>
+          </a:fontRef>
+        </p:style>
+      </p:cxnSp>
+      <p:sp>
+        <p:nvSpPr>
+          <p:cNvPr id="81" name="ZoneTexte 80"/>
+          <p:cNvSpPr txBox="1"/>
+          <p:nvPr/>
+        </p:nvSpPr>
+        <p:spPr>
+          <a:xfrm>
+            <a:off x="2884110" y="3027245"/>
+            <a:ext cx="1944216" cy="461665"/>
+          </a:xfrm>
+          <a:prstGeom prst="rect">
+            <a:avLst/>
+          </a:prstGeom>
+          <a:noFill/>
+        </p:spPr>
+        <p:txBody>
+          <a:bodyPr wrap="square" rtlCol="0">
+            <a:spAutoFit/>
+          </a:bodyPr>
+          <a:lstStyle/>
+          <a:p>
+            <a:pPr algn="ctr"/>
+            <a:r>
+              <a:rPr lang="fr-FR" sz="1200" dirty="0"/>
+              <a:t>Contrainte normale due à la traction</a:t>
+            </a:r>
+          </a:p>
+        </p:txBody>
+      </p:sp>
+      <p:sp>
+        <p:nvSpPr>
+          <p:cNvPr id="82" name="ZoneTexte 81"/>
+          <p:cNvSpPr txBox="1"/>
+          <p:nvPr/>
+        </p:nvSpPr>
+        <p:spPr>
+          <a:xfrm>
+            <a:off x="5038134" y="3027245"/>
+            <a:ext cx="1944216" cy="461665"/>
+          </a:xfrm>
+          <a:prstGeom prst="rect">
+            <a:avLst/>
+          </a:prstGeom>
+          <a:noFill/>
+        </p:spPr>
+        <p:txBody>
+          <a:bodyPr wrap="square" rtlCol="0">
+            <a:spAutoFit/>
+          </a:bodyPr>
+          <a:lstStyle/>
+          <a:p>
+            <a:pPr algn="ctr"/>
+            <a:r>
+              <a:rPr lang="fr-FR" sz="1200" dirty="0"/>
+              <a:t>Contrainte normale due à la flexion</a:t>
+            </a:r>
+          </a:p>
+        </p:txBody>
+      </p:sp>
+    </p:spTree>
+    <p:extLst>
+      <p:ext uri="{BB962C8B-B14F-4D97-AF65-F5344CB8AC3E}">
+        <p14:creationId xmlns:p14="http://schemas.microsoft.com/office/powerpoint/2010/main" val="2817545923"/>
       </p:ext>
     </p:extLst>
   </p:cSld>
